--- a/Entrega02.pptx
+++ b/Entrega02.pptx
@@ -14,9 +14,8 @@
     <p:sldId id="262" r:id="rId8"/>
     <p:sldId id="263" r:id="rId9"/>
     <p:sldId id="264" r:id="rId10"/>
-    <p:sldId id="265" r:id="rId11"/>
-    <p:sldId id="266" r:id="rId12"/>
-    <p:sldId id="267" r:id="rId13"/>
+    <p:sldId id="266" r:id="rId11"/>
+    <p:sldId id="267" r:id="rId12"/>
   </p:sldIdLst>
   <p:sldSz cx="12192000" cy="6858000"/>
   <p:notesSz cx="6858000" cy="9144000"/>
@@ -8336,7 +8335,7 @@
           <a:p>
             <a:fld id="{DDD670B3-E2EA-4637-9A35-A3F69C814A4D}" type="datetimeFigureOut">
               <a:rPr lang="pt-BR" smtClean="0"/>
-              <a:t>18/08/2017</a:t>
+              <a:t>22/08/2017</a:t>
             </a:fld>
             <a:endParaRPr lang="pt-BR"/>
           </a:p>
@@ -8550,7 +8549,7 @@
           <a:p>
             <a:fld id="{DDD670B3-E2EA-4637-9A35-A3F69C814A4D}" type="datetimeFigureOut">
               <a:rPr lang="pt-BR" smtClean="0"/>
-              <a:t>18/08/2017</a:t>
+              <a:t>22/08/2017</a:t>
             </a:fld>
             <a:endParaRPr lang="pt-BR"/>
           </a:p>
@@ -8774,7 +8773,7 @@
           <a:p>
             <a:fld id="{DDD670B3-E2EA-4637-9A35-A3F69C814A4D}" type="datetimeFigureOut">
               <a:rPr lang="pt-BR" smtClean="0"/>
-              <a:t>18/08/2017</a:t>
+              <a:t>22/08/2017</a:t>
             </a:fld>
             <a:endParaRPr lang="pt-BR"/>
           </a:p>
@@ -8988,7 +8987,7 @@
           <a:p>
             <a:fld id="{DDD670B3-E2EA-4637-9A35-A3F69C814A4D}" type="datetimeFigureOut">
               <a:rPr lang="pt-BR" smtClean="0"/>
-              <a:t>18/08/2017</a:t>
+              <a:t>22/08/2017</a:t>
             </a:fld>
             <a:endParaRPr lang="pt-BR"/>
           </a:p>
@@ -9278,7 +9277,7 @@
           <a:p>
             <a:fld id="{DDD670B3-E2EA-4637-9A35-A3F69C814A4D}" type="datetimeFigureOut">
               <a:rPr lang="pt-BR" smtClean="0"/>
-              <a:t>18/08/2017</a:t>
+              <a:t>22/08/2017</a:t>
             </a:fld>
             <a:endParaRPr lang="pt-BR"/>
           </a:p>
@@ -9554,7 +9553,7 @@
           <a:p>
             <a:fld id="{DDD670B3-E2EA-4637-9A35-A3F69C814A4D}" type="datetimeFigureOut">
               <a:rPr lang="pt-BR" smtClean="0"/>
-              <a:t>18/08/2017</a:t>
+              <a:t>22/08/2017</a:t>
             </a:fld>
             <a:endParaRPr lang="pt-BR"/>
           </a:p>
@@ -9965,7 +9964,7 @@
           <a:p>
             <a:fld id="{DDD670B3-E2EA-4637-9A35-A3F69C814A4D}" type="datetimeFigureOut">
               <a:rPr lang="pt-BR" smtClean="0"/>
-              <a:t>18/08/2017</a:t>
+              <a:t>22/08/2017</a:t>
             </a:fld>
             <a:endParaRPr lang="pt-BR"/>
           </a:p>
@@ -10127,7 +10126,7 @@
           <a:p>
             <a:fld id="{DDD670B3-E2EA-4637-9A35-A3F69C814A4D}" type="datetimeFigureOut">
               <a:rPr lang="pt-BR" smtClean="0"/>
-              <a:t>18/08/2017</a:t>
+              <a:t>22/08/2017</a:t>
             </a:fld>
             <a:endParaRPr lang="pt-BR"/>
           </a:p>
@@ -10266,7 +10265,7 @@
           <a:p>
             <a:fld id="{DDD670B3-E2EA-4637-9A35-A3F69C814A4D}" type="datetimeFigureOut">
               <a:rPr lang="pt-BR" smtClean="0"/>
-              <a:t>18/08/2017</a:t>
+              <a:t>22/08/2017</a:t>
             </a:fld>
             <a:endParaRPr lang="pt-BR"/>
           </a:p>
@@ -10587,7 +10586,7 @@
           <a:p>
             <a:fld id="{DDD670B3-E2EA-4637-9A35-A3F69C814A4D}" type="datetimeFigureOut">
               <a:rPr lang="pt-BR" smtClean="0"/>
-              <a:t>18/08/2017</a:t>
+              <a:t>22/08/2017</a:t>
             </a:fld>
             <a:endParaRPr lang="pt-BR"/>
           </a:p>
@@ -10888,7 +10887,7 @@
           <a:p>
             <a:fld id="{DDD670B3-E2EA-4637-9A35-A3F69C814A4D}" type="datetimeFigureOut">
               <a:rPr lang="pt-BR" smtClean="0"/>
-              <a:t>18/08/2017</a:t>
+              <a:t>22/08/2017</a:t>
             </a:fld>
             <a:endParaRPr lang="pt-BR"/>
           </a:p>
@@ -11145,7 +11144,7 @@
           <a:p>
             <a:fld id="{DDD670B3-E2EA-4637-9A35-A3F69C814A4D}" type="datetimeFigureOut">
               <a:rPr lang="pt-BR" smtClean="0"/>
-              <a:t>18/08/2017</a:t>
+              <a:t>22/08/2017</a:t>
             </a:fld>
             <a:endParaRPr lang="pt-BR"/>
           </a:p>
@@ -11648,14 +11647,14 @@
           <a:p>
             <a:r>
               <a:rPr lang="pt-BR" sz="2800" dirty="0"/>
-              <a:t>3ª atividade</a:t>
+              <a:t>4ª atividade</a:t>
             </a:r>
           </a:p>
         </p:txBody>
       </p:sp>
       <p:sp>
         <p:nvSpPr>
-          <p:cNvPr id="4" name="Espaço Reservado para Conteúdo 3"/>
+          <p:cNvPr id="3" name="Espaço Reservado para Conteúdo 2"/>
           <p:cNvSpPr>
             <a:spLocks noGrp="1"/>
           </p:cNvSpPr>
@@ -11663,12 +11662,56 @@
             <p:ph idx="1"/>
           </p:nvPr>
         </p:nvSpPr>
-        <p:spPr/>
+        <p:spPr>
+          <a:xfrm>
+            <a:off x="2184400" y="357312"/>
+            <a:ext cx="9855200" cy="4351338"/>
+          </a:xfrm>
+        </p:spPr>
         <p:txBody>
-          <a:bodyPr/>
+          <a:bodyPr>
+            <a:normAutofit/>
+          </a:bodyPr>
           <a:lstStyle/>
           <a:p>
-            <a:endParaRPr lang="pt-BR"/>
+            <a:pPr marL="0" indent="0">
+              <a:buNone/>
+            </a:pPr>
+            <a:r>
+              <a:rPr lang="pt-BR" sz="1800" dirty="0"/>
+              <a:t>Para ser completo, o portfólio deve ter uma página inicial e uma página sobre o aluno.</a:t>
+            </a:r>
+            <a:endParaRPr lang="pt-BR" sz="1200" dirty="0"/>
+          </a:p>
+        </p:txBody>
+      </p:sp>
+      <p:sp>
+        <p:nvSpPr>
+          <p:cNvPr id="6" name="CaixaDeTexto 5"/>
+          <p:cNvSpPr txBox="1"/>
+          <p:nvPr/>
+        </p:nvSpPr>
+        <p:spPr>
+          <a:xfrm>
+            <a:off x="279400" y="908111"/>
+            <a:ext cx="11620500" cy="369332"/>
+          </a:xfrm>
+          <a:prstGeom prst="rect">
+            <a:avLst/>
+          </a:prstGeom>
+          <a:noFill/>
+        </p:spPr>
+        <p:txBody>
+          <a:bodyPr wrap="square" rtlCol="0">
+            <a:spAutoFit/>
+          </a:bodyPr>
+          <a:lstStyle/>
+          <a:p>
+            <a:r>
+              <a:rPr lang="pt-BR" dirty="0"/>
+              <a:t>Desenhe o consenso do seu grupo a respeito de como deve ser a primeira página do portfólio e a página “Sobre Mim”.</a:t>
+            </a:r>
+            <a:endParaRPr lang="pt-BR" sz="1600" dirty="0"/>
           </a:p>
         </p:txBody>
       </p:sp>
@@ -11680,7 +11723,7 @@
         </p:nvSpPr>
         <p:spPr>
           <a:xfrm>
-            <a:off x="508000" y="939800"/>
+            <a:off x="469900" y="1252032"/>
             <a:ext cx="11252200" cy="5384800"/>
           </a:xfrm>
           <a:prstGeom prst="roundRect">
@@ -11710,7 +11753,7 @@
             <a:pPr algn="ctr"/>
             <a:r>
               <a:rPr lang="pt-BR" sz="3600" dirty="0"/>
-              <a:t>Desenhe um exemplo AQUI!</a:t>
+              <a:t>Desenhe sua página inicial do portfólio AQUI!</a:t>
             </a:r>
           </a:p>
         </p:txBody>
@@ -11718,7 +11761,7 @@
     </p:spTree>
     <p:extLst>
       <p:ext uri="{BB962C8B-B14F-4D97-AF65-F5344CB8AC3E}">
-        <p14:creationId xmlns:p14="http://schemas.microsoft.com/office/powerpoint/2010/main" val="3438142704"/>
+        <p14:creationId xmlns:p14="http://schemas.microsoft.com/office/powerpoint/2010/main" val="2326673454"/>
       </p:ext>
     </p:extLst>
   </p:cSld>
@@ -11757,7 +11800,7 @@
         </p:nvSpPr>
         <p:spPr>
           <a:xfrm>
-            <a:off x="266700" y="-104775"/>
+            <a:off x="240575" y="0"/>
             <a:ext cx="10515600" cy="1325563"/>
           </a:xfrm>
         </p:spPr>
@@ -11774,190 +11817,35 @@
           </a:p>
         </p:txBody>
       </p:sp>
-      <p:sp>
-        <p:nvSpPr>
+      <p:pic>
+        <p:nvPicPr>
           <p:cNvPr id="3" name="Espaço Reservado para Conteúdo 2"/>
-          <p:cNvSpPr>
-            <a:spLocks noGrp="1"/>
-          </p:cNvSpPr>
+          <p:cNvPicPr>
+            <a:picLocks noGrp="1" noChangeAspect="1"/>
+          </p:cNvPicPr>
           <p:nvPr>
             <p:ph idx="1"/>
           </p:nvPr>
-        </p:nvSpPr>
+        </p:nvPicPr>
+        <p:blipFill>
+          <a:blip r:embed="rId2">
+            <a:extLst>
+              <a:ext uri="{28A0092B-C50C-407E-A947-70E740481C1C}">
+                <a14:useLocalDpi xmlns:a14="http://schemas.microsoft.com/office/drawing/2010/main" val="0"/>
+              </a:ext>
+            </a:extLst>
+          </a:blip>
+          <a:stretch>
+            <a:fillRect/>
+          </a:stretch>
+        </p:blipFill>
         <p:spPr>
           <a:xfrm>
-            <a:off x="2184400" y="357312"/>
-            <a:ext cx="9855200" cy="4351338"/>
+            <a:off x="2228144" y="1825625"/>
+            <a:ext cx="7735712" cy="4351338"/>
           </a:xfrm>
         </p:spPr>
-        <p:txBody>
-          <a:bodyPr>
-            <a:normAutofit/>
-          </a:bodyPr>
-          <a:lstStyle/>
-          <a:p>
-            <a:pPr marL="0" indent="0">
-              <a:buNone/>
-            </a:pPr>
-            <a:r>
-              <a:rPr lang="pt-BR" sz="1800" dirty="0"/>
-              <a:t>Para ser completo, o portfólio deve ter uma página inicial e uma página sobre o aluno.</a:t>
-            </a:r>
-            <a:endParaRPr lang="pt-BR" sz="1200" dirty="0"/>
-          </a:p>
-        </p:txBody>
-      </p:sp>
-      <p:sp>
-        <p:nvSpPr>
-          <p:cNvPr id="6" name="CaixaDeTexto 5"/>
-          <p:cNvSpPr txBox="1"/>
-          <p:nvPr/>
-        </p:nvSpPr>
-        <p:spPr>
-          <a:xfrm>
-            <a:off x="279400" y="908111"/>
-            <a:ext cx="11620500" cy="369332"/>
-          </a:xfrm>
-          <a:prstGeom prst="rect">
-            <a:avLst/>
-          </a:prstGeom>
-          <a:noFill/>
-        </p:spPr>
-        <p:txBody>
-          <a:bodyPr wrap="square" rtlCol="0">
-            <a:spAutoFit/>
-          </a:bodyPr>
-          <a:lstStyle/>
-          <a:p>
-            <a:r>
-              <a:rPr lang="pt-BR" dirty="0"/>
-              <a:t>Desenhe o consenso do seu grupo a respeito de como deve ser a primeira página do portfólio e a página “Sobre Mim”.</a:t>
-            </a:r>
-            <a:endParaRPr lang="pt-BR" sz="1600" dirty="0"/>
-          </a:p>
-        </p:txBody>
-      </p:sp>
-      <p:sp>
-        <p:nvSpPr>
-          <p:cNvPr id="5" name="Retângulo: Cantos Arredondados 4"/>
-          <p:cNvSpPr/>
-          <p:nvPr/>
-        </p:nvSpPr>
-        <p:spPr>
-          <a:xfrm>
-            <a:off x="469900" y="1252032"/>
-            <a:ext cx="11252200" cy="5384800"/>
-          </a:xfrm>
-          <a:prstGeom prst="roundRect">
-            <a:avLst/>
-          </a:prstGeom>
-        </p:spPr>
-        <p:style>
-          <a:lnRef idx="2">
-            <a:schemeClr val="accent1">
-              <a:shade val="50000"/>
-            </a:schemeClr>
-          </a:lnRef>
-          <a:fillRef idx="1">
-            <a:schemeClr val="accent1"/>
-          </a:fillRef>
-          <a:effectRef idx="0">
-            <a:schemeClr val="accent1"/>
-          </a:effectRef>
-          <a:fontRef idx="minor">
-            <a:schemeClr val="lt1"/>
-          </a:fontRef>
-        </p:style>
-        <p:txBody>
-          <a:bodyPr rtlCol="0" anchor="ctr"/>
-          <a:lstStyle/>
-          <a:p>
-            <a:pPr algn="ctr"/>
-            <a:r>
-              <a:rPr lang="pt-BR" sz="3600" dirty="0"/>
-              <a:t>Desenhe sua página inicial do portfólio AQUI!</a:t>
-            </a:r>
-          </a:p>
-        </p:txBody>
-      </p:sp>
-    </p:spTree>
-    <p:extLst>
-      <p:ext uri="{BB962C8B-B14F-4D97-AF65-F5344CB8AC3E}">
-        <p14:creationId xmlns:p14="http://schemas.microsoft.com/office/powerpoint/2010/main" val="2326673454"/>
-      </p:ext>
-    </p:extLst>
-  </p:cSld>
-  <p:clrMapOvr>
-    <a:masterClrMapping/>
-  </p:clrMapOvr>
-</p:sld>
-</file>
-
-<file path=ppt/slides/slide12.xml><?xml version="1.0" encoding="utf-8"?>
-<p:sld xmlns:a="http://schemas.openxmlformats.org/drawingml/2006/main" xmlns:r="http://schemas.openxmlformats.org/officeDocument/2006/relationships" xmlns:p="http://schemas.openxmlformats.org/presentationml/2006/main">
-  <p:cSld>
-    <p:spTree>
-      <p:nvGrpSpPr>
-        <p:cNvPr id="1" name=""/>
-        <p:cNvGrpSpPr/>
-        <p:nvPr/>
-      </p:nvGrpSpPr>
-      <p:grpSpPr>
-        <a:xfrm>
-          <a:off x="0" y="0"/>
-          <a:ext cx="0" cy="0"/>
-          <a:chOff x="0" y="0"/>
-          <a:chExt cx="0" cy="0"/>
-        </a:xfrm>
-      </p:grpSpPr>
-      <p:sp>
-        <p:nvSpPr>
-          <p:cNvPr id="2" name="Título 1"/>
-          <p:cNvSpPr>
-            <a:spLocks noGrp="1"/>
-          </p:cNvSpPr>
-          <p:nvPr>
-            <p:ph type="title"/>
-          </p:nvPr>
-        </p:nvSpPr>
-        <p:spPr>
-          <a:xfrm>
-            <a:off x="266700" y="-104775"/>
-            <a:ext cx="10515600" cy="1325563"/>
-          </a:xfrm>
-        </p:spPr>
-        <p:txBody>
-          <a:bodyPr>
-            <a:normAutofit/>
-          </a:bodyPr>
-          <a:lstStyle/>
-          <a:p>
-            <a:r>
-              <a:rPr lang="pt-BR" sz="2800" dirty="0"/>
-              <a:t>4ª atividade</a:t>
-            </a:r>
-          </a:p>
-        </p:txBody>
-      </p:sp>
-      <p:sp>
-        <p:nvSpPr>
-          <p:cNvPr id="4" name="Espaço Reservado para Conteúdo 3"/>
-          <p:cNvSpPr>
-            <a:spLocks noGrp="1"/>
-          </p:cNvSpPr>
-          <p:nvPr>
-            <p:ph idx="1"/>
-          </p:nvPr>
-        </p:nvSpPr>
-        <p:spPr/>
-        <p:txBody>
-          <a:bodyPr/>
-          <a:lstStyle/>
-          <a:p>
-            <a:endParaRPr lang="pt-BR"/>
-          </a:p>
-        </p:txBody>
-      </p:sp>
+      </p:pic>
       <p:sp>
         <p:nvSpPr>
           <p:cNvPr id="5" name="Retângulo: Cantos Arredondados 4"/>
@@ -11998,6 +11886,140 @@
               <a:rPr lang="pt-BR" sz="3600" dirty="0"/>
               <a:t>Desenhe sua página “Sobre mim” AQUI!</a:t>
             </a:r>
+          </a:p>
+        </p:txBody>
+      </p:sp>
+      <p:pic>
+        <p:nvPicPr>
+          <p:cNvPr id="6" name="Imagem 5"/>
+          <p:cNvPicPr>
+            <a:picLocks noChangeAspect="1"/>
+          </p:cNvPicPr>
+          <p:nvPr/>
+        </p:nvPicPr>
+        <p:blipFill>
+          <a:blip r:embed="rId2">
+            <a:extLst>
+              <a:ext uri="{28A0092B-C50C-407E-A947-70E740481C1C}">
+                <a14:useLocalDpi xmlns:a14="http://schemas.microsoft.com/office/drawing/2010/main" val="0"/>
+              </a:ext>
+            </a:extLst>
+          </a:blip>
+          <a:stretch>
+            <a:fillRect/>
+          </a:stretch>
+        </p:blipFill>
+        <p:spPr>
+          <a:xfrm>
+            <a:off x="469900" y="796937"/>
+            <a:ext cx="11252200" cy="6056289"/>
+          </a:xfrm>
+          <a:prstGeom prst="rect">
+            <a:avLst/>
+          </a:prstGeom>
+        </p:spPr>
+      </p:pic>
+      <p:sp>
+        <p:nvSpPr>
+          <p:cNvPr id="7" name="CaixaDeTexto 6"/>
+          <p:cNvSpPr txBox="1"/>
+          <p:nvPr/>
+        </p:nvSpPr>
+        <p:spPr>
+          <a:xfrm>
+            <a:off x="4369525" y="3334414"/>
+            <a:ext cx="4509589" cy="1815882"/>
+          </a:xfrm>
+          <a:prstGeom prst="rect">
+            <a:avLst/>
+          </a:prstGeom>
+          <a:noFill/>
+        </p:spPr>
+        <p:txBody>
+          <a:bodyPr wrap="square" rtlCol="0">
+            <a:spAutoFit/>
+          </a:bodyPr>
+          <a:lstStyle/>
+          <a:p>
+            <a:r>
+              <a:rPr lang="pt-BR" sz="2800" dirty="0" smtClean="0"/>
+              <a:t>Uma breve </a:t>
+            </a:r>
+            <a:r>
+              <a:rPr lang="pt-BR" sz="2800" dirty="0" err="1" smtClean="0"/>
+              <a:t>bio</a:t>
+            </a:r>
+            <a:r>
+              <a:rPr lang="pt-BR" sz="2800" dirty="0" smtClean="0"/>
+              <a:t> explicando sobre interesses, experiências acadêmicas e profissionais, e curiosidades </a:t>
+            </a:r>
+            <a:endParaRPr lang="pt-BR" sz="2800" dirty="0"/>
+          </a:p>
+        </p:txBody>
+      </p:sp>
+      <p:sp>
+        <p:nvSpPr>
+          <p:cNvPr id="8" name="CaixaDeTexto 7"/>
+          <p:cNvSpPr txBox="1"/>
+          <p:nvPr/>
+        </p:nvSpPr>
+        <p:spPr>
+          <a:xfrm>
+            <a:off x="968304" y="2534195"/>
+            <a:ext cx="2316480" cy="3416320"/>
+          </a:xfrm>
+          <a:prstGeom prst="rect">
+            <a:avLst/>
+          </a:prstGeom>
+          <a:solidFill>
+            <a:schemeClr val="accent4">
+              <a:lumMod val="75000"/>
+            </a:schemeClr>
+          </a:solidFill>
+        </p:spPr>
+        <p:txBody>
+          <a:bodyPr wrap="square" rtlCol="0">
+            <a:spAutoFit/>
+          </a:bodyPr>
+          <a:lstStyle/>
+          <a:p>
+            <a:r>
+              <a:rPr lang="pt-BR" dirty="0" smtClean="0"/>
+              <a:t>Foto</a:t>
+            </a:r>
+          </a:p>
+          <a:p>
+            <a:endParaRPr lang="pt-BR" dirty="0"/>
+          </a:p>
+          <a:p>
+            <a:endParaRPr lang="pt-BR" dirty="0" smtClean="0"/>
+          </a:p>
+          <a:p>
+            <a:endParaRPr lang="pt-BR" dirty="0"/>
+          </a:p>
+          <a:p>
+            <a:endParaRPr lang="pt-BR" dirty="0" smtClean="0"/>
+          </a:p>
+          <a:p>
+            <a:endParaRPr lang="pt-BR" dirty="0"/>
+          </a:p>
+          <a:p>
+            <a:endParaRPr lang="pt-BR" dirty="0" smtClean="0"/>
+          </a:p>
+          <a:p>
+            <a:endParaRPr lang="pt-BR" dirty="0"/>
+          </a:p>
+          <a:p>
+            <a:endParaRPr lang="pt-BR" dirty="0" smtClean="0"/>
+          </a:p>
+          <a:p>
+            <a:endParaRPr lang="pt-BR" dirty="0"/>
+          </a:p>
+          <a:p>
+            <a:endParaRPr lang="pt-BR" dirty="0" smtClean="0"/>
+          </a:p>
+          <a:p>
+            <a:endParaRPr lang="pt-BR" dirty="0"/>
           </a:p>
         </p:txBody>
       </p:sp>
@@ -12663,7 +12685,15 @@
             <a:pPr algn="ctr"/>
             <a:r>
               <a:rPr lang="pt-BR" sz="3600" dirty="0" smtClean="0"/>
-              <a:t>Colocaremos um menu vertical do lado esquerdo da página, e no centro haverá uma </a:t>
+              <a:t>Colocaremos um menu vertical do lado </a:t>
+            </a:r>
+            <a:r>
+              <a:rPr lang="pt-BR" sz="3600" dirty="0" smtClean="0"/>
+              <a:t>direito </a:t>
+            </a:r>
+            <a:r>
+              <a:rPr lang="pt-BR" sz="3600" dirty="0" smtClean="0"/>
+              <a:t>da página, e no centro haverá uma </a:t>
             </a:r>
             <a:r>
               <a:rPr lang="pt-BR" sz="3600" dirty="0" err="1" smtClean="0"/>
@@ -12671,7 +12701,19 @@
             </a:r>
             <a:r>
               <a:rPr lang="pt-BR" sz="3600" dirty="0" smtClean="0"/>
-              <a:t> com os projetos mais requisitados. Esse critério será feito de acordo com o interesse de cada um dos usuários, assim como os tópicos da barra lateral do menu.</a:t>
+              <a:t> com os projetos mais requisitados. Esse critério será feito de acordo com o interesse de cada um dos usuários, assim como os tópicos da barra lateral do menu</a:t>
+            </a:r>
+            <a:r>
+              <a:rPr lang="pt-BR" sz="3600" dirty="0" smtClean="0"/>
+              <a:t>. No caso do profissional do mercado financeiro, gostaríamos de destacar </a:t>
+            </a:r>
+            <a:r>
+              <a:rPr lang="pt-BR" sz="3600" dirty="0" err="1" smtClean="0"/>
+              <a:t>ModSim</a:t>
+            </a:r>
+            <a:r>
+              <a:rPr lang="pt-BR" sz="3600" dirty="0" smtClean="0"/>
+              <a:t>, Natureza do Design e Grandes Desafios da Engenharia </a:t>
             </a:r>
             <a:endParaRPr lang="pt-BR" sz="3600" dirty="0"/>
           </a:p>
@@ -13363,6 +13405,146 @@
               <a:rPr lang="pt-BR" sz="3600" dirty="0"/>
               <a:t>Desenhe sua página de projeto AQUI!</a:t>
             </a:r>
+          </a:p>
+        </p:txBody>
+      </p:sp>
+      <p:pic>
+        <p:nvPicPr>
+          <p:cNvPr id="6" name="Imagem 5"/>
+          <p:cNvPicPr>
+            <a:picLocks noChangeAspect="1"/>
+          </p:cNvPicPr>
+          <p:nvPr/>
+        </p:nvPicPr>
+        <p:blipFill>
+          <a:blip r:embed="rId2">
+            <a:extLst>
+              <a:ext uri="{28A0092B-C50C-407E-A947-70E740481C1C}">
+                <a14:useLocalDpi xmlns:a14="http://schemas.microsoft.com/office/drawing/2010/main" val="0"/>
+              </a:ext>
+            </a:extLst>
+          </a:blip>
+          <a:stretch>
+            <a:fillRect/>
+          </a:stretch>
+        </p:blipFill>
+        <p:spPr>
+          <a:xfrm>
+            <a:off x="478609" y="724989"/>
+            <a:ext cx="11252200" cy="6133011"/>
+          </a:xfrm>
+          <a:prstGeom prst="rect">
+            <a:avLst/>
+          </a:prstGeom>
+        </p:spPr>
+      </p:pic>
+      <p:sp>
+        <p:nvSpPr>
+          <p:cNvPr id="7" name="CaixaDeTexto 6"/>
+          <p:cNvSpPr txBox="1"/>
+          <p:nvPr/>
+        </p:nvSpPr>
+        <p:spPr>
+          <a:xfrm>
+            <a:off x="8940437" y="2246810"/>
+            <a:ext cx="2229394" cy="3785652"/>
+          </a:xfrm>
+          <a:prstGeom prst="rect">
+            <a:avLst/>
+          </a:prstGeom>
+          <a:noFill/>
+        </p:spPr>
+        <p:txBody>
+          <a:bodyPr wrap="square" rtlCol="0">
+            <a:spAutoFit/>
+          </a:bodyPr>
+          <a:lstStyle/>
+          <a:p>
+            <a:r>
+              <a:rPr lang="pt-BR" sz="2400" dirty="0" smtClean="0"/>
+              <a:t>Nessa região haverá a </a:t>
+            </a:r>
+            <a:r>
+              <a:rPr lang="pt-BR" sz="2400" dirty="0" err="1" smtClean="0"/>
+              <a:t>menubar</a:t>
+            </a:r>
+            <a:r>
+              <a:rPr lang="pt-BR" sz="2400" dirty="0" smtClean="0"/>
+              <a:t> com os projetos em ordem de importância: </a:t>
+            </a:r>
+            <a:r>
+              <a:rPr lang="pt-BR" sz="2400" dirty="0" err="1" smtClean="0"/>
+              <a:t>Modsim</a:t>
+            </a:r>
+            <a:r>
+              <a:rPr lang="pt-BR" sz="2400" dirty="0" smtClean="0"/>
+              <a:t>, </a:t>
+            </a:r>
+            <a:r>
+              <a:rPr lang="pt-BR" sz="2400" dirty="0" err="1" smtClean="0"/>
+              <a:t>NatDes</a:t>
+            </a:r>
+            <a:r>
+              <a:rPr lang="pt-BR" sz="2400" dirty="0" smtClean="0"/>
+              <a:t>, GDE, </a:t>
+            </a:r>
+            <a:r>
+              <a:rPr lang="pt-BR" sz="2400" dirty="0" err="1" smtClean="0"/>
+              <a:t>DesSoft</a:t>
+            </a:r>
+            <a:r>
+              <a:rPr lang="pt-BR" sz="2400" dirty="0" smtClean="0"/>
+              <a:t>, </a:t>
+            </a:r>
+            <a:r>
+              <a:rPr lang="pt-BR" sz="2400" dirty="0" err="1" smtClean="0"/>
+              <a:t>InstruMed</a:t>
+            </a:r>
+            <a:endParaRPr lang="pt-BR" sz="2400" dirty="0"/>
+          </a:p>
+        </p:txBody>
+      </p:sp>
+      <p:sp>
+        <p:nvSpPr>
+          <p:cNvPr id="8" name="CaixaDeTexto 7"/>
+          <p:cNvSpPr txBox="1"/>
+          <p:nvPr/>
+        </p:nvSpPr>
+        <p:spPr>
+          <a:xfrm>
+            <a:off x="757644" y="2050552"/>
+            <a:ext cx="6287588" cy="369332"/>
+          </a:xfrm>
+          <a:prstGeom prst="rect">
+            <a:avLst/>
+          </a:prstGeom>
+          <a:solidFill>
+            <a:schemeClr val="accent2"/>
+          </a:solidFill>
+        </p:spPr>
+        <p:txBody>
+          <a:bodyPr wrap="square" rtlCol="0">
+            <a:spAutoFit/>
+          </a:bodyPr>
+          <a:lstStyle/>
+          <a:p>
+            <a:r>
+              <a:rPr lang="pt-BR" dirty="0" err="1" smtClean="0"/>
+              <a:t>ModSim</a:t>
+            </a:r>
+            <a:r>
+              <a:rPr lang="pt-BR" dirty="0" smtClean="0"/>
+              <a:t>                              </a:t>
+            </a:r>
+            <a:r>
+              <a:rPr lang="pt-BR" dirty="0" err="1" smtClean="0"/>
+              <a:t>NatDes</a:t>
+            </a:r>
+            <a:r>
+              <a:rPr lang="pt-BR" dirty="0" smtClean="0"/>
+              <a:t>                                       GDE</a:t>
+            </a:r>
+            <a:endParaRPr lang="pt-BR" dirty="0"/>
           </a:p>
         </p:txBody>
       </p:sp>

--- a/Entrega02.pptx
+++ b/Entrega02.pptx
@@ -120,6 +120,10 @@
     </p:ext>
   </p:extLst>
 </p:presentation>
+</file>
+
+<file path=ppt/revisionInfo.xml><?xml version="1.0" encoding="utf-8"?>
+<p1510:revInfo xmlns:a="http://schemas.openxmlformats.org/drawingml/2006/main" xmlns:r="http://schemas.openxmlformats.org/officeDocument/2006/relationships" xmlns:p1510="http://schemas.microsoft.com/office/powerpoint/2015/10/main"/>
 </file>
 
 <file path=ppt/diagrams/colors1.xml><?xml version="1.0" encoding="utf-8"?>
@@ -963,10 +967,9 @@
         <a:lstStyle/>
         <a:p>
           <a:r>
-            <a:rPr lang="pt-BR" dirty="0" smtClean="0"/>
+            <a:rPr lang="pt-BR" dirty="0"/>
             <a:t>Projeto 1 – Design de Software </a:t>
           </a:r>
-          <a:endParaRPr lang="pt-BR" dirty="0"/>
         </a:p>
       </dgm:t>
     </dgm:pt>
@@ -1036,10 +1039,9 @@
         <a:lstStyle/>
         <a:p>
           <a:r>
-            <a:rPr lang="pt-BR" dirty="0" smtClean="0"/>
+            <a:rPr lang="pt-BR" dirty="0"/>
             <a:t>Projeto 3 – Design de Software</a:t>
           </a:r>
-          <a:endParaRPr lang="pt-BR" dirty="0"/>
         </a:p>
       </dgm:t>
     </dgm:pt>
@@ -1145,18 +1147,17 @@
         <a:lstStyle/>
         <a:p>
           <a:r>
-            <a:rPr lang="pt-BR" dirty="0" smtClean="0"/>
+            <a:rPr lang="pt-BR" dirty="0"/>
             <a:t>Projeto 1, 2, 3 – </a:t>
           </a:r>
           <a:r>
-            <a:rPr lang="pt-BR" dirty="0" err="1" smtClean="0"/>
+            <a:rPr lang="pt-BR" dirty="0" err="1"/>
             <a:t>ModSim</a:t>
           </a:r>
           <a:r>
-            <a:rPr lang="pt-BR" dirty="0" smtClean="0"/>
+            <a:rPr lang="pt-BR" dirty="0"/>
             <a:t> – Modelagem, Noções de Matemática e Física </a:t>
           </a:r>
-          <a:endParaRPr lang="pt-BR" dirty="0"/>
         </a:p>
       </dgm:t>
     </dgm:pt>
@@ -1201,10 +1202,9 @@
             </a:spcAft>
           </a:pPr>
           <a:r>
-            <a:rPr lang="pt-BR" dirty="0" smtClean="0"/>
+            <a:rPr lang="pt-BR" dirty="0"/>
             <a:t>Seminários de Grandes Desafios da Engenharia – Comunicação Oral </a:t>
           </a:r>
-          <a:endParaRPr lang="pt-BR" dirty="0"/>
         </a:p>
       </dgm:t>
     </dgm:pt>
@@ -1238,10 +1238,9 @@
         <a:lstStyle/>
         <a:p>
           <a:r>
-            <a:rPr lang="pt-BR" dirty="0" smtClean="0"/>
+            <a:rPr lang="pt-BR" dirty="0"/>
             <a:t>Seminários de Grandes Desafios da Engenharia </a:t>
           </a:r>
-          <a:endParaRPr lang="pt-BR" dirty="0"/>
         </a:p>
       </dgm:t>
     </dgm:pt>
@@ -1275,11 +1274,11 @@
         <a:lstStyle/>
         <a:p>
           <a:r>
-            <a:rPr lang="pt-BR" dirty="0" smtClean="0"/>
+            <a:rPr lang="pt-BR" dirty="0"/>
             <a:t>Projeto 2 – </a:t>
           </a:r>
           <a:r>
-            <a:rPr lang="pt-BR" dirty="0" err="1" smtClean="0"/>
+            <a:rPr lang="pt-BR" dirty="0" err="1"/>
             <a:t>ModSim</a:t>
           </a:r>
           <a:endParaRPr lang="pt-BR" dirty="0"/>
@@ -1316,11 +1315,11 @@
         <a:lstStyle/>
         <a:p>
           <a:r>
-            <a:rPr lang="pt-BR" dirty="0" smtClean="0"/>
+            <a:rPr lang="pt-BR" dirty="0"/>
             <a:t>Projeto 1 - </a:t>
           </a:r>
           <a:r>
-            <a:rPr lang="pt-BR" dirty="0" err="1" smtClean="0"/>
+            <a:rPr lang="pt-BR" dirty="0" err="1"/>
             <a:t>ModSim</a:t>
           </a:r>
           <a:endParaRPr lang="pt-BR" dirty="0"/>
@@ -1357,10 +1356,9 @@
         <a:lstStyle/>
         <a:p>
           <a:r>
-            <a:rPr lang="pt-BR" dirty="0" smtClean="0"/>
+            <a:rPr lang="pt-BR" dirty="0"/>
             <a:t>Construção Brinquedo Infantil</a:t>
           </a:r>
-          <a:endParaRPr lang="pt-BR" dirty="0"/>
         </a:p>
       </dgm:t>
     </dgm:pt>
@@ -1394,10 +1392,9 @@
         <a:lstStyle/>
         <a:p>
           <a:r>
-            <a:rPr lang="pt-BR" dirty="0" smtClean="0"/>
+            <a:rPr lang="pt-BR" dirty="0"/>
             <a:t>Estação Meteorológica </a:t>
           </a:r>
-          <a:endParaRPr lang="pt-BR" dirty="0"/>
         </a:p>
       </dgm:t>
     </dgm:pt>
@@ -1431,10 +1428,9 @@
         <a:lstStyle/>
         <a:p>
           <a:r>
-            <a:rPr lang="pt-BR" dirty="0" smtClean="0"/>
+            <a:rPr lang="pt-BR" dirty="0"/>
             <a:t>Projeto 2 – Design de Software  </a:t>
           </a:r>
-          <a:endParaRPr lang="pt-BR" dirty="0"/>
         </a:p>
       </dgm:t>
     </dgm:pt>
@@ -1468,10 +1464,9 @@
         <a:lstStyle/>
         <a:p>
           <a:r>
-            <a:rPr lang="pt-BR" dirty="0" smtClean="0"/>
+            <a:rPr lang="pt-BR" dirty="0"/>
             <a:t>Projeto 1 – Design de Software </a:t>
           </a:r>
-          <a:endParaRPr lang="pt-BR" dirty="0"/>
         </a:p>
       </dgm:t>
     </dgm:pt>
@@ -1505,10 +1500,9 @@
         <a:lstStyle/>
         <a:p>
           <a:r>
-            <a:rPr lang="pt-BR" dirty="0" smtClean="0"/>
+            <a:rPr lang="pt-BR" dirty="0"/>
             <a:t>Projeto 2 – Design de Software </a:t>
           </a:r>
-          <a:endParaRPr lang="pt-BR" dirty="0"/>
         </a:p>
       </dgm:t>
     </dgm:pt>
@@ -1542,10 +1536,9 @@
         <a:lstStyle/>
         <a:p>
           <a:r>
-            <a:rPr lang="pt-BR" dirty="0" smtClean="0"/>
+            <a:rPr lang="pt-BR" dirty="0"/>
             <a:t>Estação Meteorológica </a:t>
           </a:r>
-          <a:endParaRPr lang="pt-BR" dirty="0"/>
         </a:p>
       </dgm:t>
     </dgm:pt>
@@ -1579,7 +1572,7 @@
         <a:lstStyle/>
         <a:p>
           <a:r>
-            <a:rPr lang="pt-BR" dirty="0" smtClean="0"/>
+            <a:rPr lang="pt-BR" dirty="0"/>
             <a:t>Estação Meteorológica </a:t>
           </a:r>
         </a:p>
@@ -1618,10 +1611,9 @@
         <a:lstStyle/>
         <a:p>
           <a:r>
-            <a:rPr lang="pt-BR" dirty="0" smtClean="0"/>
+            <a:rPr lang="pt-BR" dirty="0"/>
             <a:t>Projeto 2 – Design de Software </a:t>
           </a:r>
-          <a:endParaRPr lang="pt-BR" dirty="0"/>
         </a:p>
       </dgm:t>
     </dgm:pt>
@@ -1655,10 +1647,9 @@
         <a:lstStyle/>
         <a:p>
           <a:r>
-            <a:rPr lang="pt-BR" dirty="0" smtClean="0"/>
+            <a:rPr lang="pt-BR" dirty="0"/>
             <a:t>Projeto 1– Design de Software </a:t>
           </a:r>
-          <a:endParaRPr lang="pt-BR" dirty="0"/>
         </a:p>
       </dgm:t>
     </dgm:pt>
@@ -1709,10 +1700,9 @@
             <a:defRPr/>
           </a:pPr>
           <a:r>
-            <a:rPr lang="pt-BR" dirty="0" smtClean="0"/>
+            <a:rPr lang="pt-BR" dirty="0"/>
             <a:t>Artigo Científico – Habilidade Escrita/TCC</a:t>
           </a:r>
-          <a:endParaRPr lang="pt-BR" dirty="0"/>
         </a:p>
       </dgm:t>
     </dgm:pt>
@@ -1757,10 +1747,9 @@
             </a:spcAft>
           </a:pPr>
           <a:r>
-            <a:rPr lang="pt-BR" dirty="0" smtClean="0"/>
+            <a:rPr lang="pt-BR" dirty="0"/>
             <a:t>Projeto 1, 2, 3 – Design de Software – Prática de Programação em Python</a:t>
           </a:r>
-          <a:endParaRPr lang="pt-BR" dirty="0"/>
         </a:p>
       </dgm:t>
     </dgm:pt>
@@ -1794,10 +1783,9 @@
         <a:lstStyle/>
         <a:p>
           <a:r>
-            <a:rPr lang="pt-BR" dirty="0" smtClean="0"/>
+            <a:rPr lang="pt-BR" dirty="0"/>
             <a:t>Construção Brinquedo Infantil</a:t>
           </a:r>
-          <a:endParaRPr lang="pt-BR" dirty="0"/>
         </a:p>
       </dgm:t>
     </dgm:pt>
@@ -1831,14 +1819,14 @@
         <a:lstStyle/>
         <a:p>
           <a:r>
-            <a:rPr lang="pt-BR" dirty="0" smtClean="0"/>
+            <a:rPr lang="pt-BR" dirty="0"/>
             <a:t>Projeto 1 – </a:t>
           </a:r>
           <a:r>
-            <a:rPr lang="pt-BR" dirty="0" err="1" smtClean="0"/>
+            <a:rPr lang="pt-BR" dirty="0" err="1"/>
             <a:t>ModSim</a:t>
           </a:r>
-          <a:endParaRPr lang="pt-BR" dirty="0" smtClean="0"/>
+          <a:endParaRPr lang="pt-BR" dirty="0"/>
         </a:p>
       </dgm:t>
     </dgm:pt>
@@ -1872,11 +1860,11 @@
         <a:lstStyle/>
         <a:p>
           <a:r>
-            <a:rPr lang="pt-BR" dirty="0" smtClean="0"/>
+            <a:rPr lang="pt-BR" dirty="0"/>
             <a:t>Projeto 1 – </a:t>
           </a:r>
           <a:r>
-            <a:rPr lang="pt-BR" dirty="0" err="1" smtClean="0"/>
+            <a:rPr lang="pt-BR" dirty="0" err="1"/>
             <a:t>ModSim</a:t>
           </a:r>
           <a:endParaRPr lang="pt-BR" dirty="0"/>
@@ -1913,11 +1901,11 @@
         <a:lstStyle/>
         <a:p>
           <a:r>
-            <a:rPr lang="pt-BR" dirty="0" smtClean="0"/>
+            <a:rPr lang="pt-BR" dirty="0"/>
             <a:t>Projeto 3 - </a:t>
           </a:r>
           <a:r>
-            <a:rPr lang="pt-BR" dirty="0" err="1" smtClean="0"/>
+            <a:rPr lang="pt-BR" dirty="0" err="1"/>
             <a:t>ModSim</a:t>
           </a:r>
           <a:endParaRPr lang="pt-BR" dirty="0"/>
@@ -1954,14 +1942,14 @@
         <a:lstStyle/>
         <a:p>
           <a:r>
-            <a:rPr lang="pt-BR" dirty="0" smtClean="0"/>
+            <a:rPr lang="pt-BR" dirty="0"/>
             <a:t>Projeto 2 – </a:t>
           </a:r>
           <a:r>
-            <a:rPr lang="pt-BR" dirty="0" err="1" smtClean="0"/>
+            <a:rPr lang="pt-BR" dirty="0" err="1"/>
             <a:t>ModSim</a:t>
           </a:r>
-          <a:endParaRPr lang="pt-BR" dirty="0" smtClean="0"/>
+          <a:endParaRPr lang="pt-BR" dirty="0"/>
         </a:p>
       </dgm:t>
     </dgm:pt>
@@ -1995,14 +1983,14 @@
         <a:lstStyle/>
         <a:p>
           <a:r>
-            <a:rPr lang="pt-BR" dirty="0" smtClean="0"/>
+            <a:rPr lang="pt-BR" dirty="0"/>
             <a:t>Projeto 3 – </a:t>
           </a:r>
           <a:r>
-            <a:rPr lang="pt-BR" dirty="0" err="1" smtClean="0"/>
+            <a:rPr lang="pt-BR" dirty="0" err="1"/>
             <a:t>ModSim</a:t>
           </a:r>
-          <a:endParaRPr lang="pt-BR" dirty="0" smtClean="0"/>
+          <a:endParaRPr lang="pt-BR" dirty="0"/>
         </a:p>
       </dgm:t>
     </dgm:pt>
@@ -2036,11 +2024,11 @@
         <a:lstStyle/>
         <a:p>
           <a:r>
-            <a:rPr lang="pt-BR" dirty="0" smtClean="0"/>
+            <a:rPr lang="pt-BR" dirty="0"/>
             <a:t>Projeto 2 – </a:t>
           </a:r>
           <a:r>
-            <a:rPr lang="pt-BR" dirty="0" err="1" smtClean="0"/>
+            <a:rPr lang="pt-BR" dirty="0" err="1"/>
             <a:t>ModSim</a:t>
           </a:r>
           <a:endParaRPr lang="pt-BR" dirty="0"/>
@@ -2077,11 +2065,11 @@
         <a:lstStyle/>
         <a:p>
           <a:r>
-            <a:rPr lang="pt-BR" dirty="0" smtClean="0"/>
+            <a:rPr lang="pt-BR" dirty="0"/>
             <a:t>Projeto 3 – </a:t>
           </a:r>
           <a:r>
-            <a:rPr lang="pt-BR" dirty="0" err="1" smtClean="0"/>
+            <a:rPr lang="pt-BR" dirty="0" err="1"/>
             <a:t>ModSim</a:t>
           </a:r>
           <a:endParaRPr lang="pt-BR" dirty="0"/>
@@ -2118,22 +2106,21 @@
         <a:lstStyle/>
         <a:p>
           <a:r>
-            <a:rPr lang="pt-BR" dirty="0" err="1" smtClean="0"/>
+            <a:rPr lang="pt-BR" dirty="0" err="1"/>
             <a:t>NatDes</a:t>
           </a:r>
           <a:r>
-            <a:rPr lang="pt-BR" dirty="0" smtClean="0"/>
+            <a:rPr lang="pt-BR" dirty="0"/>
             <a:t> – Projeto – Design </a:t>
           </a:r>
           <a:r>
-            <a:rPr lang="pt-BR" dirty="0" err="1" smtClean="0"/>
+            <a:rPr lang="pt-BR" dirty="0" err="1"/>
             <a:t>Thinking</a:t>
           </a:r>
           <a:r>
-            <a:rPr lang="pt-BR" dirty="0" smtClean="0"/>
+            <a:rPr lang="pt-BR" dirty="0"/>
             <a:t>, Comunicação com o Usuário</a:t>
           </a:r>
-          <a:endParaRPr lang="pt-BR" dirty="0"/>
         </a:p>
       </dgm:t>
     </dgm:pt>
@@ -2167,50 +2154,50 @@
         <a:lstStyle/>
         <a:p>
           <a:r>
-            <a:rPr lang="pt-BR" smtClean="0"/>
-            <a:t>Seminários de Grandes Desafios da Engenharia </a:t>
-          </a:r>
-          <a:endParaRPr lang="pt-BR" dirty="0" smtClean="0"/>
-        </a:p>
-      </dgm:t>
-    </dgm:pt>
-    <dgm:pt modelId="{FECAB3DD-DEE2-45CA-AB61-768EFD7BA008}" type="parTrans" cxnId="{890B86B4-E0C4-4F02-9B85-036D7BE836FC}">
-      <dgm:prSet/>
-      <dgm:spPr/>
-      <dgm:t>
-        <a:bodyPr/>
-        <a:lstStyle/>
-        <a:p>
-          <a:endParaRPr lang="pt-BR"/>
-        </a:p>
-      </dgm:t>
-    </dgm:pt>
-    <dgm:pt modelId="{AB7B57C4-026D-43A6-8F40-53CBC4DC4B12}" type="sibTrans" cxnId="{890B86B4-E0C4-4F02-9B85-036D7BE836FC}">
-      <dgm:prSet/>
-      <dgm:spPr/>
-      <dgm:t>
-        <a:bodyPr/>
-        <a:lstStyle/>
-        <a:p>
-          <a:endParaRPr lang="pt-BR"/>
-        </a:p>
-      </dgm:t>
-    </dgm:pt>
-    <dgm:pt modelId="{AA279C42-59DC-43C9-BBA2-97AF2F040DBA}">
-      <dgm:prSet/>
-      <dgm:spPr/>
-      <dgm:t>
-        <a:bodyPr/>
-        <a:lstStyle/>
-        <a:p>
-          <a:r>
-            <a:rPr lang="pt-BR" smtClean="0"/>
+            <a:rPr lang="pt-BR"/>
             <a:t>Seminários de Grandes Desafios da Engenharia </a:t>
           </a:r>
           <a:endParaRPr lang="pt-BR" dirty="0"/>
         </a:p>
       </dgm:t>
     </dgm:pt>
+    <dgm:pt modelId="{FECAB3DD-DEE2-45CA-AB61-768EFD7BA008}" type="parTrans" cxnId="{890B86B4-E0C4-4F02-9B85-036D7BE836FC}">
+      <dgm:prSet/>
+      <dgm:spPr/>
+      <dgm:t>
+        <a:bodyPr/>
+        <a:lstStyle/>
+        <a:p>
+          <a:endParaRPr lang="pt-BR"/>
+        </a:p>
+      </dgm:t>
+    </dgm:pt>
+    <dgm:pt modelId="{AB7B57C4-026D-43A6-8F40-53CBC4DC4B12}" type="sibTrans" cxnId="{890B86B4-E0C4-4F02-9B85-036D7BE836FC}">
+      <dgm:prSet/>
+      <dgm:spPr/>
+      <dgm:t>
+        <a:bodyPr/>
+        <a:lstStyle/>
+        <a:p>
+          <a:endParaRPr lang="pt-BR"/>
+        </a:p>
+      </dgm:t>
+    </dgm:pt>
+    <dgm:pt modelId="{AA279C42-59DC-43C9-BBA2-97AF2F040DBA}">
+      <dgm:prSet/>
+      <dgm:spPr/>
+      <dgm:t>
+        <a:bodyPr/>
+        <a:lstStyle/>
+        <a:p>
+          <a:r>
+            <a:rPr lang="pt-BR"/>
+            <a:t>Seminários de Grandes Desafios da Engenharia </a:t>
+          </a:r>
+          <a:endParaRPr lang="pt-BR" dirty="0"/>
+        </a:p>
+      </dgm:t>
+    </dgm:pt>
     <dgm:pt modelId="{2CBAFBC3-5B81-4998-A6CD-66DB067822CE}" type="parTrans" cxnId="{B2CC74F4-C8F1-49FD-B0FD-C934908337B0}">
       <dgm:prSet/>
       <dgm:spPr/>
@@ -2241,18 +2228,17 @@
         <a:lstStyle/>
         <a:p>
           <a:r>
-            <a:rPr lang="pt-BR" dirty="0" smtClean="0"/>
+            <a:rPr lang="pt-BR" dirty="0"/>
             <a:t>Projeto 1, 2, 3 – Design de Software – Lógica Computacional e </a:t>
           </a:r>
           <a:r>
-            <a:rPr lang="pt-BR" dirty="0" err="1" smtClean="0"/>
+            <a:rPr lang="pt-BR" dirty="0" err="1"/>
             <a:t>Algorítmo</a:t>
           </a:r>
           <a:r>
-            <a:rPr lang="pt-BR" dirty="0" smtClean="0"/>
+            <a:rPr lang="pt-BR" dirty="0"/>
             <a:t> </a:t>
           </a:r>
-          <a:endParaRPr lang="pt-BR" dirty="0"/>
         </a:p>
       </dgm:t>
     </dgm:pt>
@@ -2303,18 +2289,17 @@
             <a:defRPr/>
           </a:pPr>
           <a:r>
-            <a:rPr lang="pt-BR" dirty="0" smtClean="0"/>
+            <a:rPr lang="pt-BR" dirty="0"/>
             <a:t>Projeto 1, 2, 3 – </a:t>
           </a:r>
           <a:r>
-            <a:rPr lang="pt-BR" dirty="0" err="1" smtClean="0"/>
+            <a:rPr lang="pt-BR" dirty="0" err="1"/>
             <a:t>Instrumed</a:t>
           </a:r>
           <a:r>
-            <a:rPr lang="pt-BR" dirty="0" smtClean="0"/>
+            <a:rPr lang="pt-BR" dirty="0"/>
             <a:t> – Programação em C, eletrônica básica</a:t>
           </a:r>
-          <a:endParaRPr lang="pt-BR" dirty="0"/>
         </a:p>
       </dgm:t>
     </dgm:pt>
@@ -2355,18 +2340,17 @@
             <a:defRPr/>
           </a:pPr>
           <a:r>
-            <a:rPr lang="pt-BR" dirty="0" smtClean="0"/>
+            <a:rPr lang="pt-BR" dirty="0"/>
             <a:t>Projeto 1, 2, 3 – </a:t>
           </a:r>
           <a:r>
-            <a:rPr lang="pt-BR" dirty="0" err="1" smtClean="0"/>
+            <a:rPr lang="pt-BR" dirty="0" err="1"/>
             <a:t>Instrumed</a:t>
           </a:r>
           <a:r>
-            <a:rPr lang="pt-BR" dirty="0" smtClean="0"/>
+            <a:rPr lang="pt-BR" dirty="0"/>
             <a:t> – Documentação Escrita, Eletrônica Básica </a:t>
           </a:r>
-          <a:endParaRPr lang="pt-BR" dirty="0"/>
         </a:p>
       </dgm:t>
     </dgm:pt>
@@ -2417,23 +2401,23 @@
             <a:defRPr/>
           </a:pPr>
           <a:r>
-            <a:rPr lang="pt-BR" dirty="0" err="1" smtClean="0"/>
+            <a:rPr lang="pt-BR" dirty="0" err="1"/>
             <a:t>NatDes</a:t>
           </a:r>
           <a:r>
-            <a:rPr lang="pt-BR" dirty="0" smtClean="0"/>
+            <a:rPr lang="pt-BR" dirty="0"/>
             <a:t> – Projeto – Prototipagem Rápida, Design </a:t>
           </a:r>
           <a:r>
-            <a:rPr lang="pt-BR" dirty="0" err="1" smtClean="0"/>
+            <a:rPr lang="pt-BR" dirty="0" err="1"/>
             <a:t>Thinking</a:t>
           </a:r>
           <a:r>
-            <a:rPr lang="pt-BR" dirty="0" smtClean="0"/>
+            <a:rPr lang="pt-BR" dirty="0"/>
             <a:t>, Manuseio de Ferramentas do </a:t>
           </a:r>
           <a:r>
-            <a:rPr lang="pt-BR" dirty="0" err="1" smtClean="0"/>
+            <a:rPr lang="pt-BR" dirty="0" err="1"/>
             <a:t>FabLab</a:t>
           </a:r>
           <a:endParaRPr lang="pt-BR" dirty="0"/>
@@ -2477,10 +2461,9 @@
             <a:defRPr/>
           </a:pPr>
           <a:r>
-            <a:rPr lang="pt-BR" dirty="0" smtClean="0"/>
+            <a:rPr lang="pt-BR" dirty="0"/>
             <a:t>Seminários de Grandes Desafios de Engenharia – Pensamento Crítico na Engenharia em escopo Social, Econômico, Filosófico e Político </a:t>
           </a:r>
-          <a:endParaRPr lang="pt-BR" dirty="0"/>
         </a:p>
       </dgm:t>
     </dgm:pt>
@@ -2531,15 +2514,15 @@
             <a:defRPr/>
           </a:pPr>
           <a:r>
-            <a:rPr lang="pt-BR" dirty="0" smtClean="0"/>
+            <a:rPr lang="pt-BR" dirty="0"/>
             <a:t>Projeto 1, 2, 3 – </a:t>
           </a:r>
           <a:r>
-            <a:rPr lang="pt-BR" dirty="0" err="1" smtClean="0"/>
+            <a:rPr lang="pt-BR" dirty="0" err="1"/>
             <a:t>ModSim</a:t>
           </a:r>
           <a:r>
-            <a:rPr lang="pt-BR" dirty="0" smtClean="0"/>
+            <a:rPr lang="pt-BR" dirty="0"/>
             <a:t> – Prática de Programação em Python </a:t>
           </a:r>
         </a:p>
@@ -2590,13 +2573,6 @@
         </dgm:presLayoutVars>
       </dgm:prSet>
       <dgm:spPr/>
-      <dgm:t>
-        <a:bodyPr/>
-        <a:lstStyle/>
-        <a:p>
-          <a:endParaRPr lang="pt-BR"/>
-        </a:p>
-      </dgm:t>
     </dgm:pt>
     <dgm:pt modelId="{3A9E70BF-7173-410A-8CA4-4EDBD8E80E1D}" type="pres">
       <dgm:prSet presAssocID="{8245208F-8744-45B1-90A8-86D542F934F0}" presName="compNode" presStyleCnt="0"/>
@@ -2605,24 +2581,10 @@
     <dgm:pt modelId="{AEE58C13-6048-4E62-B43F-C028ED900B5B}" type="pres">
       <dgm:prSet presAssocID="{8245208F-8744-45B1-90A8-86D542F934F0}" presName="aNode" presStyleLbl="bgShp" presStyleIdx="0" presStyleCnt="5"/>
       <dgm:spPr/>
-      <dgm:t>
-        <a:bodyPr/>
-        <a:lstStyle/>
-        <a:p>
-          <a:endParaRPr lang="pt-BR"/>
-        </a:p>
-      </dgm:t>
     </dgm:pt>
     <dgm:pt modelId="{A696E25A-5CCD-438C-A29D-580FB0952415}" type="pres">
       <dgm:prSet presAssocID="{8245208F-8744-45B1-90A8-86D542F934F0}" presName="textNode" presStyleLbl="bgShp" presStyleIdx="0" presStyleCnt="5"/>
       <dgm:spPr/>
-      <dgm:t>
-        <a:bodyPr/>
-        <a:lstStyle/>
-        <a:p>
-          <a:endParaRPr lang="pt-BR"/>
-        </a:p>
-      </dgm:t>
     </dgm:pt>
     <dgm:pt modelId="{822E056C-107C-4E8A-906B-7945B3F314E2}" type="pres">
       <dgm:prSet presAssocID="{8245208F-8744-45B1-90A8-86D542F934F0}" presName="compChildNode" presStyleCnt="0"/>
@@ -2639,13 +2601,6 @@
         </dgm:presLayoutVars>
       </dgm:prSet>
       <dgm:spPr/>
-      <dgm:t>
-        <a:bodyPr/>
-        <a:lstStyle/>
-        <a:p>
-          <a:endParaRPr lang="pt-BR"/>
-        </a:p>
-      </dgm:t>
     </dgm:pt>
     <dgm:pt modelId="{EE06A540-5FB7-4132-8EAD-82CC3764E1B2}" type="pres">
       <dgm:prSet presAssocID="{DFD73739-77C3-4545-8AB8-A76A70172E1A}" presName="aSpace2" presStyleCnt="0"/>
@@ -2658,13 +2613,6 @@
         </dgm:presLayoutVars>
       </dgm:prSet>
       <dgm:spPr/>
-      <dgm:t>
-        <a:bodyPr/>
-        <a:lstStyle/>
-        <a:p>
-          <a:endParaRPr lang="pt-BR"/>
-        </a:p>
-      </dgm:t>
     </dgm:pt>
     <dgm:pt modelId="{A6C5C2E3-94F1-46B4-A92C-04E25F7D5A35}" type="pres">
       <dgm:prSet presAssocID="{A346E610-4B50-4C35-A53C-4D4B562F8F7D}" presName="aSpace2" presStyleCnt="0"/>
@@ -2677,13 +2625,6 @@
         </dgm:presLayoutVars>
       </dgm:prSet>
       <dgm:spPr/>
-      <dgm:t>
-        <a:bodyPr/>
-        <a:lstStyle/>
-        <a:p>
-          <a:endParaRPr lang="pt-BR"/>
-        </a:p>
-      </dgm:t>
     </dgm:pt>
     <dgm:pt modelId="{5E906463-C9C8-40EC-BC0C-F9B0B6FBA8B4}" type="pres">
       <dgm:prSet presAssocID="{A038BA8D-7FB9-4D06-9B3E-479A42691246}" presName="aSpace2" presStyleCnt="0"/>
@@ -2696,13 +2637,6 @@
         </dgm:presLayoutVars>
       </dgm:prSet>
       <dgm:spPr/>
-      <dgm:t>
-        <a:bodyPr/>
-        <a:lstStyle/>
-        <a:p>
-          <a:endParaRPr lang="pt-BR"/>
-        </a:p>
-      </dgm:t>
     </dgm:pt>
     <dgm:pt modelId="{70264612-D87C-48A7-BFC6-BE6E7FB9EA0C}" type="pres">
       <dgm:prSet presAssocID="{1D752428-DCAB-4F21-A008-8E12CC6FC7D3}" presName="aSpace2" presStyleCnt="0"/>
@@ -2715,13 +2649,6 @@
         </dgm:presLayoutVars>
       </dgm:prSet>
       <dgm:spPr/>
-      <dgm:t>
-        <a:bodyPr/>
-        <a:lstStyle/>
-        <a:p>
-          <a:endParaRPr lang="pt-BR"/>
-        </a:p>
-      </dgm:t>
     </dgm:pt>
     <dgm:pt modelId="{2BC21B3F-0DB2-46E5-B9C4-DFC6CABF3322}" type="pres">
       <dgm:prSet presAssocID="{E4D7E9A5-256B-4054-8AB8-C92525A8E1BA}" presName="aSpace2" presStyleCnt="0"/>
@@ -2734,13 +2661,6 @@
         </dgm:presLayoutVars>
       </dgm:prSet>
       <dgm:spPr/>
-      <dgm:t>
-        <a:bodyPr/>
-        <a:lstStyle/>
-        <a:p>
-          <a:endParaRPr lang="pt-BR"/>
-        </a:p>
-      </dgm:t>
     </dgm:pt>
     <dgm:pt modelId="{98EDF594-21CA-4981-B9E6-73617C315E58}" type="pres">
       <dgm:prSet presAssocID="{DEF2CF9F-D5BC-44B5-853B-D753DA6983D2}" presName="aSpace2" presStyleCnt="0"/>
@@ -2753,13 +2673,6 @@
         </dgm:presLayoutVars>
       </dgm:prSet>
       <dgm:spPr/>
-      <dgm:t>
-        <a:bodyPr/>
-        <a:lstStyle/>
-        <a:p>
-          <a:endParaRPr lang="pt-BR"/>
-        </a:p>
-      </dgm:t>
     </dgm:pt>
     <dgm:pt modelId="{0FC3CF26-8845-4F8F-B650-0297EF89495B}" type="pres">
       <dgm:prSet presAssocID="{68BBEE65-2A59-4297-9A9B-D4061DCBCCF6}" presName="aSpace2" presStyleCnt="0"/>
@@ -2772,13 +2685,6 @@
         </dgm:presLayoutVars>
       </dgm:prSet>
       <dgm:spPr/>
-      <dgm:t>
-        <a:bodyPr/>
-        <a:lstStyle/>
-        <a:p>
-          <a:endParaRPr lang="pt-BR"/>
-        </a:p>
-      </dgm:t>
     </dgm:pt>
     <dgm:pt modelId="{FFA55D98-4678-4B75-9B2E-1A33030EE3F4}" type="pres">
       <dgm:prSet presAssocID="{8245208F-8744-45B1-90A8-86D542F934F0}" presName="aSpace" presStyleCnt="0"/>
@@ -2791,24 +2697,10 @@
     <dgm:pt modelId="{940ADE02-4FC1-4B39-9688-D31CDFE626F1}" type="pres">
       <dgm:prSet presAssocID="{6689905A-B81B-4A9C-ADBB-371B03968A79}" presName="aNode" presStyleLbl="bgShp" presStyleIdx="1" presStyleCnt="5"/>
       <dgm:spPr/>
-      <dgm:t>
-        <a:bodyPr/>
-        <a:lstStyle/>
-        <a:p>
-          <a:endParaRPr lang="pt-BR"/>
-        </a:p>
-      </dgm:t>
     </dgm:pt>
     <dgm:pt modelId="{F7BF947C-DE94-4185-B8D5-1B887DD85655}" type="pres">
       <dgm:prSet presAssocID="{6689905A-B81B-4A9C-ADBB-371B03968A79}" presName="textNode" presStyleLbl="bgShp" presStyleIdx="1" presStyleCnt="5"/>
       <dgm:spPr/>
-      <dgm:t>
-        <a:bodyPr/>
-        <a:lstStyle/>
-        <a:p>
-          <a:endParaRPr lang="pt-BR"/>
-        </a:p>
-      </dgm:t>
     </dgm:pt>
     <dgm:pt modelId="{ADBDBECB-55C8-4A64-B4BD-9CD2A0093F6C}" type="pres">
       <dgm:prSet presAssocID="{6689905A-B81B-4A9C-ADBB-371B03968A79}" presName="compChildNode" presStyleCnt="0"/>
@@ -2825,13 +2717,6 @@
         </dgm:presLayoutVars>
       </dgm:prSet>
       <dgm:spPr/>
-      <dgm:t>
-        <a:bodyPr/>
-        <a:lstStyle/>
-        <a:p>
-          <a:endParaRPr lang="pt-BR"/>
-        </a:p>
-      </dgm:t>
     </dgm:pt>
     <dgm:pt modelId="{9BA5FB06-4C33-41DA-AB05-F35AE3FB963F}" type="pres">
       <dgm:prSet presAssocID="{810DEDB1-B4A6-4657-AF5E-AEB6410DD2D4}" presName="aSpace2" presStyleCnt="0"/>
@@ -2844,13 +2729,6 @@
         </dgm:presLayoutVars>
       </dgm:prSet>
       <dgm:spPr/>
-      <dgm:t>
-        <a:bodyPr/>
-        <a:lstStyle/>
-        <a:p>
-          <a:endParaRPr lang="pt-BR"/>
-        </a:p>
-      </dgm:t>
     </dgm:pt>
     <dgm:pt modelId="{D7E17837-5D54-4598-89F9-A43E29557DA0}" type="pres">
       <dgm:prSet presAssocID="{910AA6F2-5F1F-4AA9-9139-C252A2579E9E}" presName="aSpace2" presStyleCnt="0"/>
@@ -2863,13 +2741,6 @@
         </dgm:presLayoutVars>
       </dgm:prSet>
       <dgm:spPr/>
-      <dgm:t>
-        <a:bodyPr/>
-        <a:lstStyle/>
-        <a:p>
-          <a:endParaRPr lang="pt-BR"/>
-        </a:p>
-      </dgm:t>
     </dgm:pt>
     <dgm:pt modelId="{CADA345D-9B62-4FF5-A740-77E0576A776E}" type="pres">
       <dgm:prSet presAssocID="{53A78326-11FB-450E-9B25-AE3AD5209E50}" presName="aSpace2" presStyleCnt="0"/>
@@ -2882,13 +2753,6 @@
         </dgm:presLayoutVars>
       </dgm:prSet>
       <dgm:spPr/>
-      <dgm:t>
-        <a:bodyPr/>
-        <a:lstStyle/>
-        <a:p>
-          <a:endParaRPr lang="pt-BR"/>
-        </a:p>
-      </dgm:t>
     </dgm:pt>
     <dgm:pt modelId="{5843E12E-CDFB-4A63-8B0A-9CF0157B5A2D}" type="pres">
       <dgm:prSet presAssocID="{C26DA337-08C7-4346-ACF1-246813B5AE49}" presName="aSpace2" presStyleCnt="0"/>
@@ -2901,13 +2765,6 @@
         </dgm:presLayoutVars>
       </dgm:prSet>
       <dgm:spPr/>
-      <dgm:t>
-        <a:bodyPr/>
-        <a:lstStyle/>
-        <a:p>
-          <a:endParaRPr lang="pt-BR"/>
-        </a:p>
-      </dgm:t>
     </dgm:pt>
     <dgm:pt modelId="{1CCE39A5-0F8B-42FD-8572-4E5BE2D690A3}" type="pres">
       <dgm:prSet presAssocID="{D115765C-57F4-43D4-9AE8-4E1BD5A63E7A}" presName="aSpace2" presStyleCnt="0"/>
@@ -2920,13 +2777,6 @@
         </dgm:presLayoutVars>
       </dgm:prSet>
       <dgm:spPr/>
-      <dgm:t>
-        <a:bodyPr/>
-        <a:lstStyle/>
-        <a:p>
-          <a:endParaRPr lang="pt-BR"/>
-        </a:p>
-      </dgm:t>
     </dgm:pt>
     <dgm:pt modelId="{AC668817-9AD8-4C7B-A9CD-EF6C6E878225}" type="pres">
       <dgm:prSet presAssocID="{BBCE2902-ADDC-44E9-93C5-B7212315A16A}" presName="aSpace2" presStyleCnt="0"/>
@@ -2939,13 +2789,6 @@
         </dgm:presLayoutVars>
       </dgm:prSet>
       <dgm:spPr/>
-      <dgm:t>
-        <a:bodyPr/>
-        <a:lstStyle/>
-        <a:p>
-          <a:endParaRPr lang="pt-BR"/>
-        </a:p>
-      </dgm:t>
     </dgm:pt>
     <dgm:pt modelId="{E757F75F-857F-489E-917D-E81C016678CE}" type="pres">
       <dgm:prSet presAssocID="{770D252D-D514-41A0-A8F5-78013B8BD5E4}" presName="aSpace2" presStyleCnt="0"/>
@@ -2958,13 +2801,6 @@
         </dgm:presLayoutVars>
       </dgm:prSet>
       <dgm:spPr/>
-      <dgm:t>
-        <a:bodyPr/>
-        <a:lstStyle/>
-        <a:p>
-          <a:endParaRPr lang="pt-BR"/>
-        </a:p>
-      </dgm:t>
     </dgm:pt>
     <dgm:pt modelId="{08CDE2B9-26C6-478A-BE47-0E70CCFA352A}" type="pres">
       <dgm:prSet presAssocID="{6689905A-B81B-4A9C-ADBB-371B03968A79}" presName="aSpace" presStyleCnt="0"/>
@@ -2977,24 +2813,10 @@
     <dgm:pt modelId="{69D903DA-678E-454A-853F-76188B603A27}" type="pres">
       <dgm:prSet presAssocID="{12E2AACC-1F59-4249-A192-05E2DC555A22}" presName="aNode" presStyleLbl="bgShp" presStyleIdx="2" presStyleCnt="5"/>
       <dgm:spPr/>
-      <dgm:t>
-        <a:bodyPr/>
-        <a:lstStyle/>
-        <a:p>
-          <a:endParaRPr lang="pt-BR"/>
-        </a:p>
-      </dgm:t>
     </dgm:pt>
     <dgm:pt modelId="{CE75BE52-D6B0-4A53-AB05-903D27A161D3}" type="pres">
       <dgm:prSet presAssocID="{12E2AACC-1F59-4249-A192-05E2DC555A22}" presName="textNode" presStyleLbl="bgShp" presStyleIdx="2" presStyleCnt="5"/>
       <dgm:spPr/>
-      <dgm:t>
-        <a:bodyPr/>
-        <a:lstStyle/>
-        <a:p>
-          <a:endParaRPr lang="pt-BR"/>
-        </a:p>
-      </dgm:t>
     </dgm:pt>
     <dgm:pt modelId="{36627F9C-E08C-4F23-A9D8-F56B1C9D6B0A}" type="pres">
       <dgm:prSet presAssocID="{12E2AACC-1F59-4249-A192-05E2DC555A22}" presName="compChildNode" presStyleCnt="0"/>
@@ -3011,13 +2833,6 @@
         </dgm:presLayoutVars>
       </dgm:prSet>
       <dgm:spPr/>
-      <dgm:t>
-        <a:bodyPr/>
-        <a:lstStyle/>
-        <a:p>
-          <a:endParaRPr lang="pt-BR"/>
-        </a:p>
-      </dgm:t>
     </dgm:pt>
     <dgm:pt modelId="{095ED5D0-0886-46C5-84C4-49C3774355B4}" type="pres">
       <dgm:prSet presAssocID="{F9E9653E-7ECC-47A2-B46E-32803E632938}" presName="aSpace2" presStyleCnt="0"/>
@@ -3030,13 +2845,6 @@
         </dgm:presLayoutVars>
       </dgm:prSet>
       <dgm:spPr/>
-      <dgm:t>
-        <a:bodyPr/>
-        <a:lstStyle/>
-        <a:p>
-          <a:endParaRPr lang="pt-BR"/>
-        </a:p>
-      </dgm:t>
     </dgm:pt>
     <dgm:pt modelId="{018FB27A-FF69-4961-96D7-66BCF20ABB5F}" type="pres">
       <dgm:prSet presAssocID="{8EC77DDC-A1D0-4773-8728-219E506993D4}" presName="aSpace2" presStyleCnt="0"/>
@@ -3049,13 +2857,6 @@
         </dgm:presLayoutVars>
       </dgm:prSet>
       <dgm:spPr/>
-      <dgm:t>
-        <a:bodyPr/>
-        <a:lstStyle/>
-        <a:p>
-          <a:endParaRPr lang="pt-BR"/>
-        </a:p>
-      </dgm:t>
     </dgm:pt>
     <dgm:pt modelId="{BC8D6FBF-B8B7-4DB8-BDE1-08E6DEB2501A}" type="pres">
       <dgm:prSet presAssocID="{A1E5DE68-C43B-4086-A632-84F804153753}" presName="aSpace2" presStyleCnt="0"/>
@@ -3068,13 +2869,6 @@
         </dgm:presLayoutVars>
       </dgm:prSet>
       <dgm:spPr/>
-      <dgm:t>
-        <a:bodyPr/>
-        <a:lstStyle/>
-        <a:p>
-          <a:endParaRPr lang="pt-BR"/>
-        </a:p>
-      </dgm:t>
     </dgm:pt>
     <dgm:pt modelId="{58AD136D-927B-47BC-96B6-49916789F4C0}" type="pres">
       <dgm:prSet presAssocID="{DF6484E8-1D3A-4244-88BB-D0CB0AFBEBE0}" presName="aSpace2" presStyleCnt="0"/>
@@ -3087,13 +2881,6 @@
         </dgm:presLayoutVars>
       </dgm:prSet>
       <dgm:spPr/>
-      <dgm:t>
-        <a:bodyPr/>
-        <a:lstStyle/>
-        <a:p>
-          <a:endParaRPr lang="pt-BR"/>
-        </a:p>
-      </dgm:t>
     </dgm:pt>
     <dgm:pt modelId="{54FFD9A5-4B54-4B2F-AA07-588CC79EDEB8}" type="pres">
       <dgm:prSet presAssocID="{F3F71484-4357-4C49-8F38-84833B2DFDEF}" presName="aSpace2" presStyleCnt="0"/>
@@ -3106,13 +2893,6 @@
         </dgm:presLayoutVars>
       </dgm:prSet>
       <dgm:spPr/>
-      <dgm:t>
-        <a:bodyPr/>
-        <a:lstStyle/>
-        <a:p>
-          <a:endParaRPr lang="pt-BR"/>
-        </a:p>
-      </dgm:t>
     </dgm:pt>
     <dgm:pt modelId="{2F5C353F-4C64-4F4D-A7F2-63748945F05C}" type="pres">
       <dgm:prSet presAssocID="{A7B6F109-7F10-49C6-98FF-C0B043B2AE29}" presName="aSpace2" presStyleCnt="0"/>
@@ -3125,13 +2905,6 @@
         </dgm:presLayoutVars>
       </dgm:prSet>
       <dgm:spPr/>
-      <dgm:t>
-        <a:bodyPr/>
-        <a:lstStyle/>
-        <a:p>
-          <a:endParaRPr lang="pt-BR"/>
-        </a:p>
-      </dgm:t>
     </dgm:pt>
     <dgm:pt modelId="{D7565E50-4857-4925-9C85-9D55EDF4F35D}" type="pres">
       <dgm:prSet presAssocID="{CD50272E-F919-4AA6-8B00-5CFBA508BA68}" presName="aSpace2" presStyleCnt="0"/>
@@ -3144,13 +2917,6 @@
         </dgm:presLayoutVars>
       </dgm:prSet>
       <dgm:spPr/>
-      <dgm:t>
-        <a:bodyPr/>
-        <a:lstStyle/>
-        <a:p>
-          <a:endParaRPr lang="pt-BR"/>
-        </a:p>
-      </dgm:t>
     </dgm:pt>
     <dgm:pt modelId="{0D9F53DD-0DD8-4A6C-A0A1-C6E386F78269}" type="pres">
       <dgm:prSet presAssocID="{12E2AACC-1F59-4249-A192-05E2DC555A22}" presName="aSpace" presStyleCnt="0"/>
@@ -3163,24 +2929,10 @@
     <dgm:pt modelId="{E19AFD89-7E0B-4B5C-90F8-927316EC7A98}" type="pres">
       <dgm:prSet presAssocID="{8E113AD3-1216-4868-873B-9A4AEC9A5003}" presName="aNode" presStyleLbl="bgShp" presStyleIdx="3" presStyleCnt="5"/>
       <dgm:spPr/>
-      <dgm:t>
-        <a:bodyPr/>
-        <a:lstStyle/>
-        <a:p>
-          <a:endParaRPr lang="pt-BR"/>
-        </a:p>
-      </dgm:t>
     </dgm:pt>
     <dgm:pt modelId="{7590E721-81C5-43FB-BE94-E6EDFD4F0405}" type="pres">
       <dgm:prSet presAssocID="{8E113AD3-1216-4868-873B-9A4AEC9A5003}" presName="textNode" presStyleLbl="bgShp" presStyleIdx="3" presStyleCnt="5"/>
       <dgm:spPr/>
-      <dgm:t>
-        <a:bodyPr/>
-        <a:lstStyle/>
-        <a:p>
-          <a:endParaRPr lang="pt-BR"/>
-        </a:p>
-      </dgm:t>
     </dgm:pt>
     <dgm:pt modelId="{63E76828-7EED-46CD-B096-E3EC54E075EB}" type="pres">
       <dgm:prSet presAssocID="{8E113AD3-1216-4868-873B-9A4AEC9A5003}" presName="compChildNode" presStyleCnt="0"/>
@@ -3197,13 +2949,6 @@
         </dgm:presLayoutVars>
       </dgm:prSet>
       <dgm:spPr/>
-      <dgm:t>
-        <a:bodyPr/>
-        <a:lstStyle/>
-        <a:p>
-          <a:endParaRPr lang="pt-BR"/>
-        </a:p>
-      </dgm:t>
     </dgm:pt>
     <dgm:pt modelId="{CBBB11B1-3614-4BC6-9661-B767496A9B23}" type="pres">
       <dgm:prSet presAssocID="{E3093668-ACCB-4CF7-8735-CD593E52646E}" presName="aSpace2" presStyleCnt="0"/>
@@ -3216,13 +2961,6 @@
         </dgm:presLayoutVars>
       </dgm:prSet>
       <dgm:spPr/>
-      <dgm:t>
-        <a:bodyPr/>
-        <a:lstStyle/>
-        <a:p>
-          <a:endParaRPr lang="pt-BR"/>
-        </a:p>
-      </dgm:t>
     </dgm:pt>
     <dgm:pt modelId="{44A7D450-19F1-4FCF-9D78-B344C927724B}" type="pres">
       <dgm:prSet presAssocID="{F1117DCB-C5A6-4B04-8C9C-BF4C20CD227C}" presName="aSpace2" presStyleCnt="0"/>
@@ -3235,13 +2973,6 @@
         </dgm:presLayoutVars>
       </dgm:prSet>
       <dgm:spPr/>
-      <dgm:t>
-        <a:bodyPr/>
-        <a:lstStyle/>
-        <a:p>
-          <a:endParaRPr lang="pt-BR"/>
-        </a:p>
-      </dgm:t>
     </dgm:pt>
     <dgm:pt modelId="{0F740321-43C5-4CFA-957C-59E953592AED}" type="pres">
       <dgm:prSet presAssocID="{B42B99CB-3A06-4CE3-83E8-6BD82BCE5033}" presName="aSpace2" presStyleCnt="0"/>
@@ -3254,13 +2985,6 @@
         </dgm:presLayoutVars>
       </dgm:prSet>
       <dgm:spPr/>
-      <dgm:t>
-        <a:bodyPr/>
-        <a:lstStyle/>
-        <a:p>
-          <a:endParaRPr lang="pt-BR"/>
-        </a:p>
-      </dgm:t>
     </dgm:pt>
     <dgm:pt modelId="{2C0059E6-5CAB-4FD9-861A-773DAED05D7E}" type="pres">
       <dgm:prSet presAssocID="{3FD5D727-7125-49E1-B7E0-E1632F1939A1}" presName="aSpace2" presStyleCnt="0"/>
@@ -3273,13 +2997,6 @@
         </dgm:presLayoutVars>
       </dgm:prSet>
       <dgm:spPr/>
-      <dgm:t>
-        <a:bodyPr/>
-        <a:lstStyle/>
-        <a:p>
-          <a:endParaRPr lang="pt-BR"/>
-        </a:p>
-      </dgm:t>
     </dgm:pt>
     <dgm:pt modelId="{F29894FF-D4D4-4BF8-B713-0F08762E252B}" type="pres">
       <dgm:prSet presAssocID="{2A9B2166-B854-4FD6-A7D8-CB726751FCCB}" presName="aSpace2" presStyleCnt="0"/>
@@ -3292,13 +3009,6 @@
         </dgm:presLayoutVars>
       </dgm:prSet>
       <dgm:spPr/>
-      <dgm:t>
-        <a:bodyPr/>
-        <a:lstStyle/>
-        <a:p>
-          <a:endParaRPr lang="pt-BR"/>
-        </a:p>
-      </dgm:t>
     </dgm:pt>
     <dgm:pt modelId="{17D86695-58A1-41DE-BD95-803DC77DA7A9}" type="pres">
       <dgm:prSet presAssocID="{8E113AD3-1216-4868-873B-9A4AEC9A5003}" presName="aSpace" presStyleCnt="0"/>
@@ -3311,24 +3021,10 @@
     <dgm:pt modelId="{242A0A04-22A6-449A-84A7-3F921BA653A4}" type="pres">
       <dgm:prSet presAssocID="{0971B7E3-B3A7-42E3-94FC-9A076BDE9A0E}" presName="aNode" presStyleLbl="bgShp" presStyleIdx="4" presStyleCnt="5"/>
       <dgm:spPr/>
-      <dgm:t>
-        <a:bodyPr/>
-        <a:lstStyle/>
-        <a:p>
-          <a:endParaRPr lang="pt-BR"/>
-        </a:p>
-      </dgm:t>
     </dgm:pt>
     <dgm:pt modelId="{A0B514A6-4593-42F5-AC31-F1086A1EA4A3}" type="pres">
       <dgm:prSet presAssocID="{0971B7E3-B3A7-42E3-94FC-9A076BDE9A0E}" presName="textNode" presStyleLbl="bgShp" presStyleIdx="4" presStyleCnt="5"/>
       <dgm:spPr/>
-      <dgm:t>
-        <a:bodyPr/>
-        <a:lstStyle/>
-        <a:p>
-          <a:endParaRPr lang="pt-BR"/>
-        </a:p>
-      </dgm:t>
     </dgm:pt>
     <dgm:pt modelId="{11E2C0BC-B54A-4E2B-881D-5F8629981D60}" type="pres">
       <dgm:prSet presAssocID="{0971B7E3-B3A7-42E3-94FC-9A076BDE9A0E}" presName="compChildNode" presStyleCnt="0"/>
@@ -3345,13 +3041,6 @@
         </dgm:presLayoutVars>
       </dgm:prSet>
       <dgm:spPr/>
-      <dgm:t>
-        <a:bodyPr/>
-        <a:lstStyle/>
-        <a:p>
-          <a:endParaRPr lang="pt-BR"/>
-        </a:p>
-      </dgm:t>
     </dgm:pt>
     <dgm:pt modelId="{FD80F0E6-4A2E-41FD-9E55-3887FF0AB519}" type="pres">
       <dgm:prSet presAssocID="{BDA7F26E-7E77-405E-975F-1070EEAB3DB0}" presName="aSpace2" presStyleCnt="0"/>
@@ -3364,13 +3053,6 @@
         </dgm:presLayoutVars>
       </dgm:prSet>
       <dgm:spPr/>
-      <dgm:t>
-        <a:bodyPr/>
-        <a:lstStyle/>
-        <a:p>
-          <a:endParaRPr lang="pt-BR"/>
-        </a:p>
-      </dgm:t>
     </dgm:pt>
     <dgm:pt modelId="{7014EAAD-29E0-49E8-A6F4-5AFEDFC0AFEB}" type="pres">
       <dgm:prSet presAssocID="{23AC6674-1417-4EAF-AFB1-8ED720F99F09}" presName="aSpace2" presStyleCnt="0"/>
@@ -3383,13 +3065,6 @@
         </dgm:presLayoutVars>
       </dgm:prSet>
       <dgm:spPr/>
-      <dgm:t>
-        <a:bodyPr/>
-        <a:lstStyle/>
-        <a:p>
-          <a:endParaRPr lang="pt-BR"/>
-        </a:p>
-      </dgm:t>
     </dgm:pt>
     <dgm:pt modelId="{BAA7F166-D05A-4D8D-8A77-3CF0B5232C04}" type="pres">
       <dgm:prSet presAssocID="{6A83B22D-427D-4DE1-B9CC-D58C855A1D3A}" presName="aSpace2" presStyleCnt="0"/>
@@ -3402,13 +3077,6 @@
         </dgm:presLayoutVars>
       </dgm:prSet>
       <dgm:spPr/>
-      <dgm:t>
-        <a:bodyPr/>
-        <a:lstStyle/>
-        <a:p>
-          <a:endParaRPr lang="pt-BR"/>
-        </a:p>
-      </dgm:t>
     </dgm:pt>
     <dgm:pt modelId="{94AA8237-D8DD-415F-B2A0-CAF453FE2ABE}" type="pres">
       <dgm:prSet presAssocID="{2E94CAE8-9AC0-4E7E-B62B-708A6CA7E1E2}" presName="aSpace2" presStyleCnt="0"/>
@@ -3421,102 +3089,95 @@
         </dgm:presLayoutVars>
       </dgm:prSet>
       <dgm:spPr/>
-      <dgm:t>
-        <a:bodyPr/>
-        <a:lstStyle/>
-        <a:p>
-          <a:endParaRPr lang="pt-BR"/>
-        </a:p>
-      </dgm:t>
     </dgm:pt>
   </dgm:ptLst>
   <dgm:cxnLst>
+    <dgm:cxn modelId="{D23ECB0A-4784-4D37-A1B0-2B28E915BA8B}" srcId="{6689905A-B81B-4A9C-ADBB-371B03968A79}" destId="{910AA6F2-5F1F-4AA9-9139-C252A2579E9E}" srcOrd="1" destOrd="0" parTransId="{A57DA3A6-BD98-45F5-A1E5-1EEEFAFB62E8}" sibTransId="{DDDBC29A-4C7A-4821-9C5D-6F5ACFBE064D}"/>
+    <dgm:cxn modelId="{0FAAA314-7043-4854-A9C7-D3730FC38235}" srcId="{8E113AD3-1216-4868-873B-9A4AEC9A5003}" destId="{3FD5D727-7125-49E1-B7E0-E1632F1939A1}" srcOrd="3" destOrd="0" parTransId="{76A6E7F6-63E0-4942-A5E5-8817FF26E0A6}" sibTransId="{032E15EC-0EB5-43AF-8261-10D59FDC3B58}"/>
+    <dgm:cxn modelId="{917FA216-0A1C-4731-A653-B7C2791B5162}" srcId="{0971B7E3-B3A7-42E3-94FC-9A076BDE9A0E}" destId="{23AC6674-1417-4EAF-AFB1-8ED720F99F09}" srcOrd="1" destOrd="0" parTransId="{B883A5CC-403F-4901-B2E4-6016819E4CA3}" sibTransId="{862AA69D-166B-4913-9561-8434A85D8C54}"/>
+    <dgm:cxn modelId="{35F07417-0BCD-4E15-830A-55410DE3A82A}" srcId="{12E2AACC-1F59-4249-A192-05E2DC555A22}" destId="{F3F71484-4357-4C49-8F38-84833B2DFDEF}" srcOrd="4" destOrd="0" parTransId="{8404AA03-58EF-4F3C-95DB-A6211CB59138}" sibTransId="{B06D35B1-4656-48A2-A940-E42EA35FEE64}"/>
+    <dgm:cxn modelId="{22F7861C-C053-477D-8CD8-19D89AF6F5BD}" type="presOf" srcId="{B42B99CB-3A06-4CE3-83E8-6BD82BCE5033}" destId="{DFB80320-B807-4D99-A33B-5CB5AD153F9B}" srcOrd="0" destOrd="0" presId="urn:microsoft.com/office/officeart/2005/8/layout/lProcess2"/>
+    <dgm:cxn modelId="{3A6DDC1C-B77B-4F09-9963-6A1C979DF503}" type="presOf" srcId="{DF6484E8-1D3A-4244-88BB-D0CB0AFBEBE0}" destId="{68C9AF0E-095B-47F8-9A57-AE14A368C50B}" srcOrd="0" destOrd="0" presId="urn:microsoft.com/office/officeart/2005/8/layout/lProcess2"/>
+    <dgm:cxn modelId="{27C8331D-91C2-41D5-AA90-B6453D3198A0}" srcId="{0971B7E3-B3A7-42E3-94FC-9A076BDE9A0E}" destId="{E32EC264-EE95-4EA1-9F17-7CF4DF4A050E}" srcOrd="4" destOrd="0" parTransId="{5D0712A3-5A46-4263-9D53-F21E30B4D7EA}" sibTransId="{C878EC2D-8CC9-4D81-A9A5-8A78CB302AD0}"/>
+    <dgm:cxn modelId="{5B0F7D25-8523-4694-947F-B55A1B34A55D}" type="presOf" srcId="{8E113AD3-1216-4868-873B-9A4AEC9A5003}" destId="{E19AFD89-7E0B-4B5C-90F8-927316EC7A98}" srcOrd="0" destOrd="0" presId="urn:microsoft.com/office/officeart/2005/8/layout/lProcess2"/>
+    <dgm:cxn modelId="{D0172A26-0A64-4112-8B91-E9CF310887E6}" type="presOf" srcId="{6689905A-B81B-4A9C-ADBB-371B03968A79}" destId="{940ADE02-4FC1-4B39-9688-D31CDFE626F1}" srcOrd="0" destOrd="0" presId="urn:microsoft.com/office/officeart/2005/8/layout/lProcess2"/>
+    <dgm:cxn modelId="{C6C5AF27-23C6-4A13-B28E-AAD9A4AE8AF7}" type="presOf" srcId="{3CAFF9C0-7808-4C47-939C-64AAF1E07C91}" destId="{14224C78-B157-401D-A2F1-E9F31649126E}" srcOrd="0" destOrd="0" presId="urn:microsoft.com/office/officeart/2005/8/layout/lProcess2"/>
+    <dgm:cxn modelId="{2C9B4D2C-5A40-461D-B3F7-0C03E89C71B0}" type="presOf" srcId="{8245208F-8744-45B1-90A8-86D542F934F0}" destId="{AEE58C13-6048-4E62-B43F-C028ED900B5B}" srcOrd="0" destOrd="0" presId="urn:microsoft.com/office/officeart/2005/8/layout/lProcess2"/>
+    <dgm:cxn modelId="{5F4D552F-FBC8-4DA2-B175-59C5112A886F}" type="presOf" srcId="{A346E610-4B50-4C35-A53C-4D4B562F8F7D}" destId="{8CA9BF7F-7A23-4F8E-81B3-A89FD1880B44}" srcOrd="0" destOrd="0" presId="urn:microsoft.com/office/officeart/2005/8/layout/lProcess2"/>
+    <dgm:cxn modelId="{42FCAE31-1D01-4FA7-B1A8-580107ACD759}" srcId="{3CAFF9C0-7808-4C47-939C-64AAF1E07C91}" destId="{8245208F-8744-45B1-90A8-86D542F934F0}" srcOrd="0" destOrd="0" parTransId="{BB7CFD95-BA32-47BB-A527-C2F09F0F6CC1}" sibTransId="{D47828CC-FFFA-4827-9897-B6C1FF4D4D42}"/>
+    <dgm:cxn modelId="{2167C63C-2696-43C7-BC37-E8990C7E8B7F}" type="presOf" srcId="{CD50272E-F919-4AA6-8B00-5CFBA508BA68}" destId="{CE613FC4-FA3F-4D35-9985-622C2622B282}" srcOrd="0" destOrd="0" presId="urn:microsoft.com/office/officeart/2005/8/layout/lProcess2"/>
+    <dgm:cxn modelId="{38E6B83D-B121-4655-819E-CD8ACE1D26A3}" srcId="{8E113AD3-1216-4868-873B-9A4AEC9A5003}" destId="{E3093668-ACCB-4CF7-8735-CD593E52646E}" srcOrd="0" destOrd="0" parTransId="{4B107640-A380-4F53-B8A9-741ED4724835}" sibTransId="{A7933CCE-385D-4DC6-BB05-10C157FCD40F}"/>
+    <dgm:cxn modelId="{6183385B-B07A-4460-9C2E-35DD819BC835}" srcId="{6689905A-B81B-4A9C-ADBB-371B03968A79}" destId="{770D252D-D514-41A0-A8F5-78013B8BD5E4}" srcOrd="6" destOrd="0" parTransId="{26CE8BE2-1372-4CB0-B495-2B3506E71245}" sibTransId="{4824CB9B-0A00-47AA-B5CF-DD48EAD9AD9D}"/>
+    <dgm:cxn modelId="{A9FBA442-70E7-4523-99B6-A3E5C6FD3D95}" srcId="{6689905A-B81B-4A9C-ADBB-371B03968A79}" destId="{D115765C-57F4-43D4-9AE8-4E1BD5A63E7A}" srcOrd="4" destOrd="0" parTransId="{17955B4B-ED5C-4B3E-91CC-05FBB6C39E5A}" sibTransId="{4336551F-7E4F-4FC2-9F9D-F311E3D70BAB}"/>
+    <dgm:cxn modelId="{00B4C344-F6D2-4C69-BE70-1C8F2477D105}" srcId="{12E2AACC-1F59-4249-A192-05E2DC555A22}" destId="{F9E9653E-7ECC-47A2-B46E-32803E632938}" srcOrd="0" destOrd="0" parTransId="{AD439863-1B85-435E-8BCC-D28C94900AAE}" sibTransId="{41AA59D9-CB41-4B70-B6D8-62B40A960139}"/>
+    <dgm:cxn modelId="{C0966A47-E587-4C94-9BC4-9BB1D89A3E91}" type="presOf" srcId="{8E113AD3-1216-4868-873B-9A4AEC9A5003}" destId="{7590E721-81C5-43FB-BE94-E6EDFD4F0405}" srcOrd="1" destOrd="0" presId="urn:microsoft.com/office/officeart/2005/8/layout/lProcess2"/>
     <dgm:cxn modelId="{129C6D48-DD74-4EDC-90AA-BDC5FD24456B}" type="presOf" srcId="{F9E9653E-7ECC-47A2-B46E-32803E632938}" destId="{20A32166-6C01-4057-83F0-D3AE08205EDB}" srcOrd="0" destOrd="0" presId="urn:microsoft.com/office/officeart/2005/8/layout/lProcess2"/>
+    <dgm:cxn modelId="{910EB348-21FD-4776-BB42-286B8CDFA640}" srcId="{8245208F-8744-45B1-90A8-86D542F934F0}" destId="{1D752428-DCAB-4F21-A008-8E12CC6FC7D3}" srcOrd="3" destOrd="0" parTransId="{DD937F69-562B-4422-9E12-AA7FBD9AF231}" sibTransId="{74E2090F-C7D2-4D3A-AFC8-7FCE479BF486}"/>
+    <dgm:cxn modelId="{8B6F2C51-6A1C-4191-AB0E-094215517B5C}" type="presOf" srcId="{0971B7E3-B3A7-42E3-94FC-9A076BDE9A0E}" destId="{A0B514A6-4593-42F5-AC31-F1086A1EA4A3}" srcOrd="1" destOrd="0" presId="urn:microsoft.com/office/officeart/2005/8/layout/lProcess2"/>
+    <dgm:cxn modelId="{E2793552-0038-414E-A19A-9129F504DCAE}" type="presOf" srcId="{AA279C42-59DC-43C9-BBA2-97AF2F040DBA}" destId="{0003BD7C-69DD-4395-8CB4-C55A459B474B}" srcOrd="0" destOrd="0" presId="urn:microsoft.com/office/officeart/2005/8/layout/lProcess2"/>
+    <dgm:cxn modelId="{A9114B77-637B-410D-92D3-A4B5303B5C76}" srcId="{6689905A-B81B-4A9C-ADBB-371B03968A79}" destId="{BBCE2902-ADDC-44E9-93C5-B7212315A16A}" srcOrd="5" destOrd="0" parTransId="{D1E0F802-6240-45AA-A1A5-5F102523D99A}" sibTransId="{3FFE2715-7C96-420E-8359-61AEEF6B1711}"/>
+    <dgm:cxn modelId="{1FBEEB78-C209-4EBF-9CDD-4335B68FEE4F}" type="presOf" srcId="{A1E5DE68-C43B-4086-A632-84F804153753}" destId="{615B024D-5680-401D-96B4-98D2DD738B3B}" srcOrd="0" destOrd="0" presId="urn:microsoft.com/office/officeart/2005/8/layout/lProcess2"/>
+    <dgm:cxn modelId="{34601D7A-5B5F-44C6-B5DA-DF7C1BC8818F}" type="presOf" srcId="{DFD73739-77C3-4545-8AB8-A76A70172E1A}" destId="{B047C787-0676-42D9-B9A8-6E26DDE25859}" srcOrd="0" destOrd="0" presId="urn:microsoft.com/office/officeart/2005/8/layout/lProcess2"/>
+    <dgm:cxn modelId="{A3E6235A-0F22-49BC-81F4-6CCCDDB77AD0}" type="presOf" srcId="{D115765C-57F4-43D4-9AE8-4E1BD5A63E7A}" destId="{87721207-43C4-4AF5-8E08-C70BA93FE3C4}" srcOrd="0" destOrd="0" presId="urn:microsoft.com/office/officeart/2005/8/layout/lProcess2"/>
+    <dgm:cxn modelId="{A2EAF55A-CAB7-40DC-BF95-F3CAF18BF232}" srcId="{12E2AACC-1F59-4249-A192-05E2DC555A22}" destId="{8EC77DDC-A1D0-4773-8728-219E506993D4}" srcOrd="1" destOrd="0" parTransId="{F0C0E3F6-9DCC-4A11-98E1-0A6800FD2B5F}" sibTransId="{C993C1D4-15F8-4AFD-913E-E4CCB4015BFE}"/>
+    <dgm:cxn modelId="{118A027D-EB03-4B57-B640-38D51DDB9A0F}" type="presOf" srcId="{8245208F-8744-45B1-90A8-86D542F934F0}" destId="{A696E25A-5CCD-438C-A29D-580FB0952415}" srcOrd="1" destOrd="0" presId="urn:microsoft.com/office/officeart/2005/8/layout/lProcess2"/>
+    <dgm:cxn modelId="{8A80F47D-BD0E-4EFB-A3FB-E13A419D0D53}" type="presOf" srcId="{53A78326-11FB-450E-9B25-AE3AD5209E50}" destId="{EF86198F-493E-4DFF-8DFC-EECC5738F064}" srcOrd="0" destOrd="0" presId="urn:microsoft.com/office/officeart/2005/8/layout/lProcess2"/>
+    <dgm:cxn modelId="{8BDC5B80-B577-4C50-B0A6-418FBDD534AA}" type="presOf" srcId="{810DEDB1-B4A6-4657-AF5E-AEB6410DD2D4}" destId="{1A444BC5-2F1A-4793-A8FB-134629D1C603}" srcOrd="0" destOrd="0" presId="urn:microsoft.com/office/officeart/2005/8/layout/lProcess2"/>
+    <dgm:cxn modelId="{42F64B80-0832-4921-8E8F-F4265C5A8C06}" type="presOf" srcId="{3FD5D727-7125-49E1-B7E0-E1632F1939A1}" destId="{F932D407-4F4B-4AA6-B085-C08F606B6390}" srcOrd="0" destOrd="0" presId="urn:microsoft.com/office/officeart/2005/8/layout/lProcess2"/>
+    <dgm:cxn modelId="{FFA0B280-2229-40B6-B912-95138B9DC139}" srcId="{3CAFF9C0-7808-4C47-939C-64AAF1E07C91}" destId="{12E2AACC-1F59-4249-A192-05E2DC555A22}" srcOrd="2" destOrd="0" parTransId="{006E6F59-5EED-43A4-A9A2-EE03BBFAA026}" sibTransId="{0F2A16B6-D1FD-49C4-8EFD-192CA62DEB46}"/>
+    <dgm:cxn modelId="{64103084-9FA4-466D-ACF8-497002A527E5}" type="presOf" srcId="{0971B7E3-B3A7-42E3-94FC-9A076BDE9A0E}" destId="{242A0A04-22A6-449A-84A7-3F921BA653A4}" srcOrd="0" destOrd="0" presId="urn:microsoft.com/office/officeart/2005/8/layout/lProcess2"/>
+    <dgm:cxn modelId="{D3D50985-787B-45CC-A25F-378889FAC107}" type="presOf" srcId="{A7B6F109-7F10-49C6-98FF-C0B043B2AE29}" destId="{309FEE89-8B66-4C2E-8A5E-82B57F47A933}" srcOrd="0" destOrd="0" presId="urn:microsoft.com/office/officeart/2005/8/layout/lProcess2"/>
+    <dgm:cxn modelId="{01961686-4DA5-413E-9FDE-B882C74EB017}" type="presOf" srcId="{E7C3CAEF-D831-489F-A2DD-854549E0AC0B}" destId="{50105F04-BF93-4835-84BE-3BB78DB32623}" srcOrd="0" destOrd="0" presId="urn:microsoft.com/office/officeart/2005/8/layout/lProcess2"/>
+    <dgm:cxn modelId="{13B09F89-C179-4F82-A061-F70E080BB586}" type="presOf" srcId="{23AC6674-1417-4EAF-AFB1-8ED720F99F09}" destId="{0C7470AE-95D1-47F0-B7C5-AFF60EF4A7CB}" srcOrd="0" destOrd="0" presId="urn:microsoft.com/office/officeart/2005/8/layout/lProcess2"/>
+    <dgm:cxn modelId="{8A66F989-BC1D-4797-9E40-7FA49CF2D476}" type="presOf" srcId="{8EC77DDC-A1D0-4773-8728-219E506993D4}" destId="{7C2DC33C-EC8B-4DB3-8EC8-6F05039AB9B6}" srcOrd="0" destOrd="0" presId="urn:microsoft.com/office/officeart/2005/8/layout/lProcess2"/>
+    <dgm:cxn modelId="{7F79788C-4F3B-4E85-B566-0E6BB2885943}" srcId="{6689905A-B81B-4A9C-ADBB-371B03968A79}" destId="{53A78326-11FB-450E-9B25-AE3AD5209E50}" srcOrd="2" destOrd="0" parTransId="{4B4E45A5-2454-42EB-A8EE-4B81E3D3039D}" sibTransId="{30919F04-8BCB-49CD-9D7E-9955A19B656F}"/>
+    <dgm:cxn modelId="{46241D8D-E345-4273-AC6A-6F9A6F19727D}" type="presOf" srcId="{F1117DCB-C5A6-4B04-8C9C-BF4C20CD227C}" destId="{C7B40AF3-28BC-4574-AC22-497E212ACB00}" srcOrd="0" destOrd="0" presId="urn:microsoft.com/office/officeart/2005/8/layout/lProcess2"/>
+    <dgm:cxn modelId="{22CF2E8D-1818-4B88-AC80-DCC4E19E9534}" type="presOf" srcId="{CC0EA05A-76EE-4C96-A101-877E2E86C125}" destId="{F6FCB063-B33D-4056-9928-89755C22B430}" srcOrd="0" destOrd="0" presId="urn:microsoft.com/office/officeart/2005/8/layout/lProcess2"/>
+    <dgm:cxn modelId="{F1C7E38D-8BE9-4A34-9C2F-24F94FDAA9E7}" type="presOf" srcId="{2A9B2166-B854-4FD6-A7D8-CB726751FCCB}" destId="{D47983B6-D85C-4BD2-B445-50F5E9F2ECA7}" srcOrd="0" destOrd="0" presId="urn:microsoft.com/office/officeart/2005/8/layout/lProcess2"/>
+    <dgm:cxn modelId="{08CEDA90-8B8D-4328-BA1B-6D41FD3F070A}" srcId="{8245208F-8744-45B1-90A8-86D542F934F0}" destId="{DFD73739-77C3-4545-8AB8-A76A70172E1A}" srcOrd="0" destOrd="0" parTransId="{94D45ECA-C659-4583-B573-533D6A24436D}" sibTransId="{0507C284-AEC9-498C-9668-F6C0A709D6BC}"/>
+    <dgm:cxn modelId="{C15B0591-8EDE-4BAC-A32D-44E9D8143F13}" type="presOf" srcId="{2E94CAE8-9AC0-4E7E-B62B-708A6CA7E1E2}" destId="{16FECFD9-8513-4731-8189-B5011DCD6779}" srcOrd="0" destOrd="0" presId="urn:microsoft.com/office/officeart/2005/8/layout/lProcess2"/>
+    <dgm:cxn modelId="{75908398-567F-44D3-950C-C008C5059569}" type="presOf" srcId="{6A83B22D-427D-4DE1-B9CC-D58C855A1D3A}" destId="{2BD5B6CA-8B29-4F5F-891B-98AEBDBCD645}" srcOrd="0" destOrd="0" presId="urn:microsoft.com/office/officeart/2005/8/layout/lProcess2"/>
+    <dgm:cxn modelId="{54C10E99-13CE-4074-BA8E-3A55B8075644}" type="presOf" srcId="{22AD4DF5-0D1D-4F9B-8854-657F5C3FD189}" destId="{1CE193FC-2184-4752-B0F6-9867416FDC88}" srcOrd="0" destOrd="0" presId="urn:microsoft.com/office/officeart/2005/8/layout/lProcess2"/>
+    <dgm:cxn modelId="{10F0299B-0AA7-4C2D-BA43-64A99C82E37C}" srcId="{8245208F-8744-45B1-90A8-86D542F934F0}" destId="{A038BA8D-7FB9-4D06-9B3E-479A42691246}" srcOrd="2" destOrd="0" parTransId="{EA181C66-DDD9-47BB-AD4D-18D0FF700DB7}" sibTransId="{0B3ADF94-9728-4D36-8877-8FA814E47791}"/>
+    <dgm:cxn modelId="{7121BE9B-F4EE-497F-8096-3439D7F75581}" srcId="{8245208F-8744-45B1-90A8-86D542F934F0}" destId="{A346E610-4B50-4C35-A53C-4D4B562F8F7D}" srcOrd="1" destOrd="0" parTransId="{136DE74A-A0A2-4B79-BF21-373EA1B95942}" sibTransId="{9272514F-2195-40F0-A443-206EA70F9EBC}"/>
+    <dgm:cxn modelId="{CC50159C-2D87-4E4F-A238-852D3B1CF752}" srcId="{8E113AD3-1216-4868-873B-9A4AEC9A5003}" destId="{F1117DCB-C5A6-4B04-8C9C-BF4C20CD227C}" srcOrd="1" destOrd="0" parTransId="{CCD0BC61-3A73-4A37-B788-CF06C3797D0B}" sibTransId="{3A3CEF84-6D83-499F-9C6F-E60BD1B8DE21}"/>
+    <dgm:cxn modelId="{439E429E-7F8C-4BCF-95D9-1CEB6BE19EFF}" type="presOf" srcId="{6689905A-B81B-4A9C-ADBB-371B03968A79}" destId="{F7BF947C-DE94-4185-B8D5-1B887DD85655}" srcOrd="1" destOrd="0" presId="urn:microsoft.com/office/officeart/2005/8/layout/lProcess2"/>
+    <dgm:cxn modelId="{69FEE09F-DA5F-44D2-AC3A-3D90B7B62063}" srcId="{8E113AD3-1216-4868-873B-9A4AEC9A5003}" destId="{2A9B2166-B854-4FD6-A7D8-CB726751FCCB}" srcOrd="4" destOrd="0" parTransId="{9540FBC8-0516-4661-BE3D-1164366FF9C9}" sibTransId="{5DA75FAB-BF0C-4460-AFDE-5819982D5D81}"/>
+    <dgm:cxn modelId="{B2E6ADA0-39D1-4698-AFC7-61CFAAE14AD1}" type="presOf" srcId="{BDA7F26E-7E77-405E-975F-1070EEAB3DB0}" destId="{BFF188C1-7662-4B3E-9D46-7581EFAB0185}" srcOrd="0" destOrd="0" presId="urn:microsoft.com/office/officeart/2005/8/layout/lProcess2"/>
+    <dgm:cxn modelId="{EEB94AA4-BBDD-44C5-A9F1-465F4EDB7E1F}" srcId="{8E113AD3-1216-4868-873B-9A4AEC9A5003}" destId="{E7C3CAEF-D831-489F-A2DD-854549E0AC0B}" srcOrd="5" destOrd="0" parTransId="{F9C6AAFC-DD73-40CF-9F58-0FA041FCA228}" sibTransId="{513AD5C2-03B7-4760-A3C2-027E7FF5E4FF}"/>
+    <dgm:cxn modelId="{CC40CBA5-D5E4-4FFF-8318-7DE979658D3C}" srcId="{6689905A-B81B-4A9C-ADBB-371B03968A79}" destId="{C26DA337-08C7-4346-ACF1-246813B5AE49}" srcOrd="3" destOrd="0" parTransId="{3FB3EB6E-D595-4857-93D1-A85DE6CB58A2}" sibTransId="{6CBBA0D8-1681-4D1D-A6D0-0C3E2E3D1695}"/>
+    <dgm:cxn modelId="{003E6EA9-6791-4BB9-9089-748961A2D3EA}" type="presOf" srcId="{770D252D-D514-41A0-A8F5-78013B8BD5E4}" destId="{DBBA6A57-2F28-49E9-9655-ABD2D2E09E71}" srcOrd="0" destOrd="0" presId="urn:microsoft.com/office/officeart/2005/8/layout/lProcess2"/>
+    <dgm:cxn modelId="{7CFE9AA9-A5F8-4FC6-9F75-99CFAE09A3CC}" srcId="{0971B7E3-B3A7-42E3-94FC-9A076BDE9A0E}" destId="{BDA7F26E-7E77-405E-975F-1070EEAB3DB0}" srcOrd="0" destOrd="0" parTransId="{288E92CD-A59F-4380-910C-D726186094BB}" sibTransId="{5B0C8D36-FA47-4FDC-A5BB-F01D422468BA}"/>
+    <dgm:cxn modelId="{2EF5D5AE-A90A-4725-9932-BA154293A56D}" type="presOf" srcId="{F3F71484-4357-4C49-8F38-84833B2DFDEF}" destId="{9CD5AF84-E8CE-4DF1-BC47-DBFA9B692293}" srcOrd="0" destOrd="0" presId="urn:microsoft.com/office/officeart/2005/8/layout/lProcess2"/>
+    <dgm:cxn modelId="{2C8ABBB1-AE87-45FA-999F-4C4ACEA17256}" srcId="{8245208F-8744-45B1-90A8-86D542F934F0}" destId="{22AD4DF5-0D1D-4F9B-8854-657F5C3FD189}" srcOrd="7" destOrd="0" parTransId="{86296D2D-E6B3-4051-AFCA-FD8A42E6AA47}" sibTransId="{0363C917-DEE0-4959-8EE6-F5BB31DD99EC}"/>
+    <dgm:cxn modelId="{890B86B4-E0C4-4F02-9B85-036D7BE836FC}" srcId="{6689905A-B81B-4A9C-ADBB-371B03968A79}" destId="{CC0EA05A-76EE-4C96-A101-877E2E86C125}" srcOrd="7" destOrd="0" parTransId="{FECAB3DD-DEE2-45CA-AB61-768EFD7BA008}" sibTransId="{AB7B57C4-026D-43A6-8F40-53CBC4DC4B12}"/>
+    <dgm:cxn modelId="{021C34B8-A1E3-42A5-9F8A-DE3743194B92}" type="presOf" srcId="{68BBEE65-2A59-4297-9A9B-D4061DCBCCF6}" destId="{BC0395AD-B931-41CC-9FE4-426595B1606C}" srcOrd="0" destOrd="0" presId="urn:microsoft.com/office/officeart/2005/8/layout/lProcess2"/>
+    <dgm:cxn modelId="{3A52F0B9-058C-4D7A-8D4A-271BE61A5C1D}" srcId="{12E2AACC-1F59-4249-A192-05E2DC555A22}" destId="{A7B6F109-7F10-49C6-98FF-C0B043B2AE29}" srcOrd="5" destOrd="0" parTransId="{C173CDD7-8D24-4035-8EA6-CAA272CB66BE}" sibTransId="{2EB0DD99-BEF8-4CCD-87EB-93454C0BFD97}"/>
+    <dgm:cxn modelId="{7D0CA9BA-4061-4877-808A-2EAF016ABFBD}" type="presOf" srcId="{BBCE2902-ADDC-44E9-93C5-B7212315A16A}" destId="{D42D210F-0E8A-43B1-A561-0289463E0979}" srcOrd="0" destOrd="0" presId="urn:microsoft.com/office/officeart/2005/8/layout/lProcess2"/>
+    <dgm:cxn modelId="{A5CF96BC-8AEA-4F3D-AFDD-A6EC76A74AB5}" srcId="{12E2AACC-1F59-4249-A192-05E2DC555A22}" destId="{DF6484E8-1D3A-4244-88BB-D0CB0AFBEBE0}" srcOrd="3" destOrd="0" parTransId="{F07CEC02-4C4F-4B2F-8FDC-A5C32CA75687}" sibTransId="{158DFA21-BECC-4F8A-B585-24C4B1A06E58}"/>
+    <dgm:cxn modelId="{B12B9ABD-BAF3-458C-834F-969174931EAE}" type="presOf" srcId="{1D752428-DCAB-4F21-A008-8E12CC6FC7D3}" destId="{074C6656-C63B-468B-AFA7-4B1B0308D8AC}" srcOrd="0" destOrd="0" presId="urn:microsoft.com/office/officeart/2005/8/layout/lProcess2"/>
+    <dgm:cxn modelId="{6BF9D7C0-2DC5-44F6-AC58-FCFAE146B112}" srcId="{12E2AACC-1F59-4249-A192-05E2DC555A22}" destId="{CD50272E-F919-4AA6-8B00-5CFBA508BA68}" srcOrd="6" destOrd="0" parTransId="{8D3153B0-B46C-4F3F-AB15-5436DDAF97DC}" sibTransId="{0AE16949-A743-449F-A871-7BAB129E5562}"/>
+    <dgm:cxn modelId="{0A8665C5-3703-493B-AD5B-D8E9E1C980DF}" srcId="{8245208F-8744-45B1-90A8-86D542F934F0}" destId="{DEF2CF9F-D5BC-44B5-853B-D753DA6983D2}" srcOrd="5" destOrd="0" parTransId="{B0B9FA12-F05C-4A04-8F49-E111D10320A6}" sibTransId="{583FEE7F-BEA7-42E8-A459-3F80B9E8E86F}"/>
     <dgm:cxn modelId="{07E5EBC8-C75A-4DA9-B6A5-90D683437FB3}" srcId="{8245208F-8744-45B1-90A8-86D542F934F0}" destId="{68BBEE65-2A59-4297-9A9B-D4061DCBCCF6}" srcOrd="6" destOrd="0" parTransId="{D1099DAC-F36C-4442-ADDB-1752127D6F0E}" sibTransId="{18F1A679-E1BB-49E1-950E-A71E9255042E}"/>
-    <dgm:cxn modelId="{42F64B80-0832-4921-8E8F-F4265C5A8C06}" type="presOf" srcId="{3FD5D727-7125-49E1-B7E0-E1632F1939A1}" destId="{F932D407-4F4B-4AA6-B085-C08F606B6390}" srcOrd="0" destOrd="0" presId="urn:microsoft.com/office/officeart/2005/8/layout/lProcess2"/>
-    <dgm:cxn modelId="{54C10E99-13CE-4074-BA8E-3A55B8075644}" type="presOf" srcId="{22AD4DF5-0D1D-4F9B-8854-657F5C3FD189}" destId="{1CE193FC-2184-4752-B0F6-9867416FDC88}" srcOrd="0" destOrd="0" presId="urn:microsoft.com/office/officeart/2005/8/layout/lProcess2"/>
-    <dgm:cxn modelId="{A5CF96BC-8AEA-4F3D-AFDD-A6EC76A74AB5}" srcId="{12E2AACC-1F59-4249-A192-05E2DC555A22}" destId="{DF6484E8-1D3A-4244-88BB-D0CB0AFBEBE0}" srcOrd="3" destOrd="0" parTransId="{F07CEC02-4C4F-4B2F-8FDC-A5C32CA75687}" sibTransId="{158DFA21-BECC-4F8A-B585-24C4B1A06E58}"/>
+    <dgm:cxn modelId="{101CFBD0-8D48-4E94-844A-886E2D685F0D}" type="presOf" srcId="{12E2AACC-1F59-4249-A192-05E2DC555A22}" destId="{69D903DA-678E-454A-853F-76188B603A27}" srcOrd="0" destOrd="0" presId="urn:microsoft.com/office/officeart/2005/8/layout/lProcess2"/>
+    <dgm:cxn modelId="{79099BD6-51BB-4963-B906-EF894535D088}" type="presOf" srcId="{E3093668-ACCB-4CF7-8735-CD593E52646E}" destId="{A11843C8-BE16-4AFC-B7F5-C82431E17162}" srcOrd="0" destOrd="0" presId="urn:microsoft.com/office/officeart/2005/8/layout/lProcess2"/>
+    <dgm:cxn modelId="{60FA62D8-EA4E-4132-93CD-28557B9E1D83}" srcId="{8245208F-8744-45B1-90A8-86D542F934F0}" destId="{E4D7E9A5-256B-4054-8AB8-C92525A8E1BA}" srcOrd="4" destOrd="0" parTransId="{19233E0D-925C-4F7F-9CB9-D05314F988D7}" sibTransId="{D8FB6C80-42DA-4570-9897-70660379C363}"/>
+    <dgm:cxn modelId="{1A689FD8-A66A-4DA0-9F02-7895624B3DE9}" srcId="{3CAFF9C0-7808-4C47-939C-64AAF1E07C91}" destId="{6689905A-B81B-4A9C-ADBB-371B03968A79}" srcOrd="1" destOrd="0" parTransId="{DE1834AF-5EF9-4FCF-B077-CF1E048A284B}" sibTransId="{0B8E98A9-9E65-431B-9F5B-390A1868D601}"/>
+    <dgm:cxn modelId="{055BFBD9-6A3C-44BB-A0B3-26260D52EC96}" srcId="{3CAFF9C0-7808-4C47-939C-64AAF1E07C91}" destId="{0971B7E3-B3A7-42E3-94FC-9A076BDE9A0E}" srcOrd="4" destOrd="0" parTransId="{CBA56312-7894-4941-A6E1-19DE59DE1BA7}" sibTransId="{B5F24B20-3BDA-49CB-B469-BDB58211B1AF}"/>
+    <dgm:cxn modelId="{EF969EDA-9EEC-4394-AE86-0F04F82A3C30}" srcId="{12E2AACC-1F59-4249-A192-05E2DC555A22}" destId="{A1E5DE68-C43B-4086-A632-84F804153753}" srcOrd="2" destOrd="0" parTransId="{D3CCB0C2-D146-456A-B1E3-D25103561D54}" sibTransId="{C93EA460-9F9C-4B42-AB9B-FC10A721378C}"/>
+    <dgm:cxn modelId="{C442C4E8-630D-4C32-920B-FF9FFE5CA0A4}" srcId="{0971B7E3-B3A7-42E3-94FC-9A076BDE9A0E}" destId="{2E94CAE8-9AC0-4E7E-B62B-708A6CA7E1E2}" srcOrd="3" destOrd="0" parTransId="{186A6C03-DB49-44C5-90DE-58DA6F6C2A6C}" sibTransId="{741C241E-8EDF-4E88-ADF8-B0151261BA8E}"/>
+    <dgm:cxn modelId="{82A85FEA-3F90-422F-A33D-BF2D8B0C3923}" srcId="{6689905A-B81B-4A9C-ADBB-371B03968A79}" destId="{810DEDB1-B4A6-4657-AF5E-AEB6410DD2D4}" srcOrd="0" destOrd="0" parTransId="{98292DC3-5B58-4215-A404-911D28DF38D9}" sibTransId="{86BE4BA9-58AD-4313-BD68-9B836E45986E}"/>
+    <dgm:cxn modelId="{DF3C24EC-865B-4B5F-A860-D37EC56E753C}" srcId="{8E113AD3-1216-4868-873B-9A4AEC9A5003}" destId="{B42B99CB-3A06-4CE3-83E8-6BD82BCE5033}" srcOrd="2" destOrd="0" parTransId="{6E324706-EAEB-4967-9004-16BDF45EEC67}" sibTransId="{21076C17-C3F9-4957-B13B-44D2A37EBEF8}"/>
+    <dgm:cxn modelId="{747828ED-1547-48EA-AB7A-1FA207522075}" type="presOf" srcId="{12E2AACC-1F59-4249-A192-05E2DC555A22}" destId="{CE75BE52-D6B0-4A53-AB05-903D27A161D3}" srcOrd="1" destOrd="0" presId="urn:microsoft.com/office/officeart/2005/8/layout/lProcess2"/>
+    <dgm:cxn modelId="{7662F9F0-C9B1-4C7E-86CA-F5DE78E351CA}" srcId="{3CAFF9C0-7808-4C47-939C-64AAF1E07C91}" destId="{8E113AD3-1216-4868-873B-9A4AEC9A5003}" srcOrd="3" destOrd="0" parTransId="{E3BD1BF2-D113-43EF-A8B2-FD4394032B33}" sibTransId="{6E0B25E6-6827-445D-BED7-8FFA09FEF3BC}"/>
+    <dgm:cxn modelId="{F6A521F3-7171-4B87-B8BA-B0D57DE74DC2}" srcId="{0971B7E3-B3A7-42E3-94FC-9A076BDE9A0E}" destId="{6A83B22D-427D-4DE1-B9CC-D58C855A1D3A}" srcOrd="2" destOrd="0" parTransId="{1EA3B4F5-BC40-46D5-B028-27E9C01AE706}" sibTransId="{074D38CD-3279-4CEA-A469-5949E78D7A62}"/>
+    <dgm:cxn modelId="{EF6152F4-6AED-4462-94AE-966727C80A53}" type="presOf" srcId="{E4D7E9A5-256B-4054-8AB8-C92525A8E1BA}" destId="{BA10DB4B-8624-4AD3-A9A1-A24A60E86BD4}" srcOrd="0" destOrd="0" presId="urn:microsoft.com/office/officeart/2005/8/layout/lProcess2"/>
+    <dgm:cxn modelId="{B2CC74F4-C8F1-49FD-B0FD-C934908337B0}" srcId="{12E2AACC-1F59-4249-A192-05E2DC555A22}" destId="{AA279C42-59DC-43C9-BBA2-97AF2F040DBA}" srcOrd="7" destOrd="0" parTransId="{2CBAFBC3-5B81-4998-A6CD-66DB067822CE}" sibTransId="{7A256D50-2E48-48F6-B3B1-790D5D5B89E1}"/>
+    <dgm:cxn modelId="{91A5E0F9-25F9-4795-8FD2-686AB39B04CD}" type="presOf" srcId="{C26DA337-08C7-4346-ACF1-246813B5AE49}" destId="{369B9B68-BAD3-4045-A602-99D81E6B071A}" srcOrd="0" destOrd="0" presId="urn:microsoft.com/office/officeart/2005/8/layout/lProcess2"/>
+    <dgm:cxn modelId="{25D29CFA-AA14-4029-A5B5-5F4BCC9592B4}" type="presOf" srcId="{910AA6F2-5F1F-4AA9-9139-C252A2579E9E}" destId="{F4142631-D742-4810-A9A9-797596D60138}" srcOrd="0" destOrd="0" presId="urn:microsoft.com/office/officeart/2005/8/layout/lProcess2"/>
+    <dgm:cxn modelId="{BED740FD-6E40-4819-898D-CCAA4849E2EA}" type="presOf" srcId="{E32EC264-EE95-4EA1-9F17-7CF4DF4A050E}" destId="{92F8BBB0-8CC4-4986-87FD-313E3C3FB30C}" srcOrd="0" destOrd="0" presId="urn:microsoft.com/office/officeart/2005/8/layout/lProcess2"/>
+    <dgm:cxn modelId="{36DD07FF-CDB9-4771-8926-C9E4BB6DBFF7}" type="presOf" srcId="{A038BA8D-7FB9-4D06-9B3E-479A42691246}" destId="{DC493DA2-5315-4C52-94D0-4FE2628ED80E}" srcOrd="0" destOrd="0" presId="urn:microsoft.com/office/officeart/2005/8/layout/lProcess2"/>
     <dgm:cxn modelId="{D93E44FF-2B58-4623-AC32-002987C647A1}" type="presOf" srcId="{DEF2CF9F-D5BC-44B5-853B-D753DA6983D2}" destId="{3DECD127-3C94-4A15-BB5B-E326A3EBF2BA}" srcOrd="0" destOrd="0" presId="urn:microsoft.com/office/officeart/2005/8/layout/lProcess2"/>
-    <dgm:cxn modelId="{A9FBA442-70E7-4523-99B6-A3E5C6FD3D95}" srcId="{6689905A-B81B-4A9C-ADBB-371B03968A79}" destId="{D115765C-57F4-43D4-9AE8-4E1BD5A63E7A}" srcOrd="4" destOrd="0" parTransId="{17955B4B-ED5C-4B3E-91CC-05FBB6C39E5A}" sibTransId="{4336551F-7E4F-4FC2-9F9D-F311E3D70BAB}"/>
-    <dgm:cxn modelId="{A2EAF55A-CAB7-40DC-BF95-F3CAF18BF232}" srcId="{12E2AACC-1F59-4249-A192-05E2DC555A22}" destId="{8EC77DDC-A1D0-4773-8728-219E506993D4}" srcOrd="1" destOrd="0" parTransId="{F0C0E3F6-9DCC-4A11-98E1-0A6800FD2B5F}" sibTransId="{C993C1D4-15F8-4AFD-913E-E4CCB4015BFE}"/>
-    <dgm:cxn modelId="{64103084-9FA4-466D-ACF8-497002A527E5}" type="presOf" srcId="{0971B7E3-B3A7-42E3-94FC-9A076BDE9A0E}" destId="{242A0A04-22A6-449A-84A7-3F921BA653A4}" srcOrd="0" destOrd="0" presId="urn:microsoft.com/office/officeart/2005/8/layout/lProcess2"/>
-    <dgm:cxn modelId="{2C8ABBB1-AE87-45FA-999F-4C4ACEA17256}" srcId="{8245208F-8744-45B1-90A8-86D542F934F0}" destId="{22AD4DF5-0D1D-4F9B-8854-657F5C3FD189}" srcOrd="7" destOrd="0" parTransId="{86296D2D-E6B3-4051-AFCA-FD8A42E6AA47}" sibTransId="{0363C917-DEE0-4959-8EE6-F5BB31DD99EC}"/>
-    <dgm:cxn modelId="{08CEDA90-8B8D-4328-BA1B-6D41FD3F070A}" srcId="{8245208F-8744-45B1-90A8-86D542F934F0}" destId="{DFD73739-77C3-4545-8AB8-A76A70172E1A}" srcOrd="0" destOrd="0" parTransId="{94D45ECA-C659-4583-B573-533D6A24436D}" sibTransId="{0507C284-AEC9-498C-9668-F6C0A709D6BC}"/>
-    <dgm:cxn modelId="{75908398-567F-44D3-950C-C008C5059569}" type="presOf" srcId="{6A83B22D-427D-4DE1-B9CC-D58C855A1D3A}" destId="{2BD5B6CA-8B29-4F5F-891B-98AEBDBCD645}" srcOrd="0" destOrd="0" presId="urn:microsoft.com/office/officeart/2005/8/layout/lProcess2"/>
-    <dgm:cxn modelId="{8B6F2C51-6A1C-4191-AB0E-094215517B5C}" type="presOf" srcId="{0971B7E3-B3A7-42E3-94FC-9A076BDE9A0E}" destId="{A0B514A6-4593-42F5-AC31-F1086A1EA4A3}" srcOrd="1" destOrd="0" presId="urn:microsoft.com/office/officeart/2005/8/layout/lProcess2"/>
-    <dgm:cxn modelId="{91A5E0F9-25F9-4795-8FD2-686AB39B04CD}" type="presOf" srcId="{C26DA337-08C7-4346-ACF1-246813B5AE49}" destId="{369B9B68-BAD3-4045-A602-99D81E6B071A}" srcOrd="0" destOrd="0" presId="urn:microsoft.com/office/officeart/2005/8/layout/lProcess2"/>
-    <dgm:cxn modelId="{FFA0B280-2229-40B6-B912-95138B9DC139}" srcId="{3CAFF9C0-7808-4C47-939C-64AAF1E07C91}" destId="{12E2AACC-1F59-4249-A192-05E2DC555A22}" srcOrd="2" destOrd="0" parTransId="{006E6F59-5EED-43A4-A9A2-EE03BBFAA026}" sibTransId="{0F2A16B6-D1FD-49C4-8EFD-192CA62DEB46}"/>
-    <dgm:cxn modelId="{00B4C344-F6D2-4C69-BE70-1C8F2477D105}" srcId="{12E2AACC-1F59-4249-A192-05E2DC555A22}" destId="{F9E9653E-7ECC-47A2-B46E-32803E632938}" srcOrd="0" destOrd="0" parTransId="{AD439863-1B85-435E-8BCC-D28C94900AAE}" sibTransId="{41AA59D9-CB41-4B70-B6D8-62B40A960139}"/>
-    <dgm:cxn modelId="{7121BE9B-F4EE-497F-8096-3439D7F75581}" srcId="{8245208F-8744-45B1-90A8-86D542F934F0}" destId="{A346E610-4B50-4C35-A53C-4D4B562F8F7D}" srcOrd="1" destOrd="0" parTransId="{136DE74A-A0A2-4B79-BF21-373EA1B95942}" sibTransId="{9272514F-2195-40F0-A443-206EA70F9EBC}"/>
-    <dgm:cxn modelId="{C15B0591-8EDE-4BAC-A32D-44E9D8143F13}" type="presOf" srcId="{2E94CAE8-9AC0-4E7E-B62B-708A6CA7E1E2}" destId="{16FECFD9-8513-4731-8189-B5011DCD6779}" srcOrd="0" destOrd="0" presId="urn:microsoft.com/office/officeart/2005/8/layout/lProcess2"/>
-    <dgm:cxn modelId="{6183385B-B07A-4460-9C2E-35DD819BC835}" srcId="{6689905A-B81B-4A9C-ADBB-371B03968A79}" destId="{770D252D-D514-41A0-A8F5-78013B8BD5E4}" srcOrd="6" destOrd="0" parTransId="{26CE8BE2-1372-4CB0-B495-2B3506E71245}" sibTransId="{4824CB9B-0A00-47AA-B5CF-DD48EAD9AD9D}"/>
-    <dgm:cxn modelId="{10F0299B-0AA7-4C2D-BA43-64A99C82E37C}" srcId="{8245208F-8744-45B1-90A8-86D542F934F0}" destId="{A038BA8D-7FB9-4D06-9B3E-479A42691246}" srcOrd="2" destOrd="0" parTransId="{EA181C66-DDD9-47BB-AD4D-18D0FF700DB7}" sibTransId="{0B3ADF94-9728-4D36-8877-8FA814E47791}"/>
-    <dgm:cxn modelId="{38E6B83D-B121-4655-819E-CD8ACE1D26A3}" srcId="{8E113AD3-1216-4868-873B-9A4AEC9A5003}" destId="{E3093668-ACCB-4CF7-8735-CD593E52646E}" srcOrd="0" destOrd="0" parTransId="{4B107640-A380-4F53-B8A9-741ED4724835}" sibTransId="{A7933CCE-385D-4DC6-BB05-10C157FCD40F}"/>
-    <dgm:cxn modelId="{2C9B4D2C-5A40-461D-B3F7-0C03E89C71B0}" type="presOf" srcId="{8245208F-8744-45B1-90A8-86D542F934F0}" destId="{AEE58C13-6048-4E62-B43F-C028ED900B5B}" srcOrd="0" destOrd="0" presId="urn:microsoft.com/office/officeart/2005/8/layout/lProcess2"/>
-    <dgm:cxn modelId="{C442C4E8-630D-4C32-920B-FF9FFE5CA0A4}" srcId="{0971B7E3-B3A7-42E3-94FC-9A076BDE9A0E}" destId="{2E94CAE8-9AC0-4E7E-B62B-708A6CA7E1E2}" srcOrd="3" destOrd="0" parTransId="{186A6C03-DB49-44C5-90DE-58DA6F6C2A6C}" sibTransId="{741C241E-8EDF-4E88-ADF8-B0151261BA8E}"/>
-    <dgm:cxn modelId="{890B86B4-E0C4-4F02-9B85-036D7BE836FC}" srcId="{6689905A-B81B-4A9C-ADBB-371B03968A79}" destId="{CC0EA05A-76EE-4C96-A101-877E2E86C125}" srcOrd="7" destOrd="0" parTransId="{FECAB3DD-DEE2-45CA-AB61-768EFD7BA008}" sibTransId="{AB7B57C4-026D-43A6-8F40-53CBC4DC4B12}"/>
-    <dgm:cxn modelId="{F6A521F3-7171-4B87-B8BA-B0D57DE74DC2}" srcId="{0971B7E3-B3A7-42E3-94FC-9A076BDE9A0E}" destId="{6A83B22D-427D-4DE1-B9CC-D58C855A1D3A}" srcOrd="2" destOrd="0" parTransId="{1EA3B4F5-BC40-46D5-B028-27E9C01AE706}" sibTransId="{074D38CD-3279-4CEA-A469-5949E78D7A62}"/>
-    <dgm:cxn modelId="{101CFBD0-8D48-4E94-844A-886E2D685F0D}" type="presOf" srcId="{12E2AACC-1F59-4249-A192-05E2DC555A22}" destId="{69D903DA-678E-454A-853F-76188B603A27}" srcOrd="0" destOrd="0" presId="urn:microsoft.com/office/officeart/2005/8/layout/lProcess2"/>
-    <dgm:cxn modelId="{69FEE09F-DA5F-44D2-AC3A-3D90B7B62063}" srcId="{8E113AD3-1216-4868-873B-9A4AEC9A5003}" destId="{2A9B2166-B854-4FD6-A7D8-CB726751FCCB}" srcOrd="4" destOrd="0" parTransId="{9540FBC8-0516-4661-BE3D-1164366FF9C9}" sibTransId="{5DA75FAB-BF0C-4460-AFDE-5819982D5D81}"/>
-    <dgm:cxn modelId="{D3D50985-787B-45CC-A25F-378889FAC107}" type="presOf" srcId="{A7B6F109-7F10-49C6-98FF-C0B043B2AE29}" destId="{309FEE89-8B66-4C2E-8A5E-82B57F47A933}" srcOrd="0" destOrd="0" presId="urn:microsoft.com/office/officeart/2005/8/layout/lProcess2"/>
-    <dgm:cxn modelId="{055BFBD9-6A3C-44BB-A0B3-26260D52EC96}" srcId="{3CAFF9C0-7808-4C47-939C-64AAF1E07C91}" destId="{0971B7E3-B3A7-42E3-94FC-9A076BDE9A0E}" srcOrd="4" destOrd="0" parTransId="{CBA56312-7894-4941-A6E1-19DE59DE1BA7}" sibTransId="{B5F24B20-3BDA-49CB-B469-BDB58211B1AF}"/>
-    <dgm:cxn modelId="{439E429E-7F8C-4BCF-95D9-1CEB6BE19EFF}" type="presOf" srcId="{6689905A-B81B-4A9C-ADBB-371B03968A79}" destId="{F7BF947C-DE94-4185-B8D5-1B887DD85655}" srcOrd="1" destOrd="0" presId="urn:microsoft.com/office/officeart/2005/8/layout/lProcess2"/>
-    <dgm:cxn modelId="{910EB348-21FD-4776-BB42-286B8CDFA640}" srcId="{8245208F-8744-45B1-90A8-86D542F934F0}" destId="{1D752428-DCAB-4F21-A008-8E12CC6FC7D3}" srcOrd="3" destOrd="0" parTransId="{DD937F69-562B-4422-9E12-AA7FBD9AF231}" sibTransId="{74E2090F-C7D2-4D3A-AFC8-7FCE479BF486}"/>
-    <dgm:cxn modelId="{C6C5AF27-23C6-4A13-B28E-AAD9A4AE8AF7}" type="presOf" srcId="{3CAFF9C0-7808-4C47-939C-64AAF1E07C91}" destId="{14224C78-B157-401D-A2F1-E9F31649126E}" srcOrd="0" destOrd="0" presId="urn:microsoft.com/office/officeart/2005/8/layout/lProcess2"/>
-    <dgm:cxn modelId="{5F4D552F-FBC8-4DA2-B175-59C5112A886F}" type="presOf" srcId="{A346E610-4B50-4C35-A53C-4D4B562F8F7D}" destId="{8CA9BF7F-7A23-4F8E-81B3-A89FD1880B44}" srcOrd="0" destOrd="0" presId="urn:microsoft.com/office/officeart/2005/8/layout/lProcess2"/>
-    <dgm:cxn modelId="{79099BD6-51BB-4963-B906-EF894535D088}" type="presOf" srcId="{E3093668-ACCB-4CF7-8735-CD593E52646E}" destId="{A11843C8-BE16-4AFC-B7F5-C82431E17162}" srcOrd="0" destOrd="0" presId="urn:microsoft.com/office/officeart/2005/8/layout/lProcess2"/>
-    <dgm:cxn modelId="{27C8331D-91C2-41D5-AA90-B6453D3198A0}" srcId="{0971B7E3-B3A7-42E3-94FC-9A076BDE9A0E}" destId="{E32EC264-EE95-4EA1-9F17-7CF4DF4A050E}" srcOrd="4" destOrd="0" parTransId="{5D0712A3-5A46-4263-9D53-F21E30B4D7EA}" sibTransId="{C878EC2D-8CC9-4D81-A9A5-8A78CB302AD0}"/>
-    <dgm:cxn modelId="{EF969EDA-9EEC-4394-AE86-0F04F82A3C30}" srcId="{12E2AACC-1F59-4249-A192-05E2DC555A22}" destId="{A1E5DE68-C43B-4086-A632-84F804153753}" srcOrd="2" destOrd="0" parTransId="{D3CCB0C2-D146-456A-B1E3-D25103561D54}" sibTransId="{C93EA460-9F9C-4B42-AB9B-FC10A721378C}"/>
-    <dgm:cxn modelId="{1A689FD8-A66A-4DA0-9F02-7895624B3DE9}" srcId="{3CAFF9C0-7808-4C47-939C-64AAF1E07C91}" destId="{6689905A-B81B-4A9C-ADBB-371B03968A79}" srcOrd="1" destOrd="0" parTransId="{DE1834AF-5EF9-4FCF-B077-CF1E048A284B}" sibTransId="{0B8E98A9-9E65-431B-9F5B-390A1868D601}"/>
-    <dgm:cxn modelId="{82A85FEA-3F90-422F-A33D-BF2D8B0C3923}" srcId="{6689905A-B81B-4A9C-ADBB-371B03968A79}" destId="{810DEDB1-B4A6-4657-AF5E-AEB6410DD2D4}" srcOrd="0" destOrd="0" parTransId="{98292DC3-5B58-4215-A404-911D28DF38D9}" sibTransId="{86BE4BA9-58AD-4313-BD68-9B836E45986E}"/>
-    <dgm:cxn modelId="{22F7861C-C053-477D-8CD8-19D89AF6F5BD}" type="presOf" srcId="{B42B99CB-3A06-4CE3-83E8-6BD82BCE5033}" destId="{DFB80320-B807-4D99-A33B-5CB5AD153F9B}" srcOrd="0" destOrd="0" presId="urn:microsoft.com/office/officeart/2005/8/layout/lProcess2"/>
-    <dgm:cxn modelId="{EF6152F4-6AED-4462-94AE-966727C80A53}" type="presOf" srcId="{E4D7E9A5-256B-4054-8AB8-C92525A8E1BA}" destId="{BA10DB4B-8624-4AD3-A9A1-A24A60E86BD4}" srcOrd="0" destOrd="0" presId="urn:microsoft.com/office/officeart/2005/8/layout/lProcess2"/>
-    <dgm:cxn modelId="{118A027D-EB03-4B57-B640-38D51DDB9A0F}" type="presOf" srcId="{8245208F-8744-45B1-90A8-86D542F934F0}" destId="{A696E25A-5CCD-438C-A29D-580FB0952415}" srcOrd="1" destOrd="0" presId="urn:microsoft.com/office/officeart/2005/8/layout/lProcess2"/>
-    <dgm:cxn modelId="{25D29CFA-AA14-4029-A5B5-5F4BCC9592B4}" type="presOf" srcId="{910AA6F2-5F1F-4AA9-9139-C252A2579E9E}" destId="{F4142631-D742-4810-A9A9-797596D60138}" srcOrd="0" destOrd="0" presId="urn:microsoft.com/office/officeart/2005/8/layout/lProcess2"/>
-    <dgm:cxn modelId="{35F07417-0BCD-4E15-830A-55410DE3A82A}" srcId="{12E2AACC-1F59-4249-A192-05E2DC555A22}" destId="{F3F71484-4357-4C49-8F38-84833B2DFDEF}" srcOrd="4" destOrd="0" parTransId="{8404AA03-58EF-4F3C-95DB-A6211CB59138}" sibTransId="{B06D35B1-4656-48A2-A940-E42EA35FEE64}"/>
-    <dgm:cxn modelId="{917FA216-0A1C-4731-A653-B7C2791B5162}" srcId="{0971B7E3-B3A7-42E3-94FC-9A076BDE9A0E}" destId="{23AC6674-1417-4EAF-AFB1-8ED720F99F09}" srcOrd="1" destOrd="0" parTransId="{B883A5CC-403F-4901-B2E4-6016819E4CA3}" sibTransId="{862AA69D-166B-4913-9561-8434A85D8C54}"/>
-    <dgm:cxn modelId="{DF3C24EC-865B-4B5F-A860-D37EC56E753C}" srcId="{8E113AD3-1216-4868-873B-9A4AEC9A5003}" destId="{B42B99CB-3A06-4CE3-83E8-6BD82BCE5033}" srcOrd="2" destOrd="0" parTransId="{6E324706-EAEB-4967-9004-16BDF45EEC67}" sibTransId="{21076C17-C3F9-4957-B13B-44D2A37EBEF8}"/>
-    <dgm:cxn modelId="{46241D8D-E345-4273-AC6A-6F9A6F19727D}" type="presOf" srcId="{F1117DCB-C5A6-4B04-8C9C-BF4C20CD227C}" destId="{C7B40AF3-28BC-4574-AC22-497E212ACB00}" srcOrd="0" destOrd="0" presId="urn:microsoft.com/office/officeart/2005/8/layout/lProcess2"/>
-    <dgm:cxn modelId="{EEB94AA4-BBDD-44C5-A9F1-465F4EDB7E1F}" srcId="{8E113AD3-1216-4868-873B-9A4AEC9A5003}" destId="{E7C3CAEF-D831-489F-A2DD-854549E0AC0B}" srcOrd="5" destOrd="0" parTransId="{F9C6AAFC-DD73-40CF-9F58-0FA041FCA228}" sibTransId="{513AD5C2-03B7-4760-A3C2-027E7FF5E4FF}"/>
-    <dgm:cxn modelId="{D0172A26-0A64-4112-8B91-E9CF310887E6}" type="presOf" srcId="{6689905A-B81B-4A9C-ADBB-371B03968A79}" destId="{940ADE02-4FC1-4B39-9688-D31CDFE626F1}" srcOrd="0" destOrd="0" presId="urn:microsoft.com/office/officeart/2005/8/layout/lProcess2"/>
-    <dgm:cxn modelId="{A9114B77-637B-410D-92D3-A4B5303B5C76}" srcId="{6689905A-B81B-4A9C-ADBB-371B03968A79}" destId="{BBCE2902-ADDC-44E9-93C5-B7212315A16A}" srcOrd="5" destOrd="0" parTransId="{D1E0F802-6240-45AA-A1A5-5F102523D99A}" sibTransId="{3FFE2715-7C96-420E-8359-61AEEF6B1711}"/>
-    <dgm:cxn modelId="{CC40CBA5-D5E4-4FFF-8318-7DE979658D3C}" srcId="{6689905A-B81B-4A9C-ADBB-371B03968A79}" destId="{C26DA337-08C7-4346-ACF1-246813B5AE49}" srcOrd="3" destOrd="0" parTransId="{3FB3EB6E-D595-4857-93D1-A85DE6CB58A2}" sibTransId="{6CBBA0D8-1681-4D1D-A6D0-0C3E2E3D1695}"/>
-    <dgm:cxn modelId="{7662F9F0-C9B1-4C7E-86CA-F5DE78E351CA}" srcId="{3CAFF9C0-7808-4C47-939C-64AAF1E07C91}" destId="{8E113AD3-1216-4868-873B-9A4AEC9A5003}" srcOrd="3" destOrd="0" parTransId="{E3BD1BF2-D113-43EF-A8B2-FD4394032B33}" sibTransId="{6E0B25E6-6827-445D-BED7-8FFA09FEF3BC}"/>
-    <dgm:cxn modelId="{22CF2E8D-1818-4B88-AC80-DCC4E19E9534}" type="presOf" srcId="{CC0EA05A-76EE-4C96-A101-877E2E86C125}" destId="{F6FCB063-B33D-4056-9928-89755C22B430}" srcOrd="0" destOrd="0" presId="urn:microsoft.com/office/officeart/2005/8/layout/lProcess2"/>
-    <dgm:cxn modelId="{7D0CA9BA-4061-4877-808A-2EAF016ABFBD}" type="presOf" srcId="{BBCE2902-ADDC-44E9-93C5-B7212315A16A}" destId="{D42D210F-0E8A-43B1-A561-0289463E0979}" srcOrd="0" destOrd="0" presId="urn:microsoft.com/office/officeart/2005/8/layout/lProcess2"/>
-    <dgm:cxn modelId="{BED740FD-6E40-4819-898D-CCAA4849E2EA}" type="presOf" srcId="{E32EC264-EE95-4EA1-9F17-7CF4DF4A050E}" destId="{92F8BBB0-8CC4-4986-87FD-313E3C3FB30C}" srcOrd="0" destOrd="0" presId="urn:microsoft.com/office/officeart/2005/8/layout/lProcess2"/>
-    <dgm:cxn modelId="{13B09F89-C179-4F82-A061-F70E080BB586}" type="presOf" srcId="{23AC6674-1417-4EAF-AFB1-8ED720F99F09}" destId="{0C7470AE-95D1-47F0-B7C5-AFF60EF4A7CB}" srcOrd="0" destOrd="0" presId="urn:microsoft.com/office/officeart/2005/8/layout/lProcess2"/>
-    <dgm:cxn modelId="{01961686-4DA5-413E-9FDE-B882C74EB017}" type="presOf" srcId="{E7C3CAEF-D831-489F-A2DD-854549E0AC0B}" destId="{50105F04-BF93-4835-84BE-3BB78DB32623}" srcOrd="0" destOrd="0" presId="urn:microsoft.com/office/officeart/2005/8/layout/lProcess2"/>
-    <dgm:cxn modelId="{E2793552-0038-414E-A19A-9129F504DCAE}" type="presOf" srcId="{AA279C42-59DC-43C9-BBA2-97AF2F040DBA}" destId="{0003BD7C-69DD-4395-8CB4-C55A459B474B}" srcOrd="0" destOrd="0" presId="urn:microsoft.com/office/officeart/2005/8/layout/lProcess2"/>
-    <dgm:cxn modelId="{021C34B8-A1E3-42A5-9F8A-DE3743194B92}" type="presOf" srcId="{68BBEE65-2A59-4297-9A9B-D4061DCBCCF6}" destId="{BC0395AD-B931-41CC-9FE4-426595B1606C}" srcOrd="0" destOrd="0" presId="urn:microsoft.com/office/officeart/2005/8/layout/lProcess2"/>
-    <dgm:cxn modelId="{34601D7A-5B5F-44C6-B5DA-DF7C1BC8818F}" type="presOf" srcId="{DFD73739-77C3-4545-8AB8-A76A70172E1A}" destId="{B047C787-0676-42D9-B9A8-6E26DDE25859}" srcOrd="0" destOrd="0" presId="urn:microsoft.com/office/officeart/2005/8/layout/lProcess2"/>
-    <dgm:cxn modelId="{8BDC5B80-B577-4C50-B0A6-418FBDD534AA}" type="presOf" srcId="{810DEDB1-B4A6-4657-AF5E-AEB6410DD2D4}" destId="{1A444BC5-2F1A-4793-A8FB-134629D1C603}" srcOrd="0" destOrd="0" presId="urn:microsoft.com/office/officeart/2005/8/layout/lProcess2"/>
-    <dgm:cxn modelId="{CC50159C-2D87-4E4F-A238-852D3B1CF752}" srcId="{8E113AD3-1216-4868-873B-9A4AEC9A5003}" destId="{F1117DCB-C5A6-4B04-8C9C-BF4C20CD227C}" srcOrd="1" destOrd="0" parTransId="{CCD0BC61-3A73-4A37-B788-CF06C3797D0B}" sibTransId="{3A3CEF84-6D83-499F-9C6F-E60BD1B8DE21}"/>
-    <dgm:cxn modelId="{2167C63C-2696-43C7-BC37-E8990C7E8B7F}" type="presOf" srcId="{CD50272E-F919-4AA6-8B00-5CFBA508BA68}" destId="{CE613FC4-FA3F-4D35-9985-622C2622B282}" srcOrd="0" destOrd="0" presId="urn:microsoft.com/office/officeart/2005/8/layout/lProcess2"/>
-    <dgm:cxn modelId="{B12B9ABD-BAF3-458C-834F-969174931EAE}" type="presOf" srcId="{1D752428-DCAB-4F21-A008-8E12CC6FC7D3}" destId="{074C6656-C63B-468B-AFA7-4B1B0308D8AC}" srcOrd="0" destOrd="0" presId="urn:microsoft.com/office/officeart/2005/8/layout/lProcess2"/>
-    <dgm:cxn modelId="{8A66F989-BC1D-4797-9E40-7FA49CF2D476}" type="presOf" srcId="{8EC77DDC-A1D0-4773-8728-219E506993D4}" destId="{7C2DC33C-EC8B-4DB3-8EC8-6F05039AB9B6}" srcOrd="0" destOrd="0" presId="urn:microsoft.com/office/officeart/2005/8/layout/lProcess2"/>
-    <dgm:cxn modelId="{B2CC74F4-C8F1-49FD-B0FD-C934908337B0}" srcId="{12E2AACC-1F59-4249-A192-05E2DC555A22}" destId="{AA279C42-59DC-43C9-BBA2-97AF2F040DBA}" srcOrd="7" destOrd="0" parTransId="{2CBAFBC3-5B81-4998-A6CD-66DB067822CE}" sibTransId="{7A256D50-2E48-48F6-B3B1-790D5D5B89E1}"/>
-    <dgm:cxn modelId="{A3E6235A-0F22-49BC-81F4-6CCCDDB77AD0}" type="presOf" srcId="{D115765C-57F4-43D4-9AE8-4E1BD5A63E7A}" destId="{87721207-43C4-4AF5-8E08-C70BA93FE3C4}" srcOrd="0" destOrd="0" presId="urn:microsoft.com/office/officeart/2005/8/layout/lProcess2"/>
-    <dgm:cxn modelId="{3A52F0B9-058C-4D7A-8D4A-271BE61A5C1D}" srcId="{12E2AACC-1F59-4249-A192-05E2DC555A22}" destId="{A7B6F109-7F10-49C6-98FF-C0B043B2AE29}" srcOrd="5" destOrd="0" parTransId="{C173CDD7-8D24-4035-8EA6-CAA272CB66BE}" sibTransId="{2EB0DD99-BEF8-4CCD-87EB-93454C0BFD97}"/>
-    <dgm:cxn modelId="{7F79788C-4F3B-4E85-B566-0E6BB2885943}" srcId="{6689905A-B81B-4A9C-ADBB-371B03968A79}" destId="{53A78326-11FB-450E-9B25-AE3AD5209E50}" srcOrd="2" destOrd="0" parTransId="{4B4E45A5-2454-42EB-A8EE-4B81E3D3039D}" sibTransId="{30919F04-8BCB-49CD-9D7E-9955A19B656F}"/>
-    <dgm:cxn modelId="{B2E6ADA0-39D1-4698-AFC7-61CFAAE14AD1}" type="presOf" srcId="{BDA7F26E-7E77-405E-975F-1070EEAB3DB0}" destId="{BFF188C1-7662-4B3E-9D46-7581EFAB0185}" srcOrd="0" destOrd="0" presId="urn:microsoft.com/office/officeart/2005/8/layout/lProcess2"/>
-    <dgm:cxn modelId="{36DD07FF-CDB9-4771-8926-C9E4BB6DBFF7}" type="presOf" srcId="{A038BA8D-7FB9-4D06-9B3E-479A42691246}" destId="{DC493DA2-5315-4C52-94D0-4FE2628ED80E}" srcOrd="0" destOrd="0" presId="urn:microsoft.com/office/officeart/2005/8/layout/lProcess2"/>
-    <dgm:cxn modelId="{42FCAE31-1D01-4FA7-B1A8-580107ACD759}" srcId="{3CAFF9C0-7808-4C47-939C-64AAF1E07C91}" destId="{8245208F-8744-45B1-90A8-86D542F934F0}" srcOrd="0" destOrd="0" parTransId="{BB7CFD95-BA32-47BB-A527-C2F09F0F6CC1}" sibTransId="{D47828CC-FFFA-4827-9897-B6C1FF4D4D42}"/>
-    <dgm:cxn modelId="{0FAAA314-7043-4854-A9C7-D3730FC38235}" srcId="{8E113AD3-1216-4868-873B-9A4AEC9A5003}" destId="{3FD5D727-7125-49E1-B7E0-E1632F1939A1}" srcOrd="3" destOrd="0" parTransId="{76A6E7F6-63E0-4942-A5E5-8817FF26E0A6}" sibTransId="{032E15EC-0EB5-43AF-8261-10D59FDC3B58}"/>
-    <dgm:cxn modelId="{747828ED-1547-48EA-AB7A-1FA207522075}" type="presOf" srcId="{12E2AACC-1F59-4249-A192-05E2DC555A22}" destId="{CE75BE52-D6B0-4A53-AB05-903D27A161D3}" srcOrd="1" destOrd="0" presId="urn:microsoft.com/office/officeart/2005/8/layout/lProcess2"/>
-    <dgm:cxn modelId="{0A8665C5-3703-493B-AD5B-D8E9E1C980DF}" srcId="{8245208F-8744-45B1-90A8-86D542F934F0}" destId="{DEF2CF9F-D5BC-44B5-853B-D753DA6983D2}" srcOrd="5" destOrd="0" parTransId="{B0B9FA12-F05C-4A04-8F49-E111D10320A6}" sibTransId="{583FEE7F-BEA7-42E8-A459-3F80B9E8E86F}"/>
-    <dgm:cxn modelId="{2EF5D5AE-A90A-4725-9932-BA154293A56D}" type="presOf" srcId="{F3F71484-4357-4C49-8F38-84833B2DFDEF}" destId="{9CD5AF84-E8CE-4DF1-BC47-DBFA9B692293}" srcOrd="0" destOrd="0" presId="urn:microsoft.com/office/officeart/2005/8/layout/lProcess2"/>
-    <dgm:cxn modelId="{F1C7E38D-8BE9-4A34-9C2F-24F94FDAA9E7}" type="presOf" srcId="{2A9B2166-B854-4FD6-A7D8-CB726751FCCB}" destId="{D47983B6-D85C-4BD2-B445-50F5E9F2ECA7}" srcOrd="0" destOrd="0" presId="urn:microsoft.com/office/officeart/2005/8/layout/lProcess2"/>
-    <dgm:cxn modelId="{8A80F47D-BD0E-4EFB-A3FB-E13A419D0D53}" type="presOf" srcId="{53A78326-11FB-450E-9B25-AE3AD5209E50}" destId="{EF86198F-493E-4DFF-8DFC-EECC5738F064}" srcOrd="0" destOrd="0" presId="urn:microsoft.com/office/officeart/2005/8/layout/lProcess2"/>
-    <dgm:cxn modelId="{C0966A47-E587-4C94-9BC4-9BB1D89A3E91}" type="presOf" srcId="{8E113AD3-1216-4868-873B-9A4AEC9A5003}" destId="{7590E721-81C5-43FB-BE94-E6EDFD4F0405}" srcOrd="1" destOrd="0" presId="urn:microsoft.com/office/officeart/2005/8/layout/lProcess2"/>
-    <dgm:cxn modelId="{5B0F7D25-8523-4694-947F-B55A1B34A55D}" type="presOf" srcId="{8E113AD3-1216-4868-873B-9A4AEC9A5003}" destId="{E19AFD89-7E0B-4B5C-90F8-927316EC7A98}" srcOrd="0" destOrd="0" presId="urn:microsoft.com/office/officeart/2005/8/layout/lProcess2"/>
-    <dgm:cxn modelId="{003E6EA9-6791-4BB9-9089-748961A2D3EA}" type="presOf" srcId="{770D252D-D514-41A0-A8F5-78013B8BD5E4}" destId="{DBBA6A57-2F28-49E9-9655-ABD2D2E09E71}" srcOrd="0" destOrd="0" presId="urn:microsoft.com/office/officeart/2005/8/layout/lProcess2"/>
-    <dgm:cxn modelId="{3A6DDC1C-B77B-4F09-9963-6A1C979DF503}" type="presOf" srcId="{DF6484E8-1D3A-4244-88BB-D0CB0AFBEBE0}" destId="{68C9AF0E-095B-47F8-9A57-AE14A368C50B}" srcOrd="0" destOrd="0" presId="urn:microsoft.com/office/officeart/2005/8/layout/lProcess2"/>
-    <dgm:cxn modelId="{7CFE9AA9-A5F8-4FC6-9F75-99CFAE09A3CC}" srcId="{0971B7E3-B3A7-42E3-94FC-9A076BDE9A0E}" destId="{BDA7F26E-7E77-405E-975F-1070EEAB3DB0}" srcOrd="0" destOrd="0" parTransId="{288E92CD-A59F-4380-910C-D726186094BB}" sibTransId="{5B0C8D36-FA47-4FDC-A5BB-F01D422468BA}"/>
-    <dgm:cxn modelId="{D23ECB0A-4784-4D37-A1B0-2B28E915BA8B}" srcId="{6689905A-B81B-4A9C-ADBB-371B03968A79}" destId="{910AA6F2-5F1F-4AA9-9139-C252A2579E9E}" srcOrd="1" destOrd="0" parTransId="{A57DA3A6-BD98-45F5-A1E5-1EEEFAFB62E8}" sibTransId="{DDDBC29A-4C7A-4821-9C5D-6F5ACFBE064D}"/>
-    <dgm:cxn modelId="{1FBEEB78-C209-4EBF-9CDD-4335B68FEE4F}" type="presOf" srcId="{A1E5DE68-C43B-4086-A632-84F804153753}" destId="{615B024D-5680-401D-96B4-98D2DD738B3B}" srcOrd="0" destOrd="0" presId="urn:microsoft.com/office/officeart/2005/8/layout/lProcess2"/>
-    <dgm:cxn modelId="{60FA62D8-EA4E-4132-93CD-28557B9E1D83}" srcId="{8245208F-8744-45B1-90A8-86D542F934F0}" destId="{E4D7E9A5-256B-4054-8AB8-C92525A8E1BA}" srcOrd="4" destOrd="0" parTransId="{19233E0D-925C-4F7F-9CB9-D05314F988D7}" sibTransId="{D8FB6C80-42DA-4570-9897-70660379C363}"/>
-    <dgm:cxn modelId="{6BF9D7C0-2DC5-44F6-AC58-FCFAE146B112}" srcId="{12E2AACC-1F59-4249-A192-05E2DC555A22}" destId="{CD50272E-F919-4AA6-8B00-5CFBA508BA68}" srcOrd="6" destOrd="0" parTransId="{8D3153B0-B46C-4F3F-AB15-5436DDAF97DC}" sibTransId="{0AE16949-A743-449F-A871-7BAB129E5562}"/>
     <dgm:cxn modelId="{FF97D039-BC7B-44EF-B3ED-C642CFF69D11}" type="presParOf" srcId="{14224C78-B157-401D-A2F1-E9F31649126E}" destId="{3A9E70BF-7173-410A-8CA4-4EDBD8E80E1D}" srcOrd="0" destOrd="0" presId="urn:microsoft.com/office/officeart/2005/8/layout/lProcess2"/>
     <dgm:cxn modelId="{9887312C-AAE8-42D4-B6EC-B3DA05FC811A}" type="presParOf" srcId="{3A9E70BF-7173-410A-8CA4-4EDBD8E80E1D}" destId="{AEE58C13-6048-4E62-B43F-C028ED900B5B}" srcOrd="0" destOrd="0" presId="urn:microsoft.com/office/officeart/2005/8/layout/lProcess2"/>
     <dgm:cxn modelId="{00D317CF-6834-40C6-BF4C-995753AD53AE}" type="presParOf" srcId="{3A9E70BF-7173-410A-8CA4-4EDBD8E80E1D}" destId="{A696E25A-5CCD-438C-A29D-580FB0952415}" srcOrd="1" destOrd="0" presId="urn:microsoft.com/office/officeart/2005/8/layout/lProcess2"/>
@@ -3677,7 +3338,7 @@
         </a:bodyPr>
         <a:lstStyle/>
         <a:p>
-          <a:pPr lvl="0" algn="ctr" defTabSz="711200">
+          <a:pPr marL="0" lvl="0" indent="0" algn="ctr" defTabSz="711200">
             <a:lnSpc>
               <a:spcPct val="90000"/>
             </a:lnSpc>
@@ -3687,6 +3348,7 @@
             <a:spcAft>
               <a:spcPct val="35000"/>
             </a:spcAft>
+            <a:buNone/>
           </a:pPr>
           <a:r>
             <a:rPr lang="pt-BR" sz="1600" kern="1200" dirty="0"/>
@@ -3756,7 +3418,7 @@
         </a:bodyPr>
         <a:lstStyle/>
         <a:p>
-          <a:pPr lvl="0" algn="ctr" defTabSz="311150">
+          <a:pPr marL="0" lvl="0" indent="0" algn="ctr" defTabSz="311150">
             <a:lnSpc>
               <a:spcPct val="90000"/>
             </a:lnSpc>
@@ -3766,12 +3428,12 @@
             <a:spcAft>
               <a:spcPct val="35000"/>
             </a:spcAft>
+            <a:buNone/>
           </a:pPr>
           <a:r>
-            <a:rPr lang="pt-BR" sz="700" kern="1200" dirty="0" smtClean="0"/>
+            <a:rPr lang="pt-BR" sz="700" kern="1200" dirty="0"/>
             <a:t>Projeto 1 – Design de Software </a:t>
           </a:r>
-          <a:endParaRPr lang="pt-BR" sz="700" kern="1200" dirty="0"/>
         </a:p>
       </dsp:txBody>
       <dsp:txXfrm>
@@ -3836,7 +3498,7 @@
         </a:bodyPr>
         <a:lstStyle/>
         <a:p>
-          <a:pPr lvl="0" algn="ctr" defTabSz="311150">
+          <a:pPr marL="0" lvl="0" indent="0" algn="ctr" defTabSz="311150">
             <a:lnSpc>
               <a:spcPct val="90000"/>
             </a:lnSpc>
@@ -3846,12 +3508,12 @@
             <a:spcAft>
               <a:spcPct val="35000"/>
             </a:spcAft>
+            <a:buNone/>
           </a:pPr>
           <a:r>
-            <a:rPr lang="pt-BR" sz="700" kern="1200" dirty="0" smtClean="0"/>
+            <a:rPr lang="pt-BR" sz="700" kern="1200" dirty="0"/>
             <a:t>Projeto 2 – Design de Software  </a:t>
           </a:r>
-          <a:endParaRPr lang="pt-BR" sz="700" kern="1200" dirty="0"/>
         </a:p>
       </dsp:txBody>
       <dsp:txXfrm>
@@ -3916,7 +3578,7 @@
         </a:bodyPr>
         <a:lstStyle/>
         <a:p>
-          <a:pPr lvl="0" algn="ctr" defTabSz="311150">
+          <a:pPr marL="0" lvl="0" indent="0" algn="ctr" defTabSz="311150">
             <a:lnSpc>
               <a:spcPct val="90000"/>
             </a:lnSpc>
@@ -3926,12 +3588,12 @@
             <a:spcAft>
               <a:spcPct val="35000"/>
             </a:spcAft>
+            <a:buNone/>
           </a:pPr>
           <a:r>
-            <a:rPr lang="pt-BR" sz="700" kern="1200" dirty="0" smtClean="0"/>
+            <a:rPr lang="pt-BR" sz="700" kern="1200" dirty="0"/>
             <a:t>Estação Meteorológica </a:t>
           </a:r>
-          <a:endParaRPr lang="pt-BR" sz="700" kern="1200" dirty="0"/>
         </a:p>
       </dsp:txBody>
       <dsp:txXfrm>
@@ -3996,7 +3658,7 @@
         </a:bodyPr>
         <a:lstStyle/>
         <a:p>
-          <a:pPr lvl="0" algn="ctr" defTabSz="311150">
+          <a:pPr marL="0" lvl="0" indent="0" algn="ctr" defTabSz="311150">
             <a:lnSpc>
               <a:spcPct val="90000"/>
             </a:lnSpc>
@@ -4006,12 +3668,12 @@
             <a:spcAft>
               <a:spcPct val="35000"/>
             </a:spcAft>
+            <a:buNone/>
           </a:pPr>
           <a:r>
-            <a:rPr lang="pt-BR" sz="700" kern="1200" dirty="0" smtClean="0"/>
+            <a:rPr lang="pt-BR" sz="700" kern="1200" dirty="0"/>
             <a:t>Construção Brinquedo Infantil</a:t>
           </a:r>
-          <a:endParaRPr lang="pt-BR" sz="700" kern="1200" dirty="0"/>
         </a:p>
       </dsp:txBody>
       <dsp:txXfrm>
@@ -4076,7 +3738,7 @@
         </a:bodyPr>
         <a:lstStyle/>
         <a:p>
-          <a:pPr lvl="0" algn="ctr" defTabSz="311150">
+          <a:pPr marL="0" lvl="0" indent="0" algn="ctr" defTabSz="311150">
             <a:lnSpc>
               <a:spcPct val="90000"/>
             </a:lnSpc>
@@ -4086,13 +3748,14 @@
             <a:spcAft>
               <a:spcPct val="35000"/>
             </a:spcAft>
+            <a:buNone/>
           </a:pPr>
           <a:r>
-            <a:rPr lang="pt-BR" sz="700" kern="1200" dirty="0" smtClean="0"/>
+            <a:rPr lang="pt-BR" sz="700" kern="1200" dirty="0"/>
             <a:t>Projeto 1 - </a:t>
           </a:r>
           <a:r>
-            <a:rPr lang="pt-BR" sz="700" kern="1200" dirty="0" err="1" smtClean="0"/>
+            <a:rPr lang="pt-BR" sz="700" kern="1200" dirty="0" err="1"/>
             <a:t>ModSim</a:t>
           </a:r>
           <a:endParaRPr lang="pt-BR" sz="700" kern="1200" dirty="0"/>
@@ -4160,7 +3823,7 @@
         </a:bodyPr>
         <a:lstStyle/>
         <a:p>
-          <a:pPr lvl="0" algn="ctr" defTabSz="311150">
+          <a:pPr marL="0" lvl="0" indent="0" algn="ctr" defTabSz="311150">
             <a:lnSpc>
               <a:spcPct val="90000"/>
             </a:lnSpc>
@@ -4170,13 +3833,14 @@
             <a:spcAft>
               <a:spcPct val="35000"/>
             </a:spcAft>
+            <a:buNone/>
           </a:pPr>
           <a:r>
-            <a:rPr lang="pt-BR" sz="700" kern="1200" dirty="0" smtClean="0"/>
+            <a:rPr lang="pt-BR" sz="700" kern="1200" dirty="0"/>
             <a:t>Projeto 2 – </a:t>
           </a:r>
           <a:r>
-            <a:rPr lang="pt-BR" sz="700" kern="1200" dirty="0" err="1" smtClean="0"/>
+            <a:rPr lang="pt-BR" sz="700" kern="1200" dirty="0" err="1"/>
             <a:t>ModSim</a:t>
           </a:r>
           <a:endParaRPr lang="pt-BR" sz="700" kern="1200" dirty="0"/>
@@ -4244,7 +3908,7 @@
         </a:bodyPr>
         <a:lstStyle/>
         <a:p>
-          <a:pPr lvl="0" algn="ctr" defTabSz="311150">
+          <a:pPr marL="0" lvl="0" indent="0" algn="ctr" defTabSz="311150">
             <a:lnSpc>
               <a:spcPct val="90000"/>
             </a:lnSpc>
@@ -4254,13 +3918,14 @@
             <a:spcAft>
               <a:spcPct val="35000"/>
             </a:spcAft>
+            <a:buNone/>
           </a:pPr>
           <a:r>
-            <a:rPr lang="pt-BR" sz="700" kern="1200" dirty="0" smtClean="0"/>
+            <a:rPr lang="pt-BR" sz="700" kern="1200" dirty="0"/>
             <a:t>Projeto 3 - </a:t>
           </a:r>
           <a:r>
-            <a:rPr lang="pt-BR" sz="700" kern="1200" dirty="0" err="1" smtClean="0"/>
+            <a:rPr lang="pt-BR" sz="700" kern="1200" dirty="0" err="1"/>
             <a:t>ModSim</a:t>
           </a:r>
           <a:endParaRPr lang="pt-BR" sz="700" kern="1200" dirty="0"/>
@@ -4328,7 +3993,7 @@
         </a:bodyPr>
         <a:lstStyle/>
         <a:p>
-          <a:pPr lvl="0" algn="ctr" defTabSz="311150">
+          <a:pPr marL="0" lvl="0" indent="0" algn="ctr" defTabSz="311150">
             <a:lnSpc>
               <a:spcPct val="90000"/>
             </a:lnSpc>
@@ -4338,12 +4003,12 @@
             <a:spcAft>
               <a:spcPct val="35000"/>
             </a:spcAft>
+            <a:buNone/>
           </a:pPr>
           <a:r>
-            <a:rPr lang="pt-BR" sz="700" kern="1200" dirty="0" smtClean="0"/>
+            <a:rPr lang="pt-BR" sz="700" kern="1200" dirty="0"/>
             <a:t>Seminários de Grandes Desafios da Engenharia </a:t>
           </a:r>
-          <a:endParaRPr lang="pt-BR" sz="700" kern="1200" dirty="0"/>
         </a:p>
       </dsp:txBody>
       <dsp:txXfrm>
@@ -4398,7 +4063,7 @@
         </a:bodyPr>
         <a:lstStyle/>
         <a:p>
-          <a:pPr lvl="0" algn="ctr" defTabSz="711200">
+          <a:pPr marL="0" lvl="0" indent="0" algn="ctr" defTabSz="711200">
             <a:lnSpc>
               <a:spcPct val="90000"/>
             </a:lnSpc>
@@ -4408,6 +4073,7 @@
             <a:spcAft>
               <a:spcPct val="35000"/>
             </a:spcAft>
+            <a:buNone/>
           </a:pPr>
           <a:r>
             <a:rPr lang="pt-BR" sz="1600" kern="1200" dirty="0"/>
@@ -4477,7 +4143,7 @@
         </a:bodyPr>
         <a:lstStyle/>
         <a:p>
-          <a:pPr lvl="0" algn="ctr" defTabSz="311150">
+          <a:pPr marL="0" lvl="0" indent="0" algn="ctr" defTabSz="311150">
             <a:lnSpc>
               <a:spcPct val="90000"/>
             </a:lnSpc>
@@ -4487,12 +4153,12 @@
             <a:spcAft>
               <a:spcPct val="35000"/>
             </a:spcAft>
+            <a:buNone/>
           </a:pPr>
           <a:r>
-            <a:rPr lang="pt-BR" sz="700" kern="1200" dirty="0" smtClean="0"/>
+            <a:rPr lang="pt-BR" sz="700" kern="1200" dirty="0"/>
             <a:t>Projeto 1 – Design de Software </a:t>
           </a:r>
-          <a:endParaRPr lang="pt-BR" sz="700" kern="1200" dirty="0"/>
         </a:p>
       </dsp:txBody>
       <dsp:txXfrm>
@@ -4557,7 +4223,7 @@
         </a:bodyPr>
         <a:lstStyle/>
         <a:p>
-          <a:pPr lvl="0" algn="ctr" defTabSz="311150">
+          <a:pPr marL="0" lvl="0" indent="0" algn="ctr" defTabSz="311150">
             <a:lnSpc>
               <a:spcPct val="90000"/>
             </a:lnSpc>
@@ -4567,12 +4233,12 @@
             <a:spcAft>
               <a:spcPct val="35000"/>
             </a:spcAft>
+            <a:buNone/>
           </a:pPr>
           <a:r>
-            <a:rPr lang="pt-BR" sz="700" kern="1200" dirty="0" smtClean="0"/>
+            <a:rPr lang="pt-BR" sz="700" kern="1200" dirty="0"/>
             <a:t>Projeto 2 – Design de Software </a:t>
           </a:r>
-          <a:endParaRPr lang="pt-BR" sz="700" kern="1200" dirty="0"/>
         </a:p>
       </dsp:txBody>
       <dsp:txXfrm>
@@ -4637,7 +4303,7 @@
         </a:bodyPr>
         <a:lstStyle/>
         <a:p>
-          <a:pPr lvl="0" algn="ctr" defTabSz="311150">
+          <a:pPr marL="0" lvl="0" indent="0" algn="ctr" defTabSz="311150">
             <a:lnSpc>
               <a:spcPct val="90000"/>
             </a:lnSpc>
@@ -4647,12 +4313,12 @@
             <a:spcAft>
               <a:spcPct val="35000"/>
             </a:spcAft>
+            <a:buNone/>
           </a:pPr>
           <a:r>
-            <a:rPr lang="pt-BR" sz="700" kern="1200" dirty="0" smtClean="0"/>
+            <a:rPr lang="pt-BR" sz="700" kern="1200" dirty="0"/>
             <a:t>Estação Meteorológica </a:t>
           </a:r>
-          <a:endParaRPr lang="pt-BR" sz="700" kern="1200" dirty="0"/>
         </a:p>
       </dsp:txBody>
       <dsp:txXfrm>
@@ -4717,7 +4383,7 @@
         </a:bodyPr>
         <a:lstStyle/>
         <a:p>
-          <a:pPr lvl="0" algn="ctr" defTabSz="311150">
+          <a:pPr marL="0" lvl="0" indent="0" algn="ctr" defTabSz="311150">
             <a:lnSpc>
               <a:spcPct val="90000"/>
             </a:lnSpc>
@@ -4727,12 +4393,12 @@
             <a:spcAft>
               <a:spcPct val="35000"/>
             </a:spcAft>
+            <a:buNone/>
           </a:pPr>
           <a:r>
-            <a:rPr lang="pt-BR" sz="700" kern="1200" dirty="0" smtClean="0"/>
+            <a:rPr lang="pt-BR" sz="700" kern="1200" dirty="0"/>
             <a:t>Construção Brinquedo Infantil</a:t>
           </a:r>
-          <a:endParaRPr lang="pt-BR" sz="700" kern="1200" dirty="0"/>
         </a:p>
       </dsp:txBody>
       <dsp:txXfrm>
@@ -4797,7 +4463,7 @@
         </a:bodyPr>
         <a:lstStyle/>
         <a:p>
-          <a:pPr lvl="0" algn="ctr" defTabSz="311150">
+          <a:pPr marL="0" lvl="0" indent="0" algn="ctr" defTabSz="311150">
             <a:lnSpc>
               <a:spcPct val="90000"/>
             </a:lnSpc>
@@ -4807,16 +4473,17 @@
             <a:spcAft>
               <a:spcPct val="35000"/>
             </a:spcAft>
+            <a:buNone/>
           </a:pPr>
           <a:r>
-            <a:rPr lang="pt-BR" sz="700" kern="1200" dirty="0" smtClean="0"/>
+            <a:rPr lang="pt-BR" sz="700" kern="1200" dirty="0"/>
             <a:t>Projeto 1 – </a:t>
           </a:r>
           <a:r>
-            <a:rPr lang="pt-BR" sz="700" kern="1200" dirty="0" err="1" smtClean="0"/>
+            <a:rPr lang="pt-BR" sz="700" kern="1200" dirty="0" err="1"/>
             <a:t>ModSim</a:t>
           </a:r>
-          <a:endParaRPr lang="pt-BR" sz="700" kern="1200" dirty="0" smtClean="0"/>
+          <a:endParaRPr lang="pt-BR" sz="700" kern="1200" dirty="0"/>
         </a:p>
       </dsp:txBody>
       <dsp:txXfrm>
@@ -4881,7 +4548,7 @@
         </a:bodyPr>
         <a:lstStyle/>
         <a:p>
-          <a:pPr lvl="0" algn="ctr" defTabSz="311150">
+          <a:pPr marL="0" lvl="0" indent="0" algn="ctr" defTabSz="311150">
             <a:lnSpc>
               <a:spcPct val="90000"/>
             </a:lnSpc>
@@ -4891,16 +4558,17 @@
             <a:spcAft>
               <a:spcPct val="35000"/>
             </a:spcAft>
+            <a:buNone/>
           </a:pPr>
           <a:r>
-            <a:rPr lang="pt-BR" sz="700" kern="1200" dirty="0" smtClean="0"/>
+            <a:rPr lang="pt-BR" sz="700" kern="1200" dirty="0"/>
             <a:t>Projeto 2 – </a:t>
           </a:r>
           <a:r>
-            <a:rPr lang="pt-BR" sz="700" kern="1200" dirty="0" err="1" smtClean="0"/>
+            <a:rPr lang="pt-BR" sz="700" kern="1200" dirty="0" err="1"/>
             <a:t>ModSim</a:t>
           </a:r>
-          <a:endParaRPr lang="pt-BR" sz="700" kern="1200" dirty="0" smtClean="0"/>
+          <a:endParaRPr lang="pt-BR" sz="700" kern="1200" dirty="0"/>
         </a:p>
       </dsp:txBody>
       <dsp:txXfrm>
@@ -4965,7 +4633,7 @@
         </a:bodyPr>
         <a:lstStyle/>
         <a:p>
-          <a:pPr lvl="0" algn="ctr" defTabSz="311150">
+          <a:pPr marL="0" lvl="0" indent="0" algn="ctr" defTabSz="311150">
             <a:lnSpc>
               <a:spcPct val="90000"/>
             </a:lnSpc>
@@ -4975,16 +4643,17 @@
             <a:spcAft>
               <a:spcPct val="35000"/>
             </a:spcAft>
+            <a:buNone/>
           </a:pPr>
           <a:r>
-            <a:rPr lang="pt-BR" sz="700" kern="1200" dirty="0" smtClean="0"/>
+            <a:rPr lang="pt-BR" sz="700" kern="1200" dirty="0"/>
             <a:t>Projeto 3 – </a:t>
           </a:r>
           <a:r>
-            <a:rPr lang="pt-BR" sz="700" kern="1200" dirty="0" err="1" smtClean="0"/>
+            <a:rPr lang="pt-BR" sz="700" kern="1200" dirty="0" err="1"/>
             <a:t>ModSim</a:t>
           </a:r>
-          <a:endParaRPr lang="pt-BR" sz="700" kern="1200" dirty="0" smtClean="0"/>
+          <a:endParaRPr lang="pt-BR" sz="700" kern="1200" dirty="0"/>
         </a:p>
       </dsp:txBody>
       <dsp:txXfrm>
@@ -5049,7 +4718,7 @@
         </a:bodyPr>
         <a:lstStyle/>
         <a:p>
-          <a:pPr lvl="0" algn="ctr" defTabSz="311150">
+          <a:pPr marL="0" lvl="0" indent="0" algn="ctr" defTabSz="311150">
             <a:lnSpc>
               <a:spcPct val="90000"/>
             </a:lnSpc>
@@ -5059,12 +4728,13 @@
             <a:spcAft>
               <a:spcPct val="35000"/>
             </a:spcAft>
+            <a:buNone/>
           </a:pPr>
           <a:r>
-            <a:rPr lang="pt-BR" sz="700" kern="1200" smtClean="0"/>
+            <a:rPr lang="pt-BR" sz="700" kern="1200"/>
             <a:t>Seminários de Grandes Desafios da Engenharia </a:t>
           </a:r>
-          <a:endParaRPr lang="pt-BR" sz="700" kern="1200" dirty="0" smtClean="0"/>
+          <a:endParaRPr lang="pt-BR" sz="700" kern="1200" dirty="0"/>
         </a:p>
       </dsp:txBody>
       <dsp:txXfrm>
@@ -5119,7 +4789,7 @@
         </a:bodyPr>
         <a:lstStyle/>
         <a:p>
-          <a:pPr lvl="0" algn="ctr" defTabSz="711200">
+          <a:pPr marL="0" lvl="0" indent="0" algn="ctr" defTabSz="711200">
             <a:lnSpc>
               <a:spcPct val="90000"/>
             </a:lnSpc>
@@ -5129,6 +4799,7 @@
             <a:spcAft>
               <a:spcPct val="35000"/>
             </a:spcAft>
+            <a:buNone/>
           </a:pPr>
           <a:r>
             <a:rPr lang="pt-BR" sz="1600" kern="1200" dirty="0"/>
@@ -5198,7 +4869,7 @@
         </a:bodyPr>
         <a:lstStyle/>
         <a:p>
-          <a:pPr lvl="0" algn="ctr" defTabSz="311150">
+          <a:pPr marL="0" lvl="0" indent="0" algn="ctr" defTabSz="311150">
             <a:lnSpc>
               <a:spcPct val="90000"/>
             </a:lnSpc>
@@ -5208,12 +4879,12 @@
             <a:spcAft>
               <a:spcPct val="35000"/>
             </a:spcAft>
+            <a:buNone/>
           </a:pPr>
           <a:r>
-            <a:rPr lang="pt-BR" sz="700" kern="1200" dirty="0" smtClean="0"/>
+            <a:rPr lang="pt-BR" sz="700" kern="1200" dirty="0"/>
             <a:t>Projeto 3 – Design de Software</a:t>
           </a:r>
-          <a:endParaRPr lang="pt-BR" sz="700" kern="1200" dirty="0"/>
         </a:p>
       </dsp:txBody>
       <dsp:txXfrm>
@@ -5278,7 +4949,7 @@
         </a:bodyPr>
         <a:lstStyle/>
         <a:p>
-          <a:pPr lvl="0" algn="ctr" defTabSz="311150">
+          <a:pPr marL="0" lvl="0" indent="0" algn="ctr" defTabSz="311150">
             <a:lnSpc>
               <a:spcPct val="90000"/>
             </a:lnSpc>
@@ -5288,14 +4959,15 @@
             <a:spcAft>
               <a:spcPct val="35000"/>
             </a:spcAft>
+            <a:buNone/>
           </a:pPr>
           <a:r>
-            <a:rPr lang="pt-BR" sz="700" kern="1200" dirty="0" smtClean="0"/>
+            <a:rPr lang="pt-BR" sz="700" kern="1200" dirty="0"/>
             <a:t>Estação Meteorológica </a:t>
           </a:r>
         </a:p>
         <a:p>
-          <a:pPr lvl="0" algn="ctr" defTabSz="311150">
+          <a:pPr marL="0" lvl="0" indent="0" algn="ctr" defTabSz="311150">
             <a:lnSpc>
               <a:spcPct val="90000"/>
             </a:lnSpc>
@@ -5305,6 +4977,7 @@
             <a:spcAft>
               <a:spcPct val="35000"/>
             </a:spcAft>
+            <a:buNone/>
           </a:pPr>
           <a:endParaRPr lang="pt-BR" sz="700" kern="1200" dirty="0"/>
         </a:p>
@@ -5371,7 +5044,7 @@
         </a:bodyPr>
         <a:lstStyle/>
         <a:p>
-          <a:pPr lvl="0" algn="ctr" defTabSz="311150">
+          <a:pPr marL="0" lvl="0" indent="0" algn="ctr" defTabSz="311150">
             <a:lnSpc>
               <a:spcPct val="90000"/>
             </a:lnSpc>
@@ -5381,12 +5054,12 @@
             <a:spcAft>
               <a:spcPct val="35000"/>
             </a:spcAft>
+            <a:buNone/>
           </a:pPr>
           <a:r>
-            <a:rPr lang="pt-BR" sz="700" kern="1200" dirty="0" smtClean="0"/>
+            <a:rPr lang="pt-BR" sz="700" kern="1200" dirty="0"/>
             <a:t>Projeto 1– Design de Software </a:t>
           </a:r>
-          <a:endParaRPr lang="pt-BR" sz="700" kern="1200" dirty="0"/>
         </a:p>
       </dsp:txBody>
       <dsp:txXfrm>
@@ -5451,7 +5124,7 @@
         </a:bodyPr>
         <a:lstStyle/>
         <a:p>
-          <a:pPr lvl="0" algn="ctr" defTabSz="311150">
+          <a:pPr marL="0" lvl="0" indent="0" algn="ctr" defTabSz="311150">
             <a:lnSpc>
               <a:spcPct val="90000"/>
             </a:lnSpc>
@@ -5461,12 +5134,12 @@
             <a:spcAft>
               <a:spcPct val="35000"/>
             </a:spcAft>
+            <a:buNone/>
           </a:pPr>
           <a:r>
-            <a:rPr lang="pt-BR" sz="700" kern="1200" dirty="0" smtClean="0"/>
+            <a:rPr lang="pt-BR" sz="700" kern="1200" dirty="0"/>
             <a:t>Projeto 2 – Design de Software </a:t>
           </a:r>
-          <a:endParaRPr lang="pt-BR" sz="700" kern="1200" dirty="0"/>
         </a:p>
       </dsp:txBody>
       <dsp:txXfrm>
@@ -5531,7 +5204,7 @@
         </a:bodyPr>
         <a:lstStyle/>
         <a:p>
-          <a:pPr lvl="0" algn="ctr" defTabSz="311150">
+          <a:pPr marL="0" lvl="0" indent="0" algn="ctr" defTabSz="311150">
             <a:lnSpc>
               <a:spcPct val="90000"/>
             </a:lnSpc>
@@ -5541,13 +5214,14 @@
             <a:spcAft>
               <a:spcPct val="35000"/>
             </a:spcAft>
+            <a:buNone/>
           </a:pPr>
           <a:r>
-            <a:rPr lang="pt-BR" sz="700" kern="1200" dirty="0" smtClean="0"/>
+            <a:rPr lang="pt-BR" sz="700" kern="1200" dirty="0"/>
             <a:t>Projeto 1 – </a:t>
           </a:r>
           <a:r>
-            <a:rPr lang="pt-BR" sz="700" kern="1200" dirty="0" err="1" smtClean="0"/>
+            <a:rPr lang="pt-BR" sz="700" kern="1200" dirty="0" err="1"/>
             <a:t>ModSim</a:t>
           </a:r>
           <a:endParaRPr lang="pt-BR" sz="700" kern="1200" dirty="0"/>
@@ -5615,7 +5289,7 @@
         </a:bodyPr>
         <a:lstStyle/>
         <a:p>
-          <a:pPr lvl="0" algn="ctr" defTabSz="311150">
+          <a:pPr marL="0" lvl="0" indent="0" algn="ctr" defTabSz="311150">
             <a:lnSpc>
               <a:spcPct val="90000"/>
             </a:lnSpc>
@@ -5625,13 +5299,14 @@
             <a:spcAft>
               <a:spcPct val="35000"/>
             </a:spcAft>
+            <a:buNone/>
           </a:pPr>
           <a:r>
-            <a:rPr lang="pt-BR" sz="700" kern="1200" dirty="0" smtClean="0"/>
+            <a:rPr lang="pt-BR" sz="700" kern="1200" dirty="0"/>
             <a:t>Projeto 2 – </a:t>
           </a:r>
           <a:r>
-            <a:rPr lang="pt-BR" sz="700" kern="1200" dirty="0" err="1" smtClean="0"/>
+            <a:rPr lang="pt-BR" sz="700" kern="1200" dirty="0" err="1"/>
             <a:t>ModSim</a:t>
           </a:r>
           <a:endParaRPr lang="pt-BR" sz="700" kern="1200" dirty="0"/>
@@ -5699,7 +5374,7 @@
         </a:bodyPr>
         <a:lstStyle/>
         <a:p>
-          <a:pPr lvl="0" algn="ctr" defTabSz="311150">
+          <a:pPr marL="0" lvl="0" indent="0" algn="ctr" defTabSz="311150">
             <a:lnSpc>
               <a:spcPct val="90000"/>
             </a:lnSpc>
@@ -5709,13 +5384,14 @@
             <a:spcAft>
               <a:spcPct val="35000"/>
             </a:spcAft>
+            <a:buNone/>
           </a:pPr>
           <a:r>
-            <a:rPr lang="pt-BR" sz="700" kern="1200" dirty="0" smtClean="0"/>
+            <a:rPr lang="pt-BR" sz="700" kern="1200" dirty="0"/>
             <a:t>Projeto 3 – </a:t>
           </a:r>
           <a:r>
-            <a:rPr lang="pt-BR" sz="700" kern="1200" dirty="0" err="1" smtClean="0"/>
+            <a:rPr lang="pt-BR" sz="700" kern="1200" dirty="0" err="1"/>
             <a:t>ModSim</a:t>
           </a:r>
           <a:endParaRPr lang="pt-BR" sz="700" kern="1200" dirty="0"/>
@@ -5783,7 +5459,7 @@
         </a:bodyPr>
         <a:lstStyle/>
         <a:p>
-          <a:pPr lvl="0" algn="ctr" defTabSz="311150">
+          <a:pPr marL="0" lvl="0" indent="0" algn="ctr" defTabSz="311150">
             <a:lnSpc>
               <a:spcPct val="90000"/>
             </a:lnSpc>
@@ -5793,9 +5469,10 @@
             <a:spcAft>
               <a:spcPct val="35000"/>
             </a:spcAft>
+            <a:buNone/>
           </a:pPr>
           <a:r>
-            <a:rPr lang="pt-BR" sz="700" kern="1200" smtClean="0"/>
+            <a:rPr lang="pt-BR" sz="700" kern="1200"/>
             <a:t>Seminários de Grandes Desafios da Engenharia </a:t>
           </a:r>
           <a:endParaRPr lang="pt-BR" sz="700" kern="1200" dirty="0"/>
@@ -5853,7 +5530,7 @@
         </a:bodyPr>
         <a:lstStyle/>
         <a:p>
-          <a:pPr lvl="0" algn="ctr" defTabSz="711200">
+          <a:pPr marL="0" lvl="0" indent="0" algn="ctr" defTabSz="711200">
             <a:lnSpc>
               <a:spcPct val="90000"/>
             </a:lnSpc>
@@ -5863,6 +5540,7 @@
             <a:spcAft>
               <a:spcPct val="35000"/>
             </a:spcAft>
+            <a:buNone/>
           </a:pPr>
           <a:r>
             <a:rPr lang="pt-BR" sz="1600" kern="1200" dirty="0"/>
@@ -5932,7 +5610,7 @@
         </a:bodyPr>
         <a:lstStyle/>
         <a:p>
-          <a:pPr lvl="0" algn="ctr" defTabSz="622300">
+          <a:pPr marL="0" lvl="0" indent="0" algn="ctr" defTabSz="622300">
             <a:lnSpc>
               <a:spcPct val="90000"/>
             </a:lnSpc>
@@ -5942,12 +5620,12 @@
             <a:spcAft>
               <a:spcPct val="35000"/>
             </a:spcAft>
+            <a:buNone/>
           </a:pPr>
           <a:r>
-            <a:rPr lang="pt-BR" sz="700" kern="1200" dirty="0" smtClean="0"/>
+            <a:rPr lang="pt-BR" sz="700" kern="1200" dirty="0"/>
             <a:t>Seminários de Grandes Desafios da Engenharia – Comunicação Oral </a:t>
           </a:r>
-          <a:endParaRPr lang="pt-BR" sz="700" kern="1200" dirty="0"/>
         </a:p>
       </dsp:txBody>
       <dsp:txXfrm>
@@ -6012,7 +5690,7 @@
         </a:bodyPr>
         <a:lstStyle/>
         <a:p>
-          <a:pPr lvl="0" algn="ctr" defTabSz="622300">
+          <a:pPr marL="0" lvl="0" indent="0" algn="ctr" defTabSz="622300">
             <a:lnSpc>
               <a:spcPct val="90000"/>
             </a:lnSpc>
@@ -6022,12 +5700,12 @@
             <a:spcAft>
               <a:spcPct val="35000"/>
             </a:spcAft>
+            <a:buNone/>
           </a:pPr>
           <a:r>
-            <a:rPr lang="pt-BR" sz="700" kern="1200" dirty="0" smtClean="0"/>
+            <a:rPr lang="pt-BR" sz="700" kern="1200" dirty="0"/>
             <a:t>Projeto 1, 2, 3 – Design de Software – Prática de Programação em Python</a:t>
           </a:r>
-          <a:endParaRPr lang="pt-BR" sz="700" kern="1200" dirty="0"/>
         </a:p>
       </dsp:txBody>
       <dsp:txXfrm>
@@ -6110,10 +5788,9 @@
             <a:defRPr/>
           </a:pPr>
           <a:r>
-            <a:rPr lang="pt-BR" sz="700" kern="1200" dirty="0" smtClean="0"/>
+            <a:rPr lang="pt-BR" sz="700" kern="1200" dirty="0"/>
             <a:t>Artigo Científico – Habilidade Escrita/TCC</a:t>
           </a:r>
-          <a:endParaRPr lang="pt-BR" sz="700" kern="1200" dirty="0"/>
         </a:p>
       </dsp:txBody>
       <dsp:txXfrm>
@@ -6196,18 +5873,17 @@
             <a:defRPr/>
           </a:pPr>
           <a:r>
-            <a:rPr lang="pt-BR" sz="700" kern="1200" dirty="0" smtClean="0"/>
+            <a:rPr lang="pt-BR" sz="700" kern="1200" dirty="0"/>
             <a:t>Projeto 1, 2, 3 – </a:t>
           </a:r>
           <a:r>
-            <a:rPr lang="pt-BR" sz="700" kern="1200" dirty="0" err="1" smtClean="0"/>
+            <a:rPr lang="pt-BR" sz="700" kern="1200" dirty="0" err="1"/>
             <a:t>Instrumed</a:t>
           </a:r>
           <a:r>
-            <a:rPr lang="pt-BR" sz="700" kern="1200" dirty="0" smtClean="0"/>
+            <a:rPr lang="pt-BR" sz="700" kern="1200" dirty="0"/>
             <a:t> – Programação em C, eletrônica básica</a:t>
           </a:r>
-          <a:endParaRPr lang="pt-BR" sz="700" kern="1200" dirty="0"/>
         </a:p>
       </dsp:txBody>
       <dsp:txXfrm>
@@ -6290,23 +5966,23 @@
             <a:defRPr/>
           </a:pPr>
           <a:r>
-            <a:rPr lang="pt-BR" sz="700" kern="1200" dirty="0" err="1" smtClean="0"/>
+            <a:rPr lang="pt-BR" sz="700" kern="1200" dirty="0" err="1"/>
             <a:t>NatDes</a:t>
           </a:r>
           <a:r>
-            <a:rPr lang="pt-BR" sz="700" kern="1200" dirty="0" smtClean="0"/>
+            <a:rPr lang="pt-BR" sz="700" kern="1200" dirty="0"/>
             <a:t> – Projeto – Prototipagem Rápida, Design </a:t>
           </a:r>
           <a:r>
-            <a:rPr lang="pt-BR" sz="700" kern="1200" dirty="0" err="1" smtClean="0"/>
+            <a:rPr lang="pt-BR" sz="700" kern="1200" dirty="0" err="1"/>
             <a:t>Thinking</a:t>
           </a:r>
           <a:r>
-            <a:rPr lang="pt-BR" sz="700" kern="1200" dirty="0" smtClean="0"/>
+            <a:rPr lang="pt-BR" sz="700" kern="1200" dirty="0"/>
             <a:t>, Manuseio de Ferramentas do </a:t>
           </a:r>
           <a:r>
-            <a:rPr lang="pt-BR" sz="700" kern="1200" dirty="0" err="1" smtClean="0"/>
+            <a:rPr lang="pt-BR" sz="700" kern="1200" dirty="0" err="1"/>
             <a:t>FabLab</a:t>
           </a:r>
           <a:endParaRPr lang="pt-BR" sz="700" kern="1200" dirty="0"/>
@@ -6392,15 +6068,15 @@
             <a:defRPr/>
           </a:pPr>
           <a:r>
-            <a:rPr lang="pt-BR" sz="700" kern="1200" dirty="0" smtClean="0"/>
+            <a:rPr lang="pt-BR" sz="700" kern="1200" dirty="0"/>
             <a:t>Projeto 1, 2, 3 – </a:t>
           </a:r>
           <a:r>
-            <a:rPr lang="pt-BR" sz="700" kern="1200" dirty="0" err="1" smtClean="0"/>
+            <a:rPr lang="pt-BR" sz="700" kern="1200" dirty="0" err="1"/>
             <a:t>ModSim</a:t>
           </a:r>
           <a:r>
-            <a:rPr lang="pt-BR" sz="700" kern="1200" dirty="0" smtClean="0"/>
+            <a:rPr lang="pt-BR" sz="700" kern="1200" dirty="0"/>
             <a:t> – Prática de Programação em Python </a:t>
           </a:r>
         </a:p>
@@ -6415,6 +6091,7 @@
             <a:spcAft>
               <a:spcPct val="35000"/>
             </a:spcAft>
+            <a:buNone/>
           </a:pPr>
           <a:endParaRPr lang="pt-BR" sz="700" kern="1200" dirty="0"/>
         </a:p>
@@ -6471,7 +6148,7 @@
         </a:bodyPr>
         <a:lstStyle/>
         <a:p>
-          <a:pPr lvl="0" algn="ctr" defTabSz="711200">
+          <a:pPr marL="0" lvl="0" indent="0" algn="ctr" defTabSz="711200">
             <a:lnSpc>
               <a:spcPct val="90000"/>
             </a:lnSpc>
@@ -6481,6 +6158,7 @@
             <a:spcAft>
               <a:spcPct val="35000"/>
             </a:spcAft>
+            <a:buNone/>
           </a:pPr>
           <a:r>
             <a:rPr lang="pt-BR" sz="1600" kern="1200" dirty="0"/>
@@ -6550,7 +6228,7 @@
         </a:bodyPr>
         <a:lstStyle/>
         <a:p>
-          <a:pPr lvl="0" algn="ctr" defTabSz="311150">
+          <a:pPr marL="0" lvl="0" indent="0" algn="ctr" defTabSz="311150">
             <a:lnSpc>
               <a:spcPct val="90000"/>
             </a:lnSpc>
@@ -6560,20 +6238,20 @@
             <a:spcAft>
               <a:spcPct val="35000"/>
             </a:spcAft>
+            <a:buNone/>
           </a:pPr>
           <a:r>
-            <a:rPr lang="pt-BR" sz="700" kern="1200" dirty="0" smtClean="0"/>
+            <a:rPr lang="pt-BR" sz="700" kern="1200" dirty="0"/>
             <a:t>Projeto 1, 2, 3 – </a:t>
           </a:r>
           <a:r>
-            <a:rPr lang="pt-BR" sz="700" kern="1200" dirty="0" err="1" smtClean="0"/>
+            <a:rPr lang="pt-BR" sz="700" kern="1200" dirty="0" err="1"/>
             <a:t>ModSim</a:t>
           </a:r>
           <a:r>
-            <a:rPr lang="pt-BR" sz="700" kern="1200" dirty="0" smtClean="0"/>
+            <a:rPr lang="pt-BR" sz="700" kern="1200" dirty="0"/>
             <a:t> – Modelagem, Noções de Matemática e Física </a:t>
           </a:r>
-          <a:endParaRPr lang="pt-BR" sz="700" kern="1200" dirty="0"/>
         </a:p>
       </dsp:txBody>
       <dsp:txXfrm>
@@ -6638,7 +6316,7 @@
         </a:bodyPr>
         <a:lstStyle/>
         <a:p>
-          <a:pPr lvl="0" algn="ctr" defTabSz="311150">
+          <a:pPr marL="0" lvl="0" indent="0" algn="ctr" defTabSz="311150">
             <a:lnSpc>
               <a:spcPct val="90000"/>
             </a:lnSpc>
@@ -6648,20 +6326,20 @@
             <a:spcAft>
               <a:spcPct val="35000"/>
             </a:spcAft>
+            <a:buNone/>
           </a:pPr>
           <a:r>
-            <a:rPr lang="pt-BR" sz="700" kern="1200" dirty="0" smtClean="0"/>
+            <a:rPr lang="pt-BR" sz="700" kern="1200" dirty="0"/>
             <a:t>Projeto 1, 2, 3 – Design de Software – Lógica Computacional e </a:t>
           </a:r>
           <a:r>
-            <a:rPr lang="pt-BR" sz="700" kern="1200" dirty="0" err="1" smtClean="0"/>
+            <a:rPr lang="pt-BR" sz="700" kern="1200" dirty="0" err="1"/>
             <a:t>Algorítmo</a:t>
           </a:r>
           <a:r>
-            <a:rPr lang="pt-BR" sz="700" kern="1200" dirty="0" smtClean="0"/>
+            <a:rPr lang="pt-BR" sz="700" kern="1200" dirty="0"/>
             <a:t> </a:t>
           </a:r>
-          <a:endParaRPr lang="pt-BR" sz="700" kern="1200" dirty="0"/>
         </a:p>
       </dsp:txBody>
       <dsp:txXfrm>
@@ -6726,7 +6404,7 @@
         </a:bodyPr>
         <a:lstStyle/>
         <a:p>
-          <a:pPr lvl="0" algn="ctr" defTabSz="311150">
+          <a:pPr marL="0" lvl="0" indent="0" algn="ctr" defTabSz="311150">
             <a:lnSpc>
               <a:spcPct val="90000"/>
             </a:lnSpc>
@@ -6736,24 +6414,24 @@
             <a:spcAft>
               <a:spcPct val="35000"/>
             </a:spcAft>
+            <a:buNone/>
           </a:pPr>
           <a:r>
-            <a:rPr lang="pt-BR" sz="700" kern="1200" dirty="0" err="1" smtClean="0"/>
+            <a:rPr lang="pt-BR" sz="700" kern="1200" dirty="0" err="1"/>
             <a:t>NatDes</a:t>
           </a:r>
           <a:r>
-            <a:rPr lang="pt-BR" sz="700" kern="1200" dirty="0" smtClean="0"/>
+            <a:rPr lang="pt-BR" sz="700" kern="1200" dirty="0"/>
             <a:t> – Projeto – Design </a:t>
           </a:r>
           <a:r>
-            <a:rPr lang="pt-BR" sz="700" kern="1200" dirty="0" err="1" smtClean="0"/>
+            <a:rPr lang="pt-BR" sz="700" kern="1200" dirty="0" err="1"/>
             <a:t>Thinking</a:t>
           </a:r>
           <a:r>
-            <a:rPr lang="pt-BR" sz="700" kern="1200" dirty="0" smtClean="0"/>
+            <a:rPr lang="pt-BR" sz="700" kern="1200" dirty="0"/>
             <a:t>, Comunicação com o Usuário</a:t>
           </a:r>
-          <a:endParaRPr lang="pt-BR" sz="700" kern="1200" dirty="0"/>
         </a:p>
       </dsp:txBody>
       <dsp:txXfrm>
@@ -6818,7 +6496,7 @@
         </a:bodyPr>
         <a:lstStyle/>
         <a:p>
-          <a:pPr marR="0" lvl="0" algn="ctr" defTabSz="311150" eaLnBrk="1" fontAlgn="auto" latinLnBrk="0" hangingPunct="1">
+          <a:pPr marL="0" marR="0" lvl="0" indent="0" algn="ctr" defTabSz="311150" eaLnBrk="1" fontAlgn="auto" latinLnBrk="0" hangingPunct="1">
             <a:lnSpc>
               <a:spcPct val="90000"/>
             </a:lnSpc>
@@ -6831,22 +6509,22 @@
             <a:buClrTx/>
             <a:buSzTx/>
             <a:buFontTx/>
+            <a:buNone/>
             <a:tabLst/>
             <a:defRPr/>
           </a:pPr>
           <a:r>
-            <a:rPr lang="pt-BR" sz="700" kern="1200" dirty="0" smtClean="0"/>
+            <a:rPr lang="pt-BR" sz="700" kern="1200" dirty="0"/>
             <a:t>Projeto 1, 2, 3 – </a:t>
           </a:r>
           <a:r>
-            <a:rPr lang="pt-BR" sz="700" kern="1200" dirty="0" err="1" smtClean="0"/>
+            <a:rPr lang="pt-BR" sz="700" kern="1200" dirty="0" err="1"/>
             <a:t>Instrumed</a:t>
           </a:r>
           <a:r>
-            <a:rPr lang="pt-BR" sz="700" kern="1200" dirty="0" smtClean="0"/>
+            <a:rPr lang="pt-BR" sz="700" kern="1200" dirty="0"/>
             <a:t> – Documentação Escrita, Eletrônica Básica </a:t>
           </a:r>
-          <a:endParaRPr lang="pt-BR" sz="700" kern="1200" dirty="0"/>
         </a:p>
       </dsp:txBody>
       <dsp:txXfrm>
@@ -6911,7 +6589,7 @@
         </a:bodyPr>
         <a:lstStyle/>
         <a:p>
-          <a:pPr marR="0" lvl="0" algn="ctr" defTabSz="311150" eaLnBrk="1" fontAlgn="auto" latinLnBrk="0" hangingPunct="1">
+          <a:pPr marL="0" marR="0" lvl="0" indent="0" algn="ctr" defTabSz="311150" eaLnBrk="1" fontAlgn="auto" latinLnBrk="0" hangingPunct="1">
             <a:lnSpc>
               <a:spcPct val="90000"/>
             </a:lnSpc>
@@ -6924,14 +6602,14 @@
             <a:buClrTx/>
             <a:buSzTx/>
             <a:buFontTx/>
+            <a:buNone/>
             <a:tabLst/>
             <a:defRPr/>
           </a:pPr>
           <a:r>
-            <a:rPr lang="pt-BR" sz="700" kern="1200" dirty="0" smtClean="0"/>
+            <a:rPr lang="pt-BR" sz="700" kern="1200" dirty="0"/>
             <a:t>Seminários de Grandes Desafios de Engenharia – Pensamento Crítico na Engenharia em escopo Social, Econômico, Filosófico e Político </a:t>
           </a:r>
-          <a:endParaRPr lang="pt-BR" sz="700" kern="1200" dirty="0"/>
         </a:p>
       </dsp:txBody>
       <dsp:txXfrm>
@@ -8377,7 +8055,7 @@
           <a:p>
             <a:fld id="{1589F13C-868A-4860-AF0B-B8654897AF81}" type="slidenum">
               <a:rPr lang="pt-BR" smtClean="0"/>
-              <a:t>‹nº›</a:t>
+              <a:t>‹#›</a:t>
             </a:fld>
             <a:endParaRPr lang="pt-BR"/>
           </a:p>
@@ -8591,7 +8269,7 @@
           <a:p>
             <a:fld id="{1589F13C-868A-4860-AF0B-B8654897AF81}" type="slidenum">
               <a:rPr lang="pt-BR" smtClean="0"/>
-              <a:t>‹nº›</a:t>
+              <a:t>‹#›</a:t>
             </a:fld>
             <a:endParaRPr lang="pt-BR"/>
           </a:p>
@@ -8815,7 +8493,7 @@
           <a:p>
             <a:fld id="{1589F13C-868A-4860-AF0B-B8654897AF81}" type="slidenum">
               <a:rPr lang="pt-BR" smtClean="0"/>
-              <a:t>‹nº›</a:t>
+              <a:t>‹#›</a:t>
             </a:fld>
             <a:endParaRPr lang="pt-BR"/>
           </a:p>
@@ -9029,7 +8707,7 @@
           <a:p>
             <a:fld id="{1589F13C-868A-4860-AF0B-B8654897AF81}" type="slidenum">
               <a:rPr lang="pt-BR" smtClean="0"/>
-              <a:t>‹nº›</a:t>
+              <a:t>‹#›</a:t>
             </a:fld>
             <a:endParaRPr lang="pt-BR"/>
           </a:p>
@@ -9319,7 +8997,7 @@
           <a:p>
             <a:fld id="{1589F13C-868A-4860-AF0B-B8654897AF81}" type="slidenum">
               <a:rPr lang="pt-BR" smtClean="0"/>
-              <a:t>‹nº›</a:t>
+              <a:t>‹#›</a:t>
             </a:fld>
             <a:endParaRPr lang="pt-BR"/>
           </a:p>
@@ -9595,7 +9273,7 @@
           <a:p>
             <a:fld id="{1589F13C-868A-4860-AF0B-B8654897AF81}" type="slidenum">
               <a:rPr lang="pt-BR" smtClean="0"/>
-              <a:t>‹nº›</a:t>
+              <a:t>‹#›</a:t>
             </a:fld>
             <a:endParaRPr lang="pt-BR"/>
           </a:p>
@@ -10006,7 +9684,7 @@
           <a:p>
             <a:fld id="{1589F13C-868A-4860-AF0B-B8654897AF81}" type="slidenum">
               <a:rPr lang="pt-BR" smtClean="0"/>
-              <a:t>‹nº›</a:t>
+              <a:t>‹#›</a:t>
             </a:fld>
             <a:endParaRPr lang="pt-BR"/>
           </a:p>
@@ -10168,7 +9846,7 @@
           <a:p>
             <a:fld id="{1589F13C-868A-4860-AF0B-B8654897AF81}" type="slidenum">
               <a:rPr lang="pt-BR" smtClean="0"/>
-              <a:t>‹nº›</a:t>
+              <a:t>‹#›</a:t>
             </a:fld>
             <a:endParaRPr lang="pt-BR"/>
           </a:p>
@@ -10307,7 +9985,7 @@
           <a:p>
             <a:fld id="{1589F13C-868A-4860-AF0B-B8654897AF81}" type="slidenum">
               <a:rPr lang="pt-BR" smtClean="0"/>
-              <a:t>‹nº›</a:t>
+              <a:t>‹#›</a:t>
             </a:fld>
             <a:endParaRPr lang="pt-BR"/>
           </a:p>
@@ -10628,7 +10306,7 @@
           <a:p>
             <a:fld id="{1589F13C-868A-4860-AF0B-B8654897AF81}" type="slidenum">
               <a:rPr lang="pt-BR" smtClean="0"/>
-              <a:t>‹nº›</a:t>
+              <a:t>‹#›</a:t>
             </a:fld>
             <a:endParaRPr lang="pt-BR"/>
           </a:p>
@@ -10929,7 +10607,7 @@
           <a:p>
             <a:fld id="{1589F13C-868A-4860-AF0B-B8654897AF81}" type="slidenum">
               <a:rPr lang="pt-BR" smtClean="0"/>
-              <a:t>‹nº›</a:t>
+              <a:t>‹#›</a:t>
             </a:fld>
             <a:endParaRPr lang="pt-BR"/>
           </a:p>
@@ -11222,7 +10900,7 @@
           <a:p>
             <a:fld id="{1589F13C-868A-4860-AF0B-B8654897AF81}" type="slidenum">
               <a:rPr lang="pt-BR" smtClean="0"/>
-              <a:t>‹nº›</a:t>
+              <a:t>‹#›</a:t>
             </a:fld>
             <a:endParaRPr lang="pt-BR"/>
           </a:p>
@@ -11942,18 +11620,17 @@
           <a:lstStyle/>
           <a:p>
             <a:r>
-              <a:rPr lang="pt-BR" sz="2800" dirty="0" smtClean="0"/>
+              <a:rPr lang="pt-BR" sz="2800" dirty="0"/>
               <a:t>Uma breve </a:t>
             </a:r>
             <a:r>
-              <a:rPr lang="pt-BR" sz="2800" dirty="0" err="1" smtClean="0"/>
+              <a:rPr lang="pt-BR" sz="2800" dirty="0" err="1"/>
               <a:t>bio</a:t>
             </a:r>
             <a:r>
-              <a:rPr lang="pt-BR" sz="2800" dirty="0" smtClean="0"/>
+              <a:rPr lang="pt-BR" sz="2800" dirty="0"/>
               <a:t> explicando sobre interesses, experiências acadêmicas e profissionais, e curiosidades </a:t>
             </a:r>
-            <a:endParaRPr lang="pt-BR" sz="2800" dirty="0"/>
           </a:p>
         </p:txBody>
       </p:sp>
@@ -11984,7 +11661,7 @@
           <a:lstStyle/>
           <a:p>
             <a:r>
-              <a:rPr lang="pt-BR" dirty="0" smtClean="0"/>
+              <a:rPr lang="pt-BR" dirty="0"/>
               <a:t>Foto</a:t>
             </a:r>
           </a:p>
@@ -11992,31 +11669,31 @@
             <a:endParaRPr lang="pt-BR" dirty="0"/>
           </a:p>
           <a:p>
-            <a:endParaRPr lang="pt-BR" dirty="0" smtClean="0"/>
-          </a:p>
-          <a:p>
             <a:endParaRPr lang="pt-BR" dirty="0"/>
           </a:p>
           <a:p>
-            <a:endParaRPr lang="pt-BR" dirty="0" smtClean="0"/>
-          </a:p>
-          <a:p>
             <a:endParaRPr lang="pt-BR" dirty="0"/>
           </a:p>
           <a:p>
-            <a:endParaRPr lang="pt-BR" dirty="0" smtClean="0"/>
-          </a:p>
-          <a:p>
             <a:endParaRPr lang="pt-BR" dirty="0"/>
           </a:p>
           <a:p>
-            <a:endParaRPr lang="pt-BR" dirty="0" smtClean="0"/>
-          </a:p>
-          <a:p>
             <a:endParaRPr lang="pt-BR" dirty="0"/>
           </a:p>
           <a:p>
-            <a:endParaRPr lang="pt-BR" dirty="0" smtClean="0"/>
+            <a:endParaRPr lang="pt-BR" dirty="0"/>
+          </a:p>
+          <a:p>
+            <a:endParaRPr lang="pt-BR" dirty="0"/>
+          </a:p>
+          <a:p>
+            <a:endParaRPr lang="pt-BR" dirty="0"/>
+          </a:p>
+          <a:p>
+            <a:endParaRPr lang="pt-BR" dirty="0"/>
+          </a:p>
+          <a:p>
+            <a:endParaRPr lang="pt-BR" dirty="0"/>
           </a:p>
           <a:p>
             <a:endParaRPr lang="pt-BR" dirty="0"/>
@@ -12070,13 +11747,8 @@
           <a:p>
             <a:r>
               <a:rPr lang="pt-BR" dirty="0"/>
-              <a:t>Equipe</a:t>
-            </a:r>
-            <a:r>
-              <a:rPr lang="pt-BR" dirty="0" smtClean="0"/>
-              <a:t>: PWB </a:t>
-            </a:r>
-            <a:endParaRPr lang="pt-BR" dirty="0"/>
+              <a:t>Equipe: PWB </a:t>
+            </a:r>
           </a:p>
         </p:txBody>
       </p:sp>
@@ -12096,32 +11768,29 @@
           <a:lstStyle/>
           <a:p>
             <a:r>
-              <a:rPr lang="pt-BR" dirty="0" smtClean="0"/>
+              <a:rPr lang="pt-BR" dirty="0"/>
               <a:t>Maria Eduarda Bicalho- Engenharia Mecatrônica</a:t>
             </a:r>
-            <a:endParaRPr lang="pt-BR" dirty="0"/>
-          </a:p>
-          <a:p>
-            <a:r>
-              <a:rPr lang="pt-BR" dirty="0" smtClean="0"/>
+          </a:p>
+          <a:p>
+            <a:r>
+              <a:rPr lang="pt-BR" dirty="0"/>
               <a:t>Stephanie Wertheimer – Engenharia Mecânica</a:t>
             </a:r>
-            <a:endParaRPr lang="pt-BR" dirty="0"/>
-          </a:p>
-          <a:p>
-            <a:r>
-              <a:rPr lang="pt-BR" dirty="0" smtClean="0"/>
+          </a:p>
+          <a:p>
+            <a:r>
+              <a:rPr lang="pt-BR" dirty="0"/>
               <a:t>Thomas </a:t>
             </a:r>
             <a:r>
-              <a:rPr lang="pt-BR" dirty="0" err="1" smtClean="0"/>
+              <a:rPr lang="pt-BR" dirty="0" err="1"/>
               <a:t>Pilnik</a:t>
             </a:r>
             <a:r>
-              <a:rPr lang="pt-BR" dirty="0" smtClean="0"/>
+              <a:rPr lang="pt-BR" dirty="0"/>
               <a:t> – Engenharia da Computação</a:t>
             </a:r>
-            <a:endParaRPr lang="pt-BR" dirty="0"/>
           </a:p>
           <a:p>
             <a:pPr marL="0" indent="0">
@@ -12202,12 +11871,12 @@
               <a:buNone/>
             </a:pPr>
             <a:r>
-              <a:rPr lang="pt-BR" dirty="0" smtClean="0">
+              <a:rPr lang="pt-BR" dirty="0">
                 <a:hlinkClick r:id="rId2"/>
               </a:rPr>
               <a:t>https://github.com/pilnikthomas/CDA_P1.git</a:t>
             </a:r>
-            <a:endParaRPr lang="pt-BR" dirty="0" smtClean="0"/>
+            <a:endParaRPr lang="pt-BR" dirty="0"/>
           </a:p>
           <a:p>
             <a:pPr marL="0" indent="0">
@@ -12684,38 +12353,25 @@
           <a:p>
             <a:pPr algn="ctr"/>
             <a:r>
-              <a:rPr lang="pt-BR" sz="3600" dirty="0" smtClean="0"/>
-              <a:t>Colocaremos um menu vertical do lado </a:t>
-            </a:r>
-            <a:r>
-              <a:rPr lang="pt-BR" sz="3600" dirty="0" smtClean="0"/>
-              <a:t>direito </a:t>
-            </a:r>
-            <a:r>
-              <a:rPr lang="pt-BR" sz="3600" dirty="0" smtClean="0"/>
-              <a:t>da página, e no centro haverá uma </a:t>
-            </a:r>
-            <a:r>
-              <a:rPr lang="pt-BR" sz="3600" dirty="0" err="1" smtClean="0"/>
+              <a:rPr lang="pt-BR" sz="3600" dirty="0"/>
+              <a:t>Colocaremos um menu vertical do lado direito da página, e no centro haverá uma </a:t>
+            </a:r>
+            <a:r>
+              <a:rPr lang="pt-BR" sz="3600" dirty="0" err="1"/>
               <a:t>dashboard</a:t>
             </a:r>
             <a:r>
-              <a:rPr lang="pt-BR" sz="3600" dirty="0" smtClean="0"/>
-              <a:t> com os projetos mais requisitados. Esse critério será feito de acordo com o interesse de cada um dos usuários, assim como os tópicos da barra lateral do menu</a:t>
-            </a:r>
-            <a:r>
-              <a:rPr lang="pt-BR" sz="3600" dirty="0" smtClean="0"/>
-              <a:t>. No caso do profissional do mercado financeiro, gostaríamos de destacar </a:t>
-            </a:r>
-            <a:r>
-              <a:rPr lang="pt-BR" sz="3600" dirty="0" err="1" smtClean="0"/>
+              <a:rPr lang="pt-BR" sz="3600" dirty="0"/>
+              <a:t> com os projetos mais requisitados. Esse critério será feito de acordo com o interesse de cada um dos usuários, assim como os tópicos da barra lateral do menu. No caso do profissional do mercado financeiro, gostaríamos de destacar </a:t>
+            </a:r>
+            <a:r>
+              <a:rPr lang="pt-BR" sz="3600" dirty="0" err="1"/>
               <a:t>ModSim</a:t>
             </a:r>
             <a:r>
-              <a:rPr lang="pt-BR" sz="3600" dirty="0" smtClean="0"/>
+              <a:rPr lang="pt-BR" sz="3600" dirty="0"/>
               <a:t>, Natureza do Design e Grandes Desafios da Engenharia </a:t>
             </a:r>
-            <a:endParaRPr lang="pt-BR" sz="3600" dirty="0"/>
           </a:p>
         </p:txBody>
       </p:sp>
@@ -12790,7 +12446,7 @@
         </p:nvSpPr>
         <p:spPr>
           <a:xfrm>
-            <a:off x="2184400" y="255936"/>
+            <a:off x="4743824" y="-1160487"/>
             <a:ext cx="9855200" cy="4351338"/>
           </a:xfrm>
         </p:spPr>
@@ -12823,8 +12479,8 @@
         </p:nvSpPr>
         <p:spPr>
           <a:xfrm>
-            <a:off x="279400" y="908111"/>
-            <a:ext cx="4324350" cy="2585323"/>
+            <a:off x="539376" y="1973567"/>
+            <a:ext cx="4324350" cy="2031325"/>
           </a:xfrm>
           <a:prstGeom prst="rect">
             <a:avLst/>
@@ -12837,21 +12493,17 @@
           </a:bodyPr>
           <a:lstStyle/>
           <a:p>
+            <a:endParaRPr lang="pt-BR" dirty="0"/>
+          </a:p>
+          <a:p>
             <a:pPr marL="285750" indent="-285750">
               <a:buFont typeface="Arial" panose="020B0604020202020204" pitchFamily="34" charset="0"/>
               <a:buChar char="•"/>
             </a:pPr>
             <a:r>
               <a:rPr lang="pt-BR" dirty="0"/>
-              <a:t> </a:t>
-            </a:r>
-            <a:r>
-              <a:rPr lang="pt-BR" dirty="0">
-                <a:hlinkClick r:id="rId2"/>
-              </a:rPr>
-              <a:t>www.optimalworkshop.com/treejack</a:t>
-            </a:r>
-            <a:endParaRPr lang="pt-BR" dirty="0"/>
+              <a:t>https://ixgk755j.optimalworkshop.com/optimalsort/272eort5</a:t>
+            </a:r>
           </a:p>
           <a:p>
             <a:pPr marL="285750" indent="-285750">
@@ -12867,167 +12519,47 @@
             </a:pPr>
             <a:r>
               <a:rPr lang="pt-BR" dirty="0"/>
-              <a:t>Criei um teste com a taxonomia definida pelo grupo</a:t>
-            </a:r>
-          </a:p>
-          <a:p>
-            <a:pPr marL="285750" indent="-285750">
-              <a:buFont typeface="Arial" panose="020B0604020202020204" pitchFamily="34" charset="0"/>
-              <a:buChar char="•"/>
-            </a:pPr>
-            <a:r>
-              <a:rPr lang="pt-BR" dirty="0"/>
-              <a:t>As atividades são as mesmas do slide anterior</a:t>
-            </a:r>
-          </a:p>
-          <a:p>
-            <a:pPr marL="285750" indent="-285750">
-              <a:buFont typeface="Arial" panose="020B0604020202020204" pitchFamily="34" charset="0"/>
-              <a:buChar char="•"/>
-            </a:pPr>
-            <a:r>
-              <a:rPr lang="pt-BR" dirty="0"/>
-              <a:t>Compartilhe para obter resultados</a:t>
-            </a:r>
-          </a:p>
-          <a:p>
-            <a:pPr marL="285750" indent="-285750">
-              <a:buFont typeface="Arial" panose="020B0604020202020204" pitchFamily="34" charset="0"/>
-              <a:buChar char="•"/>
-            </a:pPr>
-            <a:endParaRPr lang="pt-BR" dirty="0"/>
-          </a:p>
-          <a:p>
-            <a:pPr marL="285750" indent="-285750">
-              <a:buFont typeface="Arial" panose="020B0604020202020204" pitchFamily="34" charset="0"/>
-              <a:buChar char="•"/>
-            </a:pPr>
-            <a:r>
-              <a:rPr lang="pt-BR" dirty="0"/>
-              <a:t>Coloque aqui o link dos resultados</a:t>
+              <a:t>https://www.optimalworkshop.com/a/ixgk755j/optimalsort/results/347150#/t/analysisTools/resultsMatrix</a:t>
             </a:r>
           </a:p>
         </p:txBody>
       </p:sp>
       <p:pic>
         <p:nvPicPr>
-          <p:cNvPr id="5" name="Imagem 4"/>
+          <p:cNvPr id="9" name="Picture 8">
+            <a:extLst>
+              <a:ext uri="{FF2B5EF4-FFF2-40B4-BE49-F238E27FC236}">
+                <a16:creationId xmlns:a16="http://schemas.microsoft.com/office/drawing/2014/main" id="{44051BEF-FA47-49BC-89C2-20CB12BE4A8A}"/>
+              </a:ext>
+            </a:extLst>
+          </p:cNvPr>
           <p:cNvPicPr>
             <a:picLocks noChangeAspect="1"/>
           </p:cNvPicPr>
           <p:nvPr/>
         </p:nvPicPr>
-        <p:blipFill rotWithShape="1">
-          <a:blip r:embed="rId3"/>
-          <a:srcRect l="521" t="8140" r="43646" b="-8140"/>
-          <a:stretch/>
+        <p:blipFill>
+          <a:blip r:embed="rId2">
+            <a:extLst>
+              <a:ext uri="{28A0092B-C50C-407E-A947-70E740481C1C}">
+                <a14:useLocalDpi xmlns:a14="http://schemas.microsoft.com/office/drawing/2010/main" val="0"/>
+              </a:ext>
+            </a:extLst>
+          </a:blip>
+          <a:stretch>
+            <a:fillRect/>
+          </a:stretch>
         </p:blipFill>
         <p:spPr>
           <a:xfrm>
-            <a:off x="4603750" y="654111"/>
-            <a:ext cx="6807200" cy="6553200"/>
+            <a:off x="5042647" y="1682504"/>
+            <a:ext cx="6898342" cy="3357361"/>
           </a:xfrm>
           <a:prstGeom prst="rect">
             <a:avLst/>
           </a:prstGeom>
         </p:spPr>
       </p:pic>
-      <p:sp>
-        <p:nvSpPr>
-          <p:cNvPr id="7" name="Seta: para a Direita 6"/>
-          <p:cNvSpPr/>
-          <p:nvPr/>
-        </p:nvSpPr>
-        <p:spPr>
-          <a:xfrm rot="8293294">
-            <a:off x="8267701" y="2382852"/>
-            <a:ext cx="622300" cy="457200"/>
-          </a:xfrm>
-          <a:prstGeom prst="rightArrow">
-            <a:avLst/>
-          </a:prstGeom>
-          <a:solidFill>
-            <a:srgbClr val="FF0000"/>
-          </a:solidFill>
-          <a:ln>
-            <a:solidFill>
-              <a:srgbClr val="FF0000"/>
-            </a:solidFill>
-          </a:ln>
-        </p:spPr>
-        <p:style>
-          <a:lnRef idx="2">
-            <a:schemeClr val="accent1">
-              <a:shade val="50000"/>
-            </a:schemeClr>
-          </a:lnRef>
-          <a:fillRef idx="1">
-            <a:schemeClr val="accent1"/>
-          </a:fillRef>
-          <a:effectRef idx="0">
-            <a:schemeClr val="accent1"/>
-          </a:effectRef>
-          <a:fontRef idx="minor">
-            <a:schemeClr val="lt1"/>
-          </a:fontRef>
-        </p:style>
-        <p:txBody>
-          <a:bodyPr rtlCol="0" anchor="ctr"/>
-          <a:lstStyle/>
-          <a:p>
-            <a:pPr algn="ctr"/>
-            <a:endParaRPr lang="pt-BR" dirty="0"/>
-          </a:p>
-        </p:txBody>
-      </p:sp>
-      <p:sp>
-        <p:nvSpPr>
-          <p:cNvPr id="8" name="Seta: para a Direita 7"/>
-          <p:cNvSpPr/>
-          <p:nvPr/>
-        </p:nvSpPr>
-        <p:spPr>
-          <a:xfrm rot="10191489">
-            <a:off x="6454308" y="6184900"/>
-            <a:ext cx="622300" cy="457200"/>
-          </a:xfrm>
-          <a:prstGeom prst="rightArrow">
-            <a:avLst/>
-          </a:prstGeom>
-          <a:solidFill>
-            <a:srgbClr val="FF0000"/>
-          </a:solidFill>
-          <a:ln>
-            <a:solidFill>
-              <a:srgbClr val="FF0000"/>
-            </a:solidFill>
-          </a:ln>
-        </p:spPr>
-        <p:style>
-          <a:lnRef idx="2">
-            <a:schemeClr val="accent1">
-              <a:shade val="50000"/>
-            </a:schemeClr>
-          </a:lnRef>
-          <a:fillRef idx="1">
-            <a:schemeClr val="accent1"/>
-          </a:fillRef>
-          <a:effectRef idx="0">
-            <a:schemeClr val="accent1"/>
-          </a:effectRef>
-          <a:fontRef idx="minor">
-            <a:schemeClr val="lt1"/>
-          </a:fontRef>
-        </p:style>
-        <p:txBody>
-          <a:bodyPr rtlCol="0" anchor="ctr"/>
-          <a:lstStyle/>
-          <a:p>
-            <a:pPr algn="ctr"/>
-            <a:endParaRPr lang="pt-BR" dirty="0"/>
-          </a:p>
-        </p:txBody>
-      </p:sp>
     </p:spTree>
     <p:extLst>
       <p:ext uri="{BB962C8B-B14F-4D97-AF65-F5344CB8AC3E}">
@@ -13461,43 +12993,43 @@
           <a:lstStyle/>
           <a:p>
             <a:r>
-              <a:rPr lang="pt-BR" sz="2400" dirty="0" smtClean="0"/>
+              <a:rPr lang="pt-BR" sz="2400" dirty="0"/>
               <a:t>Nessa região haverá a </a:t>
             </a:r>
             <a:r>
-              <a:rPr lang="pt-BR" sz="2400" dirty="0" err="1" smtClean="0"/>
+              <a:rPr lang="pt-BR" sz="2400" dirty="0" err="1"/>
               <a:t>menubar</a:t>
             </a:r>
             <a:r>
-              <a:rPr lang="pt-BR" sz="2400" dirty="0" smtClean="0"/>
+              <a:rPr lang="pt-BR" sz="2400" dirty="0"/>
               <a:t> com os projetos em ordem de importância: </a:t>
             </a:r>
             <a:r>
-              <a:rPr lang="pt-BR" sz="2400" dirty="0" err="1" smtClean="0"/>
+              <a:rPr lang="pt-BR" sz="2400" dirty="0" err="1"/>
               <a:t>Modsim</a:t>
             </a:r>
             <a:r>
-              <a:rPr lang="pt-BR" sz="2400" dirty="0" smtClean="0"/>
+              <a:rPr lang="pt-BR" sz="2400" dirty="0"/>
               <a:t>, </a:t>
             </a:r>
             <a:r>
-              <a:rPr lang="pt-BR" sz="2400" dirty="0" err="1" smtClean="0"/>
+              <a:rPr lang="pt-BR" sz="2400" dirty="0" err="1"/>
               <a:t>NatDes</a:t>
             </a:r>
             <a:r>
-              <a:rPr lang="pt-BR" sz="2400" dirty="0" smtClean="0"/>
+              <a:rPr lang="pt-BR" sz="2400" dirty="0"/>
               <a:t>, GDE, </a:t>
             </a:r>
             <a:r>
-              <a:rPr lang="pt-BR" sz="2400" dirty="0" err="1" smtClean="0"/>
+              <a:rPr lang="pt-BR" sz="2400" dirty="0" err="1"/>
               <a:t>DesSoft</a:t>
             </a:r>
             <a:r>
-              <a:rPr lang="pt-BR" sz="2400" dirty="0" smtClean="0"/>
+              <a:rPr lang="pt-BR" sz="2400" dirty="0"/>
               <a:t>, </a:t>
             </a:r>
             <a:r>
-              <a:rPr lang="pt-BR" sz="2400" dirty="0" err="1" smtClean="0"/>
+              <a:rPr lang="pt-BR" sz="2400" dirty="0" err="1"/>
               <a:t>InstruMed</a:t>
             </a:r>
             <a:endParaRPr lang="pt-BR" sz="2400" dirty="0"/>
@@ -13529,22 +13061,21 @@
           <a:lstStyle/>
           <a:p>
             <a:r>
-              <a:rPr lang="pt-BR" dirty="0" err="1" smtClean="0"/>
+              <a:rPr lang="pt-BR" dirty="0" err="1"/>
               <a:t>ModSim</a:t>
             </a:r>
             <a:r>
-              <a:rPr lang="pt-BR" dirty="0" smtClean="0"/>
+              <a:rPr lang="pt-BR" dirty="0"/>
               <a:t>                              </a:t>
             </a:r>
             <a:r>
-              <a:rPr lang="pt-BR" dirty="0" err="1" smtClean="0"/>
+              <a:rPr lang="pt-BR" dirty="0" err="1"/>
               <a:t>NatDes</a:t>
             </a:r>
             <a:r>
-              <a:rPr lang="pt-BR" dirty="0" smtClean="0"/>
+              <a:rPr lang="pt-BR" dirty="0"/>
               <a:t>                                       GDE</a:t>
             </a:r>
-            <a:endParaRPr lang="pt-BR" dirty="0"/>
           </a:p>
         </p:txBody>
       </p:sp>

--- a/Entrega02.pptx
+++ b/Entrega02.pptx
@@ -8013,7 +8013,7 @@
           <a:p>
             <a:fld id="{DDD670B3-E2EA-4637-9A35-A3F69C814A4D}" type="datetimeFigureOut">
               <a:rPr lang="pt-BR" smtClean="0"/>
-              <a:t>22/08/2017</a:t>
+              <a:t>23/08/2017</a:t>
             </a:fld>
             <a:endParaRPr lang="pt-BR"/>
           </a:p>
@@ -8227,7 +8227,7 @@
           <a:p>
             <a:fld id="{DDD670B3-E2EA-4637-9A35-A3F69C814A4D}" type="datetimeFigureOut">
               <a:rPr lang="pt-BR" smtClean="0"/>
-              <a:t>22/08/2017</a:t>
+              <a:t>23/08/2017</a:t>
             </a:fld>
             <a:endParaRPr lang="pt-BR"/>
           </a:p>
@@ -8451,7 +8451,7 @@
           <a:p>
             <a:fld id="{DDD670B3-E2EA-4637-9A35-A3F69C814A4D}" type="datetimeFigureOut">
               <a:rPr lang="pt-BR" smtClean="0"/>
-              <a:t>22/08/2017</a:t>
+              <a:t>23/08/2017</a:t>
             </a:fld>
             <a:endParaRPr lang="pt-BR"/>
           </a:p>
@@ -8665,7 +8665,7 @@
           <a:p>
             <a:fld id="{DDD670B3-E2EA-4637-9A35-A3F69C814A4D}" type="datetimeFigureOut">
               <a:rPr lang="pt-BR" smtClean="0"/>
-              <a:t>22/08/2017</a:t>
+              <a:t>23/08/2017</a:t>
             </a:fld>
             <a:endParaRPr lang="pt-BR"/>
           </a:p>
@@ -8955,7 +8955,7 @@
           <a:p>
             <a:fld id="{DDD670B3-E2EA-4637-9A35-A3F69C814A4D}" type="datetimeFigureOut">
               <a:rPr lang="pt-BR" smtClean="0"/>
-              <a:t>22/08/2017</a:t>
+              <a:t>23/08/2017</a:t>
             </a:fld>
             <a:endParaRPr lang="pt-BR"/>
           </a:p>
@@ -9231,7 +9231,7 @@
           <a:p>
             <a:fld id="{DDD670B3-E2EA-4637-9A35-A3F69C814A4D}" type="datetimeFigureOut">
               <a:rPr lang="pt-BR" smtClean="0"/>
-              <a:t>22/08/2017</a:t>
+              <a:t>23/08/2017</a:t>
             </a:fld>
             <a:endParaRPr lang="pt-BR"/>
           </a:p>
@@ -9642,7 +9642,7 @@
           <a:p>
             <a:fld id="{DDD670B3-E2EA-4637-9A35-A3F69C814A4D}" type="datetimeFigureOut">
               <a:rPr lang="pt-BR" smtClean="0"/>
-              <a:t>22/08/2017</a:t>
+              <a:t>23/08/2017</a:t>
             </a:fld>
             <a:endParaRPr lang="pt-BR"/>
           </a:p>
@@ -9804,7 +9804,7 @@
           <a:p>
             <a:fld id="{DDD670B3-E2EA-4637-9A35-A3F69C814A4D}" type="datetimeFigureOut">
               <a:rPr lang="pt-BR" smtClean="0"/>
-              <a:t>22/08/2017</a:t>
+              <a:t>23/08/2017</a:t>
             </a:fld>
             <a:endParaRPr lang="pt-BR"/>
           </a:p>
@@ -9943,7 +9943,7 @@
           <a:p>
             <a:fld id="{DDD670B3-E2EA-4637-9A35-A3F69C814A4D}" type="datetimeFigureOut">
               <a:rPr lang="pt-BR" smtClean="0"/>
-              <a:t>22/08/2017</a:t>
+              <a:t>23/08/2017</a:t>
             </a:fld>
             <a:endParaRPr lang="pt-BR"/>
           </a:p>
@@ -10264,7 +10264,7 @@
           <a:p>
             <a:fld id="{DDD670B3-E2EA-4637-9A35-A3F69C814A4D}" type="datetimeFigureOut">
               <a:rPr lang="pt-BR" smtClean="0"/>
-              <a:t>22/08/2017</a:t>
+              <a:t>23/08/2017</a:t>
             </a:fld>
             <a:endParaRPr lang="pt-BR"/>
           </a:p>
@@ -10565,7 +10565,7 @@
           <a:p>
             <a:fld id="{DDD670B3-E2EA-4637-9A35-A3F69C814A4D}" type="datetimeFigureOut">
               <a:rPr lang="pt-BR" smtClean="0"/>
-              <a:t>22/08/2017</a:t>
+              <a:t>23/08/2017</a:t>
             </a:fld>
             <a:endParaRPr lang="pt-BR"/>
           </a:p>
@@ -10822,7 +10822,7 @@
           <a:p>
             <a:fld id="{DDD670B3-E2EA-4637-9A35-A3F69C814A4D}" type="datetimeFigureOut">
               <a:rPr lang="pt-BR" smtClean="0"/>
-              <a:t>22/08/2017</a:t>
+              <a:t>23/08/2017</a:t>
             </a:fld>
             <a:endParaRPr lang="pt-BR"/>
           </a:p>
@@ -11800,6 +11800,42 @@
           </a:p>
         </p:txBody>
       </p:sp>
+      <p:pic>
+        <p:nvPicPr>
+          <p:cNvPr id="3" name="Picture 2">
+            <a:extLst>
+              <a:ext uri="{FF2B5EF4-FFF2-40B4-BE49-F238E27FC236}">
+                <a16:creationId xmlns:a16="http://schemas.microsoft.com/office/drawing/2014/main" id="{5E705610-1D68-4061-94C5-0969C5303AAF}"/>
+              </a:ext>
+            </a:extLst>
+          </p:cNvPr>
+          <p:cNvPicPr>
+            <a:picLocks noChangeAspect="1"/>
+          </p:cNvPicPr>
+          <p:nvPr/>
+        </p:nvPicPr>
+        <p:blipFill>
+          <a:blip r:embed="rId2">
+            <a:extLst>
+              <a:ext uri="{28A0092B-C50C-407E-A947-70E740481C1C}">
+                <a14:useLocalDpi xmlns:a14="http://schemas.microsoft.com/office/drawing/2010/main" val="0"/>
+              </a:ext>
+            </a:extLst>
+          </a:blip>
+          <a:stretch>
+            <a:fillRect/>
+          </a:stretch>
+        </p:blipFill>
+        <p:spPr>
+          <a:xfrm>
+            <a:off x="6703925" y="3503106"/>
+            <a:ext cx="4077956" cy="3058467"/>
+          </a:xfrm>
+          <a:prstGeom prst="rect">
+            <a:avLst/>
+          </a:prstGeom>
+        </p:spPr>
+      </p:pic>
     </p:spTree>
     <p:extLst>
       <p:ext uri="{BB962C8B-B14F-4D97-AF65-F5344CB8AC3E}">

--- a/Entrega02.pptx
+++ b/Entrega02.pptx
@@ -8013,7 +8013,7 @@
           <a:p>
             <a:fld id="{DDD670B3-E2EA-4637-9A35-A3F69C814A4D}" type="datetimeFigureOut">
               <a:rPr lang="pt-BR" smtClean="0"/>
-              <a:t>23/08/2017</a:t>
+              <a:t>29/08/2017</a:t>
             </a:fld>
             <a:endParaRPr lang="pt-BR"/>
           </a:p>
@@ -8055,7 +8055,7 @@
           <a:p>
             <a:fld id="{1589F13C-868A-4860-AF0B-B8654897AF81}" type="slidenum">
               <a:rPr lang="pt-BR" smtClean="0"/>
-              <a:t>‹#›</a:t>
+              <a:t>‹nº›</a:t>
             </a:fld>
             <a:endParaRPr lang="pt-BR"/>
           </a:p>
@@ -8227,7 +8227,7 @@
           <a:p>
             <a:fld id="{DDD670B3-E2EA-4637-9A35-A3F69C814A4D}" type="datetimeFigureOut">
               <a:rPr lang="pt-BR" smtClean="0"/>
-              <a:t>23/08/2017</a:t>
+              <a:t>29/08/2017</a:t>
             </a:fld>
             <a:endParaRPr lang="pt-BR"/>
           </a:p>
@@ -8269,7 +8269,7 @@
           <a:p>
             <a:fld id="{1589F13C-868A-4860-AF0B-B8654897AF81}" type="slidenum">
               <a:rPr lang="pt-BR" smtClean="0"/>
-              <a:t>‹#›</a:t>
+              <a:t>‹nº›</a:t>
             </a:fld>
             <a:endParaRPr lang="pt-BR"/>
           </a:p>
@@ -8451,7 +8451,7 @@
           <a:p>
             <a:fld id="{DDD670B3-E2EA-4637-9A35-A3F69C814A4D}" type="datetimeFigureOut">
               <a:rPr lang="pt-BR" smtClean="0"/>
-              <a:t>23/08/2017</a:t>
+              <a:t>29/08/2017</a:t>
             </a:fld>
             <a:endParaRPr lang="pt-BR"/>
           </a:p>
@@ -8493,7 +8493,7 @@
           <a:p>
             <a:fld id="{1589F13C-868A-4860-AF0B-B8654897AF81}" type="slidenum">
               <a:rPr lang="pt-BR" smtClean="0"/>
-              <a:t>‹#›</a:t>
+              <a:t>‹nº›</a:t>
             </a:fld>
             <a:endParaRPr lang="pt-BR"/>
           </a:p>
@@ -8665,7 +8665,7 @@
           <a:p>
             <a:fld id="{DDD670B3-E2EA-4637-9A35-A3F69C814A4D}" type="datetimeFigureOut">
               <a:rPr lang="pt-BR" smtClean="0"/>
-              <a:t>23/08/2017</a:t>
+              <a:t>29/08/2017</a:t>
             </a:fld>
             <a:endParaRPr lang="pt-BR"/>
           </a:p>
@@ -8707,7 +8707,7 @@
           <a:p>
             <a:fld id="{1589F13C-868A-4860-AF0B-B8654897AF81}" type="slidenum">
               <a:rPr lang="pt-BR" smtClean="0"/>
-              <a:t>‹#›</a:t>
+              <a:t>‹nº›</a:t>
             </a:fld>
             <a:endParaRPr lang="pt-BR"/>
           </a:p>
@@ -8955,7 +8955,7 @@
           <a:p>
             <a:fld id="{DDD670B3-E2EA-4637-9A35-A3F69C814A4D}" type="datetimeFigureOut">
               <a:rPr lang="pt-BR" smtClean="0"/>
-              <a:t>23/08/2017</a:t>
+              <a:t>29/08/2017</a:t>
             </a:fld>
             <a:endParaRPr lang="pt-BR"/>
           </a:p>
@@ -8997,7 +8997,7 @@
           <a:p>
             <a:fld id="{1589F13C-868A-4860-AF0B-B8654897AF81}" type="slidenum">
               <a:rPr lang="pt-BR" smtClean="0"/>
-              <a:t>‹#›</a:t>
+              <a:t>‹nº›</a:t>
             </a:fld>
             <a:endParaRPr lang="pt-BR"/>
           </a:p>
@@ -9231,7 +9231,7 @@
           <a:p>
             <a:fld id="{DDD670B3-E2EA-4637-9A35-A3F69C814A4D}" type="datetimeFigureOut">
               <a:rPr lang="pt-BR" smtClean="0"/>
-              <a:t>23/08/2017</a:t>
+              <a:t>29/08/2017</a:t>
             </a:fld>
             <a:endParaRPr lang="pt-BR"/>
           </a:p>
@@ -9273,7 +9273,7 @@
           <a:p>
             <a:fld id="{1589F13C-868A-4860-AF0B-B8654897AF81}" type="slidenum">
               <a:rPr lang="pt-BR" smtClean="0"/>
-              <a:t>‹#›</a:t>
+              <a:t>‹nº›</a:t>
             </a:fld>
             <a:endParaRPr lang="pt-BR"/>
           </a:p>
@@ -9642,7 +9642,7 @@
           <a:p>
             <a:fld id="{DDD670B3-E2EA-4637-9A35-A3F69C814A4D}" type="datetimeFigureOut">
               <a:rPr lang="pt-BR" smtClean="0"/>
-              <a:t>23/08/2017</a:t>
+              <a:t>29/08/2017</a:t>
             </a:fld>
             <a:endParaRPr lang="pt-BR"/>
           </a:p>
@@ -9684,7 +9684,7 @@
           <a:p>
             <a:fld id="{1589F13C-868A-4860-AF0B-B8654897AF81}" type="slidenum">
               <a:rPr lang="pt-BR" smtClean="0"/>
-              <a:t>‹#›</a:t>
+              <a:t>‹nº›</a:t>
             </a:fld>
             <a:endParaRPr lang="pt-BR"/>
           </a:p>
@@ -9804,7 +9804,7 @@
           <a:p>
             <a:fld id="{DDD670B3-E2EA-4637-9A35-A3F69C814A4D}" type="datetimeFigureOut">
               <a:rPr lang="pt-BR" smtClean="0"/>
-              <a:t>23/08/2017</a:t>
+              <a:t>29/08/2017</a:t>
             </a:fld>
             <a:endParaRPr lang="pt-BR"/>
           </a:p>
@@ -9846,7 +9846,7 @@
           <a:p>
             <a:fld id="{1589F13C-868A-4860-AF0B-B8654897AF81}" type="slidenum">
               <a:rPr lang="pt-BR" smtClean="0"/>
-              <a:t>‹#›</a:t>
+              <a:t>‹nº›</a:t>
             </a:fld>
             <a:endParaRPr lang="pt-BR"/>
           </a:p>
@@ -9943,7 +9943,7 @@
           <a:p>
             <a:fld id="{DDD670B3-E2EA-4637-9A35-A3F69C814A4D}" type="datetimeFigureOut">
               <a:rPr lang="pt-BR" smtClean="0"/>
-              <a:t>23/08/2017</a:t>
+              <a:t>29/08/2017</a:t>
             </a:fld>
             <a:endParaRPr lang="pt-BR"/>
           </a:p>
@@ -9985,7 +9985,7 @@
           <a:p>
             <a:fld id="{1589F13C-868A-4860-AF0B-B8654897AF81}" type="slidenum">
               <a:rPr lang="pt-BR" smtClean="0"/>
-              <a:t>‹#›</a:t>
+              <a:t>‹nº›</a:t>
             </a:fld>
             <a:endParaRPr lang="pt-BR"/>
           </a:p>
@@ -10264,7 +10264,7 @@
           <a:p>
             <a:fld id="{DDD670B3-E2EA-4637-9A35-A3F69C814A4D}" type="datetimeFigureOut">
               <a:rPr lang="pt-BR" smtClean="0"/>
-              <a:t>23/08/2017</a:t>
+              <a:t>29/08/2017</a:t>
             </a:fld>
             <a:endParaRPr lang="pt-BR"/>
           </a:p>
@@ -10306,7 +10306,7 @@
           <a:p>
             <a:fld id="{1589F13C-868A-4860-AF0B-B8654897AF81}" type="slidenum">
               <a:rPr lang="pt-BR" smtClean="0"/>
-              <a:t>‹#›</a:t>
+              <a:t>‹nº›</a:t>
             </a:fld>
             <a:endParaRPr lang="pt-BR"/>
           </a:p>
@@ -10565,7 +10565,7 @@
           <a:p>
             <a:fld id="{DDD670B3-E2EA-4637-9A35-A3F69C814A4D}" type="datetimeFigureOut">
               <a:rPr lang="pt-BR" smtClean="0"/>
-              <a:t>23/08/2017</a:t>
+              <a:t>29/08/2017</a:t>
             </a:fld>
             <a:endParaRPr lang="pt-BR"/>
           </a:p>
@@ -10607,7 +10607,7 @@
           <a:p>
             <a:fld id="{1589F13C-868A-4860-AF0B-B8654897AF81}" type="slidenum">
               <a:rPr lang="pt-BR" smtClean="0"/>
-              <a:t>‹#›</a:t>
+              <a:t>‹nº›</a:t>
             </a:fld>
             <a:endParaRPr lang="pt-BR"/>
           </a:p>
@@ -10822,7 +10822,7 @@
           <a:p>
             <a:fld id="{DDD670B3-E2EA-4637-9A35-A3F69C814A4D}" type="datetimeFigureOut">
               <a:rPr lang="pt-BR" smtClean="0"/>
-              <a:t>23/08/2017</a:t>
+              <a:t>29/08/2017</a:t>
             </a:fld>
             <a:endParaRPr lang="pt-BR"/>
           </a:p>
@@ -10900,7 +10900,7 @@
           <a:p>
             <a:fld id="{1589F13C-868A-4860-AF0B-B8654897AF81}" type="slidenum">
               <a:rPr lang="pt-BR" smtClean="0"/>
-              <a:t>‹#›</a:t>
+              <a:t>‹nº›</a:t>
             </a:fld>
             <a:endParaRPr lang="pt-BR"/>
           </a:p>
@@ -11781,15 +11781,13 @@
           <a:p>
             <a:r>
               <a:rPr lang="pt-BR" dirty="0"/>
-              <a:t>Thomas </a:t>
-            </a:r>
-            <a:r>
-              <a:rPr lang="pt-BR" dirty="0" err="1"/>
-              <a:t>Pilnik</a:t>
-            </a:r>
+              <a:t>Thomas Pilnik – Engenharia da Computação</a:t>
+            </a:r>
+          </a:p>
+          <a:p>
             <a:r>
               <a:rPr lang="pt-BR" dirty="0"/>
-              <a:t> – Engenharia da Computação</a:t>
+              <a:t>Hugo Carl – Engenharia da Computação</a:t>
             </a:r>
           </a:p>
           <a:p>
@@ -11828,7 +11826,7 @@
         </p:blipFill>
         <p:spPr>
           <a:xfrm>
-            <a:off x="6703925" y="3503106"/>
+            <a:off x="7275844" y="3383033"/>
             <a:ext cx="4077956" cy="3058467"/>
           </a:xfrm>
           <a:prstGeom prst="rect">
@@ -13030,15 +13028,15 @@
           <a:p>
             <a:r>
               <a:rPr lang="pt-BR" sz="2400" dirty="0"/>
-              <a:t>Nessa região haverá a </a:t>
-            </a:r>
-            <a:r>
-              <a:rPr lang="pt-BR" sz="2400" dirty="0" err="1"/>
-              <a:t>menubar</a:t>
+              <a:t>Nessa região haverá </a:t>
+            </a:r>
+            <a:r>
+              <a:rPr lang="pt-BR" sz="2400"/>
+              <a:t>a menu bar </a:t>
             </a:r>
             <a:r>
               <a:rPr lang="pt-BR" sz="2400" dirty="0"/>
-              <a:t> com os projetos em ordem de importância: </a:t>
+              <a:t>com os projetos em ordem de importância: </a:t>
             </a:r>
             <a:r>
               <a:rPr lang="pt-BR" sz="2400" dirty="0" err="1"/>
